--- a/Intro to Astro-data .pptx
+++ b/Intro to Astro-data .pptx
@@ -10,22 +10,33 @@
     <p:sldId id="257" r:id="rId4"/>
     <p:sldId id="324" r:id="rId5"/>
     <p:sldId id="327" r:id="rId6"/>
-    <p:sldId id="323" r:id="rId7"/>
-    <p:sldId id="322" r:id="rId8"/>
-    <p:sldId id="325" r:id="rId9"/>
-    <p:sldId id="326" r:id="rId10"/>
-    <p:sldId id="328" r:id="rId11"/>
-    <p:sldId id="281" r:id="rId12"/>
-    <p:sldId id="321" r:id="rId13"/>
-    <p:sldId id="282" r:id="rId14"/>
-    <p:sldId id="283" r:id="rId15"/>
-    <p:sldId id="285" r:id="rId16"/>
-    <p:sldId id="310" r:id="rId17"/>
-    <p:sldId id="293" r:id="rId18"/>
-    <p:sldId id="317" r:id="rId19"/>
-    <p:sldId id="315" r:id="rId20"/>
-    <p:sldId id="316" r:id="rId21"/>
-    <p:sldId id="329" r:id="rId22"/>
+    <p:sldId id="330" r:id="rId7"/>
+    <p:sldId id="323" r:id="rId8"/>
+    <p:sldId id="331" r:id="rId9"/>
+    <p:sldId id="332" r:id="rId10"/>
+    <p:sldId id="333" r:id="rId11"/>
+    <p:sldId id="322" r:id="rId12"/>
+    <p:sldId id="334" r:id="rId13"/>
+    <p:sldId id="340" r:id="rId14"/>
+    <p:sldId id="325" r:id="rId15"/>
+    <p:sldId id="335" r:id="rId16"/>
+    <p:sldId id="326" r:id="rId17"/>
+    <p:sldId id="336" r:id="rId18"/>
+    <p:sldId id="337" r:id="rId19"/>
+    <p:sldId id="338" r:id="rId20"/>
+    <p:sldId id="328" r:id="rId21"/>
+    <p:sldId id="339" r:id="rId22"/>
+    <p:sldId id="281" r:id="rId23"/>
+    <p:sldId id="321" r:id="rId24"/>
+    <p:sldId id="282" r:id="rId25"/>
+    <p:sldId id="283" r:id="rId26"/>
+    <p:sldId id="285" r:id="rId27"/>
+    <p:sldId id="310" r:id="rId28"/>
+    <p:sldId id="293" r:id="rId29"/>
+    <p:sldId id="317" r:id="rId30"/>
+    <p:sldId id="315" r:id="rId31"/>
+    <p:sldId id="316" r:id="rId32"/>
+    <p:sldId id="329" r:id="rId33"/>
   </p:sldIdLst>
   <p:sldSz cx="12192000" cy="6858000"/>
   <p:notesSz cx="6858000" cy="9144000"/>
@@ -14484,6 +14495,984 @@
         </p:nvSpPr>
         <p:spPr>
           <a:xfrm>
+            <a:off x="3474952" y="2575970"/>
+            <a:ext cx="10131425" cy="1456267"/>
+          </a:xfrm>
+        </p:spPr>
+        <p:txBody>
+          <a:bodyPr/>
+          <a:lstStyle/>
+          <a:p>
+            <a:r>
+              <a:rPr lang="en-GB" dirty="0"/>
+              <a:t>Loading In Data Files</a:t>
+            </a:r>
+          </a:p>
+        </p:txBody>
+      </p:sp>
+    </p:spTree>
+    <p:extLst>
+      <p:ext uri="{BB962C8B-B14F-4D97-AF65-F5344CB8AC3E}">
+        <p14:creationId xmlns:p14="http://schemas.microsoft.com/office/powerpoint/2010/main" val="1568051194"/>
+      </p:ext>
+    </p:extLst>
+  </p:cSld>
+  <p:clrMapOvr>
+    <a:masterClrMapping/>
+  </p:clrMapOvr>
+</p:sld>
+</file>
+
+<file path=ppt/slides/slide11.xml><?xml version="1.0" encoding="utf-8"?>
+<p:sld xmlns:a="http://schemas.openxmlformats.org/drawingml/2006/main" xmlns:r="http://schemas.openxmlformats.org/officeDocument/2006/relationships" xmlns:p="http://schemas.openxmlformats.org/presentationml/2006/main">
+  <p:cSld>
+    <p:spTree>
+      <p:nvGrpSpPr>
+        <p:cNvPr id="1" name=""/>
+        <p:cNvGrpSpPr/>
+        <p:nvPr/>
+      </p:nvGrpSpPr>
+      <p:grpSpPr>
+        <a:xfrm>
+          <a:off x="0" y="0"/>
+          <a:ext cx="0" cy="0"/>
+          <a:chOff x="0" y="0"/>
+          <a:chExt cx="0" cy="0"/>
+        </a:xfrm>
+      </p:grpSpPr>
+      <p:sp>
+        <p:nvSpPr>
+          <p:cNvPr id="2" name="Title 1">
+            <a:extLst>
+              <a:ext uri="{FF2B5EF4-FFF2-40B4-BE49-F238E27FC236}">
+                <a16:creationId xmlns:a16="http://schemas.microsoft.com/office/drawing/2014/main" id="{8D93013B-8ED5-FD83-485A-29CA587689BF}"/>
+              </a:ext>
+            </a:extLst>
+          </p:cNvPr>
+          <p:cNvSpPr>
+            <a:spLocks noGrp="1"/>
+          </p:cNvSpPr>
+          <p:nvPr>
+            <p:ph type="title"/>
+          </p:nvPr>
+        </p:nvSpPr>
+        <p:spPr/>
+        <p:txBody>
+          <a:bodyPr/>
+          <a:lstStyle/>
+          <a:p>
+            <a:r>
+              <a:rPr lang="en-GB" dirty="0"/>
+              <a:t>Common Packages to Load in Files</a:t>
+            </a:r>
+          </a:p>
+        </p:txBody>
+      </p:sp>
+      <p:sp>
+        <p:nvSpPr>
+          <p:cNvPr id="3" name="Content Placeholder 2">
+            <a:extLst>
+              <a:ext uri="{FF2B5EF4-FFF2-40B4-BE49-F238E27FC236}">
+                <a16:creationId xmlns:a16="http://schemas.microsoft.com/office/drawing/2014/main" id="{9AA22020-6B2B-30F2-E194-C1CB95400A48}"/>
+              </a:ext>
+            </a:extLst>
+          </p:cNvPr>
+          <p:cNvSpPr>
+            <a:spLocks noGrp="1"/>
+          </p:cNvSpPr>
+          <p:nvPr>
+            <p:ph idx="1"/>
+          </p:nvPr>
+        </p:nvSpPr>
+        <p:spPr/>
+        <p:txBody>
+          <a:bodyPr/>
+          <a:lstStyle/>
+          <a:p>
+            <a:r>
+              <a:rPr lang="en-GB" dirty="0"/>
+              <a:t>Pure Python</a:t>
+            </a:r>
+          </a:p>
+          <a:p>
+            <a:r>
+              <a:rPr lang="en-GB" dirty="0"/>
+              <a:t>CSV</a:t>
+            </a:r>
+          </a:p>
+          <a:p>
+            <a:r>
+              <a:rPr lang="en-GB" dirty="0" err="1"/>
+              <a:t>Numpy</a:t>
+            </a:r>
+            <a:endParaRPr lang="en-GB" dirty="0"/>
+          </a:p>
+          <a:p>
+            <a:r>
+              <a:rPr lang="en-GB" dirty="0" err="1"/>
+              <a:t>Astropy</a:t>
+            </a:r>
+            <a:endParaRPr lang="en-GB" dirty="0"/>
+          </a:p>
+          <a:p>
+            <a:r>
+              <a:rPr lang="en-GB" dirty="0"/>
+              <a:t>H5PY</a:t>
+            </a:r>
+          </a:p>
+          <a:p>
+            <a:r>
+              <a:rPr lang="en-GB" dirty="0"/>
+              <a:t>Pandas</a:t>
+            </a:r>
+          </a:p>
+          <a:p>
+            <a:endParaRPr lang="en-GB" dirty="0"/>
+          </a:p>
+        </p:txBody>
+      </p:sp>
+    </p:spTree>
+    <p:extLst>
+      <p:ext uri="{BB962C8B-B14F-4D97-AF65-F5344CB8AC3E}">
+        <p14:creationId xmlns:p14="http://schemas.microsoft.com/office/powerpoint/2010/main" val="1117022511"/>
+      </p:ext>
+    </p:extLst>
+  </p:cSld>
+  <p:clrMapOvr>
+    <a:masterClrMapping/>
+  </p:clrMapOvr>
+</p:sld>
+</file>
+
+<file path=ppt/slides/slide12.xml><?xml version="1.0" encoding="utf-8"?>
+<p:sld xmlns:a="http://schemas.openxmlformats.org/drawingml/2006/main" xmlns:r="http://schemas.openxmlformats.org/officeDocument/2006/relationships" xmlns:p="http://schemas.openxmlformats.org/presentationml/2006/main">
+  <p:cSld>
+    <p:spTree>
+      <p:nvGrpSpPr>
+        <p:cNvPr id="1" name=""/>
+        <p:cNvGrpSpPr/>
+        <p:nvPr/>
+      </p:nvGrpSpPr>
+      <p:grpSpPr>
+        <a:xfrm>
+          <a:off x="0" y="0"/>
+          <a:ext cx="0" cy="0"/>
+          <a:chOff x="0" y="0"/>
+          <a:chExt cx="0" cy="0"/>
+        </a:xfrm>
+      </p:grpSpPr>
+      <p:sp>
+        <p:nvSpPr>
+          <p:cNvPr id="2" name="Title 1">
+            <a:extLst>
+              <a:ext uri="{FF2B5EF4-FFF2-40B4-BE49-F238E27FC236}">
+                <a16:creationId xmlns:a16="http://schemas.microsoft.com/office/drawing/2014/main" id="{0580393F-EB7A-3E19-B8E4-4207A8B2002F}"/>
+              </a:ext>
+            </a:extLst>
+          </p:cNvPr>
+          <p:cNvSpPr>
+            <a:spLocks noGrp="1"/>
+          </p:cNvSpPr>
+          <p:nvPr>
+            <p:ph type="title"/>
+          </p:nvPr>
+        </p:nvSpPr>
+        <p:spPr/>
+        <p:txBody>
+          <a:bodyPr/>
+          <a:lstStyle/>
+          <a:p>
+            <a:r>
+              <a:rPr lang="en-GB" dirty="0"/>
+              <a:t>Loading in Big Files</a:t>
+            </a:r>
+          </a:p>
+        </p:txBody>
+      </p:sp>
+      <p:sp>
+        <p:nvSpPr>
+          <p:cNvPr id="3" name="Content Placeholder 2">
+            <a:extLst>
+              <a:ext uri="{FF2B5EF4-FFF2-40B4-BE49-F238E27FC236}">
+                <a16:creationId xmlns:a16="http://schemas.microsoft.com/office/drawing/2014/main" id="{953A946E-E4D8-A76B-F7B0-1B34FC631E42}"/>
+              </a:ext>
+            </a:extLst>
+          </p:cNvPr>
+          <p:cNvSpPr>
+            <a:spLocks noGrp="1"/>
+          </p:cNvSpPr>
+          <p:nvPr>
+            <p:ph idx="1"/>
+          </p:nvPr>
+        </p:nvSpPr>
+        <p:spPr/>
+        <p:txBody>
+          <a:bodyPr/>
+          <a:lstStyle/>
+          <a:p>
+            <a:r>
+              <a:rPr lang="en-GB" dirty="0"/>
+              <a:t>Skip rows (for sampling)</a:t>
+            </a:r>
+          </a:p>
+          <a:p>
+            <a:r>
+              <a:rPr lang="en-GB" dirty="0"/>
+              <a:t>Chunking (Pandas) </a:t>
+            </a:r>
+          </a:p>
+        </p:txBody>
+      </p:sp>
+    </p:spTree>
+    <p:extLst>
+      <p:ext uri="{BB962C8B-B14F-4D97-AF65-F5344CB8AC3E}">
+        <p14:creationId xmlns:p14="http://schemas.microsoft.com/office/powerpoint/2010/main" val="1259747078"/>
+      </p:ext>
+    </p:extLst>
+  </p:cSld>
+  <p:clrMapOvr>
+    <a:masterClrMapping/>
+  </p:clrMapOvr>
+</p:sld>
+</file>
+
+<file path=ppt/slides/slide13.xml><?xml version="1.0" encoding="utf-8"?>
+<p:sld xmlns:a="http://schemas.openxmlformats.org/drawingml/2006/main" xmlns:r="http://schemas.openxmlformats.org/officeDocument/2006/relationships" xmlns:p="http://schemas.openxmlformats.org/presentationml/2006/main">
+  <p:cSld>
+    <p:spTree>
+      <p:nvGrpSpPr>
+        <p:cNvPr id="1" name=""/>
+        <p:cNvGrpSpPr/>
+        <p:nvPr/>
+      </p:nvGrpSpPr>
+      <p:grpSpPr>
+        <a:xfrm>
+          <a:off x="0" y="0"/>
+          <a:ext cx="0" cy="0"/>
+          <a:chOff x="0" y="0"/>
+          <a:chExt cx="0" cy="0"/>
+        </a:xfrm>
+      </p:grpSpPr>
+      <p:sp>
+        <p:nvSpPr>
+          <p:cNvPr id="2" name="Title 1">
+            <a:extLst>
+              <a:ext uri="{FF2B5EF4-FFF2-40B4-BE49-F238E27FC236}">
+                <a16:creationId xmlns:a16="http://schemas.microsoft.com/office/drawing/2014/main" id="{D5E8D8A6-2863-137A-8410-7C6E06255E55}"/>
+              </a:ext>
+            </a:extLst>
+          </p:cNvPr>
+          <p:cNvSpPr>
+            <a:spLocks noGrp="1"/>
+          </p:cNvSpPr>
+          <p:nvPr>
+            <p:ph type="title"/>
+          </p:nvPr>
+        </p:nvSpPr>
+        <p:spPr>
+          <a:xfrm>
+            <a:off x="3474952" y="2575970"/>
+            <a:ext cx="10131425" cy="1456267"/>
+          </a:xfrm>
+        </p:spPr>
+        <p:txBody>
+          <a:bodyPr/>
+          <a:lstStyle/>
+          <a:p>
+            <a:r>
+              <a:rPr lang="en-GB" dirty="0"/>
+              <a:t>Processing Data Files</a:t>
+            </a:r>
+          </a:p>
+        </p:txBody>
+      </p:sp>
+    </p:spTree>
+    <p:extLst>
+      <p:ext uri="{BB962C8B-B14F-4D97-AF65-F5344CB8AC3E}">
+        <p14:creationId xmlns:p14="http://schemas.microsoft.com/office/powerpoint/2010/main" val="2447745216"/>
+      </p:ext>
+    </p:extLst>
+  </p:cSld>
+  <p:clrMapOvr>
+    <a:masterClrMapping/>
+  </p:clrMapOvr>
+</p:sld>
+</file>
+
+<file path=ppt/slides/slide14.xml><?xml version="1.0" encoding="utf-8"?>
+<p:sld xmlns:a="http://schemas.openxmlformats.org/drawingml/2006/main" xmlns:r="http://schemas.openxmlformats.org/officeDocument/2006/relationships" xmlns:p="http://schemas.openxmlformats.org/presentationml/2006/main">
+  <p:cSld>
+    <p:spTree>
+      <p:nvGrpSpPr>
+        <p:cNvPr id="1" name=""/>
+        <p:cNvGrpSpPr/>
+        <p:nvPr/>
+      </p:nvGrpSpPr>
+      <p:grpSpPr>
+        <a:xfrm>
+          <a:off x="0" y="0"/>
+          <a:ext cx="0" cy="0"/>
+          <a:chOff x="0" y="0"/>
+          <a:chExt cx="0" cy="0"/>
+        </a:xfrm>
+      </p:grpSpPr>
+      <p:sp>
+        <p:nvSpPr>
+          <p:cNvPr id="2" name="Title 1">
+            <a:extLst>
+              <a:ext uri="{FF2B5EF4-FFF2-40B4-BE49-F238E27FC236}">
+                <a16:creationId xmlns:a16="http://schemas.microsoft.com/office/drawing/2014/main" id="{23E03CF0-CD29-A260-F65E-BE65367DCDCD}"/>
+              </a:ext>
+            </a:extLst>
+          </p:cNvPr>
+          <p:cNvSpPr>
+            <a:spLocks noGrp="1"/>
+          </p:cNvSpPr>
+          <p:nvPr>
+            <p:ph type="title"/>
+          </p:nvPr>
+        </p:nvSpPr>
+        <p:spPr/>
+        <p:txBody>
+          <a:bodyPr/>
+          <a:lstStyle/>
+          <a:p>
+            <a:r>
+              <a:rPr lang="en-GB" dirty="0"/>
+              <a:t>Common Methods to Process Data </a:t>
+            </a:r>
+            <a:r>
+              <a:rPr lang="en-GB" dirty="0" err="1"/>
+              <a:t>FIles</a:t>
+            </a:r>
+            <a:endParaRPr lang="en-GB" dirty="0"/>
+          </a:p>
+        </p:txBody>
+      </p:sp>
+      <p:sp>
+        <p:nvSpPr>
+          <p:cNvPr id="3" name="Content Placeholder 2">
+            <a:extLst>
+              <a:ext uri="{FF2B5EF4-FFF2-40B4-BE49-F238E27FC236}">
+                <a16:creationId xmlns:a16="http://schemas.microsoft.com/office/drawing/2014/main" id="{CD15CFE7-94BE-D1C9-9EB7-319A541A4296}"/>
+              </a:ext>
+            </a:extLst>
+          </p:cNvPr>
+          <p:cNvSpPr>
+            <a:spLocks noGrp="1"/>
+          </p:cNvSpPr>
+          <p:nvPr>
+            <p:ph idx="1"/>
+          </p:nvPr>
+        </p:nvSpPr>
+        <p:spPr/>
+        <p:txBody>
+          <a:bodyPr/>
+          <a:lstStyle/>
+          <a:p>
+            <a:r>
+              <a:rPr lang="en-GB" dirty="0" err="1"/>
+              <a:t>Numpy</a:t>
+            </a:r>
+            <a:r>
+              <a:rPr lang="en-GB" dirty="0"/>
+              <a:t> is your friend</a:t>
+            </a:r>
+          </a:p>
+        </p:txBody>
+      </p:sp>
+    </p:spTree>
+    <p:extLst>
+      <p:ext uri="{BB962C8B-B14F-4D97-AF65-F5344CB8AC3E}">
+        <p14:creationId xmlns:p14="http://schemas.microsoft.com/office/powerpoint/2010/main" val="2713223504"/>
+      </p:ext>
+    </p:extLst>
+  </p:cSld>
+  <p:clrMapOvr>
+    <a:masterClrMapping/>
+  </p:clrMapOvr>
+</p:sld>
+</file>
+
+<file path=ppt/slides/slide15.xml><?xml version="1.0" encoding="utf-8"?>
+<p:sld xmlns:a="http://schemas.openxmlformats.org/drawingml/2006/main" xmlns:r="http://schemas.openxmlformats.org/officeDocument/2006/relationships" xmlns:p="http://schemas.openxmlformats.org/presentationml/2006/main">
+  <p:cSld>
+    <p:spTree>
+      <p:nvGrpSpPr>
+        <p:cNvPr id="1" name=""/>
+        <p:cNvGrpSpPr/>
+        <p:nvPr/>
+      </p:nvGrpSpPr>
+      <p:grpSpPr>
+        <a:xfrm>
+          <a:off x="0" y="0"/>
+          <a:ext cx="0" cy="0"/>
+          <a:chOff x="0" y="0"/>
+          <a:chExt cx="0" cy="0"/>
+        </a:xfrm>
+      </p:grpSpPr>
+      <p:sp>
+        <p:nvSpPr>
+          <p:cNvPr id="2" name="Title 1">
+            <a:extLst>
+              <a:ext uri="{FF2B5EF4-FFF2-40B4-BE49-F238E27FC236}">
+                <a16:creationId xmlns:a16="http://schemas.microsoft.com/office/drawing/2014/main" id="{D5E8D8A6-2863-137A-8410-7C6E06255E55}"/>
+              </a:ext>
+            </a:extLst>
+          </p:cNvPr>
+          <p:cNvSpPr>
+            <a:spLocks noGrp="1"/>
+          </p:cNvSpPr>
+          <p:nvPr>
+            <p:ph type="title"/>
+          </p:nvPr>
+        </p:nvSpPr>
+        <p:spPr>
+          <a:xfrm>
+            <a:off x="3474952" y="2575970"/>
+            <a:ext cx="10131425" cy="1456267"/>
+          </a:xfrm>
+        </p:spPr>
+        <p:txBody>
+          <a:bodyPr/>
+          <a:lstStyle/>
+          <a:p>
+            <a:r>
+              <a:rPr lang="en-GB" dirty="0"/>
+              <a:t>Visualising Data</a:t>
+            </a:r>
+          </a:p>
+        </p:txBody>
+      </p:sp>
+    </p:spTree>
+    <p:extLst>
+      <p:ext uri="{BB962C8B-B14F-4D97-AF65-F5344CB8AC3E}">
+        <p14:creationId xmlns:p14="http://schemas.microsoft.com/office/powerpoint/2010/main" val="929907585"/>
+      </p:ext>
+    </p:extLst>
+  </p:cSld>
+  <p:clrMapOvr>
+    <a:masterClrMapping/>
+  </p:clrMapOvr>
+</p:sld>
+</file>
+
+<file path=ppt/slides/slide16.xml><?xml version="1.0" encoding="utf-8"?>
+<p:sld xmlns:a="http://schemas.openxmlformats.org/drawingml/2006/main" xmlns:r="http://schemas.openxmlformats.org/officeDocument/2006/relationships" xmlns:p="http://schemas.openxmlformats.org/presentationml/2006/main">
+  <p:cSld>
+    <p:spTree>
+      <p:nvGrpSpPr>
+        <p:cNvPr id="1" name=""/>
+        <p:cNvGrpSpPr/>
+        <p:nvPr/>
+      </p:nvGrpSpPr>
+      <p:grpSpPr>
+        <a:xfrm>
+          <a:off x="0" y="0"/>
+          <a:ext cx="0" cy="0"/>
+          <a:chOff x="0" y="0"/>
+          <a:chExt cx="0" cy="0"/>
+        </a:xfrm>
+      </p:grpSpPr>
+      <p:sp>
+        <p:nvSpPr>
+          <p:cNvPr id="2" name="Title 1">
+            <a:extLst>
+              <a:ext uri="{FF2B5EF4-FFF2-40B4-BE49-F238E27FC236}">
+                <a16:creationId xmlns:a16="http://schemas.microsoft.com/office/drawing/2014/main" id="{CFE7FFF7-ADCA-669E-F239-ABC5E1F00B7F}"/>
+              </a:ext>
+            </a:extLst>
+          </p:cNvPr>
+          <p:cNvSpPr>
+            <a:spLocks noGrp="1"/>
+          </p:cNvSpPr>
+          <p:nvPr>
+            <p:ph type="title"/>
+          </p:nvPr>
+        </p:nvSpPr>
+        <p:spPr/>
+        <p:txBody>
+          <a:bodyPr/>
+          <a:lstStyle/>
+          <a:p>
+            <a:r>
+              <a:rPr lang="en-GB" dirty="0"/>
+              <a:t>Matplotlib</a:t>
+            </a:r>
+          </a:p>
+        </p:txBody>
+      </p:sp>
+      <p:sp>
+        <p:nvSpPr>
+          <p:cNvPr id="3" name="Content Placeholder 2">
+            <a:extLst>
+              <a:ext uri="{FF2B5EF4-FFF2-40B4-BE49-F238E27FC236}">
+                <a16:creationId xmlns:a16="http://schemas.microsoft.com/office/drawing/2014/main" id="{CC0D26FC-1EF9-9FB4-ED64-BB7C692FE93E}"/>
+              </a:ext>
+            </a:extLst>
+          </p:cNvPr>
+          <p:cNvSpPr>
+            <a:spLocks noGrp="1"/>
+          </p:cNvSpPr>
+          <p:nvPr>
+            <p:ph idx="1"/>
+          </p:nvPr>
+        </p:nvSpPr>
+        <p:spPr/>
+        <p:txBody>
+          <a:bodyPr/>
+          <a:lstStyle/>
+          <a:p>
+            <a:endParaRPr lang="en-GB"/>
+          </a:p>
+        </p:txBody>
+      </p:sp>
+    </p:spTree>
+    <p:extLst>
+      <p:ext uri="{BB962C8B-B14F-4D97-AF65-F5344CB8AC3E}">
+        <p14:creationId xmlns:p14="http://schemas.microsoft.com/office/powerpoint/2010/main" val="1235326918"/>
+      </p:ext>
+    </p:extLst>
+  </p:cSld>
+  <p:clrMapOvr>
+    <a:masterClrMapping/>
+  </p:clrMapOvr>
+</p:sld>
+</file>
+
+<file path=ppt/slides/slide17.xml><?xml version="1.0" encoding="utf-8"?>
+<p:sld xmlns:a="http://schemas.openxmlformats.org/drawingml/2006/main" xmlns:r="http://schemas.openxmlformats.org/officeDocument/2006/relationships" xmlns:p="http://schemas.openxmlformats.org/presentationml/2006/main">
+  <p:cSld>
+    <p:spTree>
+      <p:nvGrpSpPr>
+        <p:cNvPr id="1" name=""/>
+        <p:cNvGrpSpPr/>
+        <p:nvPr/>
+      </p:nvGrpSpPr>
+      <p:grpSpPr>
+        <a:xfrm>
+          <a:off x="0" y="0"/>
+          <a:ext cx="0" cy="0"/>
+          <a:chOff x="0" y="0"/>
+          <a:chExt cx="0" cy="0"/>
+        </a:xfrm>
+      </p:grpSpPr>
+      <p:sp>
+        <p:nvSpPr>
+          <p:cNvPr id="2" name="Title 1">
+            <a:extLst>
+              <a:ext uri="{FF2B5EF4-FFF2-40B4-BE49-F238E27FC236}">
+                <a16:creationId xmlns:a16="http://schemas.microsoft.com/office/drawing/2014/main" id="{AD86864A-EA94-140E-F9BF-98164A4C42DA}"/>
+              </a:ext>
+            </a:extLst>
+          </p:cNvPr>
+          <p:cNvSpPr>
+            <a:spLocks noGrp="1"/>
+          </p:cNvSpPr>
+          <p:nvPr>
+            <p:ph type="title"/>
+          </p:nvPr>
+        </p:nvSpPr>
+        <p:spPr/>
+        <p:txBody>
+          <a:bodyPr/>
+          <a:lstStyle/>
+          <a:p>
+            <a:r>
+              <a:rPr lang="en-GB" dirty="0"/>
+              <a:t>Seaborn</a:t>
+            </a:r>
+          </a:p>
+        </p:txBody>
+      </p:sp>
+      <p:sp>
+        <p:nvSpPr>
+          <p:cNvPr id="3" name="Content Placeholder 2">
+            <a:extLst>
+              <a:ext uri="{FF2B5EF4-FFF2-40B4-BE49-F238E27FC236}">
+                <a16:creationId xmlns:a16="http://schemas.microsoft.com/office/drawing/2014/main" id="{82C2BC06-6B74-2B55-6E9A-12C4E761E7AE}"/>
+              </a:ext>
+            </a:extLst>
+          </p:cNvPr>
+          <p:cNvSpPr>
+            <a:spLocks noGrp="1"/>
+          </p:cNvSpPr>
+          <p:nvPr>
+            <p:ph idx="1"/>
+          </p:nvPr>
+        </p:nvSpPr>
+        <p:spPr/>
+        <p:txBody>
+          <a:bodyPr/>
+          <a:lstStyle/>
+          <a:p>
+            <a:endParaRPr lang="en-GB"/>
+          </a:p>
+        </p:txBody>
+      </p:sp>
+    </p:spTree>
+    <p:extLst>
+      <p:ext uri="{BB962C8B-B14F-4D97-AF65-F5344CB8AC3E}">
+        <p14:creationId xmlns:p14="http://schemas.microsoft.com/office/powerpoint/2010/main" val="1304117980"/>
+      </p:ext>
+    </p:extLst>
+  </p:cSld>
+  <p:clrMapOvr>
+    <a:masterClrMapping/>
+  </p:clrMapOvr>
+</p:sld>
+</file>
+
+<file path=ppt/slides/slide18.xml><?xml version="1.0" encoding="utf-8"?>
+<p:sld xmlns:a="http://schemas.openxmlformats.org/drawingml/2006/main" xmlns:r="http://schemas.openxmlformats.org/officeDocument/2006/relationships" xmlns:p="http://schemas.openxmlformats.org/presentationml/2006/main">
+  <p:cSld>
+    <p:spTree>
+      <p:nvGrpSpPr>
+        <p:cNvPr id="1" name=""/>
+        <p:cNvGrpSpPr/>
+        <p:nvPr/>
+      </p:nvGrpSpPr>
+      <p:grpSpPr>
+        <a:xfrm>
+          <a:off x="0" y="0"/>
+          <a:ext cx="0" cy="0"/>
+          <a:chOff x="0" y="0"/>
+          <a:chExt cx="0" cy="0"/>
+        </a:xfrm>
+      </p:grpSpPr>
+      <p:sp>
+        <p:nvSpPr>
+          <p:cNvPr id="2" name="Title 1">
+            <a:extLst>
+              <a:ext uri="{FF2B5EF4-FFF2-40B4-BE49-F238E27FC236}">
+                <a16:creationId xmlns:a16="http://schemas.microsoft.com/office/drawing/2014/main" id="{20F9F036-D279-3430-ABDE-FA5F550B5F5E}"/>
+              </a:ext>
+            </a:extLst>
+          </p:cNvPr>
+          <p:cNvSpPr>
+            <a:spLocks noGrp="1"/>
+          </p:cNvSpPr>
+          <p:nvPr>
+            <p:ph type="title"/>
+          </p:nvPr>
+        </p:nvSpPr>
+        <p:spPr/>
+        <p:txBody>
+          <a:bodyPr/>
+          <a:lstStyle/>
+          <a:p>
+            <a:r>
+              <a:rPr lang="en-GB" dirty="0"/>
+              <a:t>PILLOW</a:t>
+            </a:r>
+          </a:p>
+        </p:txBody>
+      </p:sp>
+      <p:sp>
+        <p:nvSpPr>
+          <p:cNvPr id="3" name="Content Placeholder 2">
+            <a:extLst>
+              <a:ext uri="{FF2B5EF4-FFF2-40B4-BE49-F238E27FC236}">
+                <a16:creationId xmlns:a16="http://schemas.microsoft.com/office/drawing/2014/main" id="{EFEA917E-40F3-A270-E2AD-C267D95A5E2B}"/>
+              </a:ext>
+            </a:extLst>
+          </p:cNvPr>
+          <p:cNvSpPr>
+            <a:spLocks noGrp="1"/>
+          </p:cNvSpPr>
+          <p:nvPr>
+            <p:ph idx="1"/>
+          </p:nvPr>
+        </p:nvSpPr>
+        <p:spPr/>
+        <p:txBody>
+          <a:bodyPr/>
+          <a:lstStyle/>
+          <a:p>
+            <a:endParaRPr lang="en-GB"/>
+          </a:p>
+        </p:txBody>
+      </p:sp>
+    </p:spTree>
+    <p:extLst>
+      <p:ext uri="{BB962C8B-B14F-4D97-AF65-F5344CB8AC3E}">
+        <p14:creationId xmlns:p14="http://schemas.microsoft.com/office/powerpoint/2010/main" val="1352214433"/>
+      </p:ext>
+    </p:extLst>
+  </p:cSld>
+  <p:clrMapOvr>
+    <a:masterClrMapping/>
+  </p:clrMapOvr>
+</p:sld>
+</file>
+
+<file path=ppt/slides/slide19.xml><?xml version="1.0" encoding="utf-8"?>
+<p:sld xmlns:a="http://schemas.openxmlformats.org/drawingml/2006/main" xmlns:r="http://schemas.openxmlformats.org/officeDocument/2006/relationships" xmlns:p="http://schemas.openxmlformats.org/presentationml/2006/main">
+  <p:cSld>
+    <p:spTree>
+      <p:nvGrpSpPr>
+        <p:cNvPr id="1" name=""/>
+        <p:cNvGrpSpPr/>
+        <p:nvPr/>
+      </p:nvGrpSpPr>
+      <p:grpSpPr>
+        <a:xfrm>
+          <a:off x="0" y="0"/>
+          <a:ext cx="0" cy="0"/>
+          <a:chOff x="0" y="0"/>
+          <a:chExt cx="0" cy="0"/>
+        </a:xfrm>
+      </p:grpSpPr>
+      <p:sp>
+        <p:nvSpPr>
+          <p:cNvPr id="2" name="Title 1">
+            <a:extLst>
+              <a:ext uri="{FF2B5EF4-FFF2-40B4-BE49-F238E27FC236}">
+                <a16:creationId xmlns:a16="http://schemas.microsoft.com/office/drawing/2014/main" id="{D5E8D8A6-2863-137A-8410-7C6E06255E55}"/>
+              </a:ext>
+            </a:extLst>
+          </p:cNvPr>
+          <p:cNvSpPr>
+            <a:spLocks noGrp="1"/>
+          </p:cNvSpPr>
+          <p:nvPr>
+            <p:ph type="title"/>
+          </p:nvPr>
+        </p:nvSpPr>
+        <p:spPr>
+          <a:xfrm>
+            <a:off x="3474952" y="2575970"/>
+            <a:ext cx="10131425" cy="1456267"/>
+          </a:xfrm>
+        </p:spPr>
+        <p:txBody>
+          <a:bodyPr/>
+          <a:lstStyle/>
+          <a:p>
+            <a:r>
+              <a:rPr lang="en-GB" dirty="0"/>
+              <a:t>Storing Data</a:t>
+            </a:r>
+          </a:p>
+        </p:txBody>
+      </p:sp>
+    </p:spTree>
+    <p:extLst>
+      <p:ext uri="{BB962C8B-B14F-4D97-AF65-F5344CB8AC3E}">
+        <p14:creationId xmlns:p14="http://schemas.microsoft.com/office/powerpoint/2010/main" val="4041152341"/>
+      </p:ext>
+    </p:extLst>
+  </p:cSld>
+  <p:clrMapOvr>
+    <a:masterClrMapping/>
+  </p:clrMapOvr>
+</p:sld>
+</file>
+
+<file path=ppt/slides/slide2.xml><?xml version="1.0" encoding="utf-8"?>
+<p:sld xmlns:a="http://schemas.openxmlformats.org/drawingml/2006/main" xmlns:r="http://schemas.openxmlformats.org/officeDocument/2006/relationships" xmlns:p="http://schemas.openxmlformats.org/presentationml/2006/main">
+  <p:cSld>
+    <p:spTree>
+      <p:nvGrpSpPr>
+        <p:cNvPr id="1" name=""/>
+        <p:cNvGrpSpPr/>
+        <p:nvPr/>
+      </p:nvGrpSpPr>
+      <p:grpSpPr>
+        <a:xfrm>
+          <a:off x="0" y="0"/>
+          <a:ext cx="0" cy="0"/>
+          <a:chOff x="0" y="0"/>
+          <a:chExt cx="0" cy="0"/>
+        </a:xfrm>
+      </p:grpSpPr>
+      <p:sp>
+        <p:nvSpPr>
+          <p:cNvPr id="2" name="Title 1">
+            <a:extLst>
+              <a:ext uri="{FF2B5EF4-FFF2-40B4-BE49-F238E27FC236}">
+                <a16:creationId xmlns:a16="http://schemas.microsoft.com/office/drawing/2014/main" id="{016D0223-F5D1-2992-A164-BAE06ED0D19E}"/>
+              </a:ext>
+            </a:extLst>
+          </p:cNvPr>
+          <p:cNvSpPr>
+            <a:spLocks noGrp="1"/>
+          </p:cNvSpPr>
+          <p:nvPr>
+            <p:ph type="title"/>
+          </p:nvPr>
+        </p:nvSpPr>
+        <p:spPr/>
+        <p:txBody>
+          <a:bodyPr/>
+          <a:lstStyle/>
+          <a:p>
+            <a:r>
+              <a:rPr lang="en-GB" dirty="0"/>
+              <a:t>Disclaimer</a:t>
+            </a:r>
+          </a:p>
+        </p:txBody>
+      </p:sp>
+      <p:sp>
+        <p:nvSpPr>
+          <p:cNvPr id="3" name="Content Placeholder 2">
+            <a:extLst>
+              <a:ext uri="{FF2B5EF4-FFF2-40B4-BE49-F238E27FC236}">
+                <a16:creationId xmlns:a16="http://schemas.microsoft.com/office/drawing/2014/main" id="{9D097EEB-68CF-DD49-80E2-9EFAE5B1574A}"/>
+              </a:ext>
+            </a:extLst>
+          </p:cNvPr>
+          <p:cNvSpPr>
+            <a:spLocks noGrp="1"/>
+          </p:cNvSpPr>
+          <p:nvPr>
+            <p:ph idx="1"/>
+          </p:nvPr>
+        </p:nvSpPr>
+        <p:spPr/>
+        <p:txBody>
+          <a:bodyPr/>
+          <a:lstStyle/>
+          <a:p>
+            <a:pPr marL="0" indent="0">
+              <a:buNone/>
+            </a:pPr>
+            <a:r>
+              <a:rPr lang="en-GB" dirty="0"/>
+              <a:t>This session acts as a reference guide – I’m not a Python wizard by any means, I just have a couple of years of experience with it and am also learning. </a:t>
+            </a:r>
+          </a:p>
+        </p:txBody>
+      </p:sp>
+    </p:spTree>
+    <p:extLst>
+      <p:ext uri="{BB962C8B-B14F-4D97-AF65-F5344CB8AC3E}">
+        <p14:creationId xmlns:p14="http://schemas.microsoft.com/office/powerpoint/2010/main" val="2664159946"/>
+      </p:ext>
+    </p:extLst>
+  </p:cSld>
+  <p:clrMapOvr>
+    <a:masterClrMapping/>
+  </p:clrMapOvr>
+</p:sld>
+</file>
+
+<file path=ppt/slides/slide20.xml><?xml version="1.0" encoding="utf-8"?>
+<p:sld xmlns:a="http://schemas.openxmlformats.org/drawingml/2006/main" xmlns:r="http://schemas.openxmlformats.org/officeDocument/2006/relationships" xmlns:p="http://schemas.openxmlformats.org/presentationml/2006/main">
+  <p:cSld>
+    <p:spTree>
+      <p:nvGrpSpPr>
+        <p:cNvPr id="1" name=""/>
+        <p:cNvGrpSpPr/>
+        <p:nvPr/>
+      </p:nvGrpSpPr>
+      <p:grpSpPr>
+        <a:xfrm>
+          <a:off x="0" y="0"/>
+          <a:ext cx="0" cy="0"/>
+          <a:chOff x="0" y="0"/>
+          <a:chExt cx="0" cy="0"/>
+        </a:xfrm>
+      </p:grpSpPr>
+      <p:sp>
+        <p:nvSpPr>
+          <p:cNvPr id="2" name="Title 1">
+            <a:extLst>
+              <a:ext uri="{FF2B5EF4-FFF2-40B4-BE49-F238E27FC236}">
+                <a16:creationId xmlns:a16="http://schemas.microsoft.com/office/drawing/2014/main" id="{2D63E53A-6709-BDF8-10BE-46E9361E8B06}"/>
+              </a:ext>
+            </a:extLst>
+          </p:cNvPr>
+          <p:cNvSpPr>
+            <a:spLocks noGrp="1"/>
+          </p:cNvSpPr>
+          <p:nvPr>
+            <p:ph type="title"/>
+          </p:nvPr>
+        </p:nvSpPr>
+        <p:spPr/>
+        <p:txBody>
+          <a:bodyPr/>
+          <a:lstStyle/>
+          <a:p>
+            <a:endParaRPr lang="en-GB" dirty="0"/>
+          </a:p>
+        </p:txBody>
+      </p:sp>
+      <p:sp>
+        <p:nvSpPr>
+          <p:cNvPr id="3" name="Content Placeholder 2">
+            <a:extLst>
+              <a:ext uri="{FF2B5EF4-FFF2-40B4-BE49-F238E27FC236}">
+                <a16:creationId xmlns:a16="http://schemas.microsoft.com/office/drawing/2014/main" id="{677B7130-31CD-A832-CE9B-0F7C8965EE9A}"/>
+              </a:ext>
+            </a:extLst>
+          </p:cNvPr>
+          <p:cNvSpPr>
+            <a:spLocks noGrp="1"/>
+          </p:cNvSpPr>
+          <p:nvPr>
+            <p:ph idx="1"/>
+          </p:nvPr>
+        </p:nvSpPr>
+        <p:spPr/>
+        <p:txBody>
+          <a:bodyPr/>
+          <a:lstStyle/>
+          <a:p>
+            <a:endParaRPr lang="en-GB"/>
+          </a:p>
+        </p:txBody>
+      </p:sp>
+    </p:spTree>
+    <p:extLst>
+      <p:ext uri="{BB962C8B-B14F-4D97-AF65-F5344CB8AC3E}">
+        <p14:creationId xmlns:p14="http://schemas.microsoft.com/office/powerpoint/2010/main" val="2936927109"/>
+      </p:ext>
+    </p:extLst>
+  </p:cSld>
+  <p:clrMapOvr>
+    <a:masterClrMapping/>
+  </p:clrMapOvr>
+</p:sld>
+</file>
+
+<file path=ppt/slides/slide21.xml><?xml version="1.0" encoding="utf-8"?>
+<p:sld xmlns:a="http://schemas.openxmlformats.org/drawingml/2006/main" xmlns:r="http://schemas.openxmlformats.org/officeDocument/2006/relationships" xmlns:p="http://schemas.openxmlformats.org/presentationml/2006/main">
+  <p:cSld>
+    <p:spTree>
+      <p:nvGrpSpPr>
+        <p:cNvPr id="1" name=""/>
+        <p:cNvGrpSpPr/>
+        <p:nvPr/>
+      </p:nvGrpSpPr>
+      <p:grpSpPr>
+        <a:xfrm>
+          <a:off x="0" y="0"/>
+          <a:ext cx="0" cy="0"/>
+          <a:chOff x="0" y="0"/>
+          <a:chExt cx="0" cy="0"/>
+        </a:xfrm>
+      </p:grpSpPr>
+      <p:sp>
+        <p:nvSpPr>
+          <p:cNvPr id="2" name="Title 1">
+            <a:extLst>
+              <a:ext uri="{FF2B5EF4-FFF2-40B4-BE49-F238E27FC236}">
+                <a16:creationId xmlns:a16="http://schemas.microsoft.com/office/drawing/2014/main" id="{D5E8D8A6-2863-137A-8410-7C6E06255E55}"/>
+              </a:ext>
+            </a:extLst>
+          </p:cNvPr>
+          <p:cNvSpPr>
+            <a:spLocks noGrp="1"/>
+          </p:cNvSpPr>
+          <p:nvPr>
+            <p:ph type="title"/>
+          </p:nvPr>
+        </p:nvSpPr>
+        <p:spPr>
+          <a:xfrm>
             <a:off x="5606922" y="2522181"/>
             <a:ext cx="10131425" cy="1456267"/>
           </a:xfrm>
@@ -14512,7 +15501,7 @@
 </p:sld>
 </file>
 
-<file path=ppt/slides/slide11.xml><?xml version="1.0" encoding="utf-8"?>
+<file path=ppt/slides/slide22.xml><?xml version="1.0" encoding="utf-8"?>
 <p:sld xmlns:a="http://schemas.openxmlformats.org/drawingml/2006/main" xmlns:r="http://schemas.openxmlformats.org/officeDocument/2006/relationships" xmlns:p="http://schemas.openxmlformats.org/presentationml/2006/main">
   <p:cSld>
     <p:spTree>
@@ -14858,7 +15847,7 @@
 </p:sld>
 </file>
 
-<file path=ppt/slides/slide12.xml><?xml version="1.0" encoding="utf-8"?>
+<file path=ppt/slides/slide23.xml><?xml version="1.0" encoding="utf-8"?>
 <p:sld xmlns:a="http://schemas.openxmlformats.org/drawingml/2006/main" xmlns:r="http://schemas.openxmlformats.org/officeDocument/2006/relationships" xmlns:p="http://schemas.openxmlformats.org/presentationml/2006/main">
   <p:cSld>
     <p:spTree>
@@ -15200,7 +16189,7 @@
 </p:sld>
 </file>
 
-<file path=ppt/slides/slide13.xml><?xml version="1.0" encoding="utf-8"?>
+<file path=ppt/slides/slide24.xml><?xml version="1.0" encoding="utf-8"?>
 <p:sld xmlns:a="http://schemas.openxmlformats.org/drawingml/2006/main" xmlns:r="http://schemas.openxmlformats.org/officeDocument/2006/relationships" xmlns:p="http://schemas.openxmlformats.org/presentationml/2006/main">
   <p:cSld>
     <p:bg>
@@ -15447,7 +16436,7 @@
 </p:sld>
 </file>
 
-<file path=ppt/slides/slide14.xml><?xml version="1.0" encoding="utf-8"?>
+<file path=ppt/slides/slide25.xml><?xml version="1.0" encoding="utf-8"?>
 <p:sld xmlns:a="http://schemas.openxmlformats.org/drawingml/2006/main" xmlns:r="http://schemas.openxmlformats.org/officeDocument/2006/relationships" xmlns:p="http://schemas.openxmlformats.org/presentationml/2006/main" show="0">
   <p:cSld>
     <p:spTree>
@@ -15530,7 +16519,7 @@
 </p:sld>
 </file>
 
-<file path=ppt/slides/slide15.xml><?xml version="1.0" encoding="utf-8"?>
+<file path=ppt/slides/slide26.xml><?xml version="1.0" encoding="utf-8"?>
 <p:sld xmlns:a="http://schemas.openxmlformats.org/drawingml/2006/main" xmlns:r="http://schemas.openxmlformats.org/officeDocument/2006/relationships" xmlns:p="http://schemas.openxmlformats.org/presentationml/2006/main" show="0">
   <p:cSld>
     <p:spTree>
@@ -15613,7 +16602,7 @@
 </p:sld>
 </file>
 
-<file path=ppt/slides/slide16.xml><?xml version="1.0" encoding="utf-8"?>
+<file path=ppt/slides/slide27.xml><?xml version="1.0" encoding="utf-8"?>
 <p:sld xmlns:a="http://schemas.openxmlformats.org/drawingml/2006/main" xmlns:r="http://schemas.openxmlformats.org/officeDocument/2006/relationships" xmlns:p="http://schemas.openxmlformats.org/presentationml/2006/main">
   <p:cSld>
     <p:spTree>
@@ -15676,7 +16665,7 @@
 </p:sld>
 </file>
 
-<file path=ppt/slides/slide17.xml><?xml version="1.0" encoding="utf-8"?>
+<file path=ppt/slides/slide28.xml><?xml version="1.0" encoding="utf-8"?>
 <p:sld xmlns:a="http://schemas.openxmlformats.org/drawingml/2006/main" xmlns:r="http://schemas.openxmlformats.org/officeDocument/2006/relationships" xmlns:p="http://schemas.openxmlformats.org/presentationml/2006/main">
   <p:cSld>
     <p:bg>
@@ -16000,7 +16989,7 @@
 </p:sld>
 </file>
 
-<file path=ppt/slides/slide18.xml><?xml version="1.0" encoding="utf-8"?>
+<file path=ppt/slides/slide29.xml><?xml version="1.0" encoding="utf-8"?>
 <p:sld xmlns:a="http://schemas.openxmlformats.org/drawingml/2006/main" xmlns:r="http://schemas.openxmlformats.org/officeDocument/2006/relationships" xmlns:p="http://schemas.openxmlformats.org/presentationml/2006/main">
   <p:cSld>
     <p:bg>
@@ -16223,7 +17212,90 @@
 </p:sld>
 </file>
 
-<file path=ppt/slides/slide19.xml><?xml version="1.0" encoding="utf-8"?>
+<file path=ppt/slides/slide3.xml><?xml version="1.0" encoding="utf-8"?>
+<p:sld xmlns:a="http://schemas.openxmlformats.org/drawingml/2006/main" xmlns:r="http://schemas.openxmlformats.org/officeDocument/2006/relationships" xmlns:p="http://schemas.openxmlformats.org/presentationml/2006/main">
+  <p:cSld>
+    <p:spTree>
+      <p:nvGrpSpPr>
+        <p:cNvPr id="1" name=""/>
+        <p:cNvGrpSpPr/>
+        <p:nvPr/>
+      </p:nvGrpSpPr>
+      <p:grpSpPr>
+        <a:xfrm>
+          <a:off x="0" y="0"/>
+          <a:ext cx="0" cy="0"/>
+          <a:chOff x="0" y="0"/>
+          <a:chExt cx="0" cy="0"/>
+        </a:xfrm>
+      </p:grpSpPr>
+      <p:sp>
+        <p:nvSpPr>
+          <p:cNvPr id="2" name="Title 1">
+            <a:extLst>
+              <a:ext uri="{FF2B5EF4-FFF2-40B4-BE49-F238E27FC236}">
+                <a16:creationId xmlns:a16="http://schemas.microsoft.com/office/drawing/2014/main" id="{FD678533-ABB1-B8BA-35E3-9F7419A39DF0}"/>
+              </a:ext>
+            </a:extLst>
+          </p:cNvPr>
+          <p:cNvSpPr>
+            <a:spLocks noGrp="1"/>
+          </p:cNvSpPr>
+          <p:nvPr>
+            <p:ph type="title"/>
+          </p:nvPr>
+        </p:nvSpPr>
+        <p:spPr/>
+        <p:txBody>
+          <a:bodyPr/>
+          <a:lstStyle/>
+          <a:p>
+            <a:r>
+              <a:rPr lang="en-GB" dirty="0"/>
+              <a:t>Resources – Follow Along</a:t>
+            </a:r>
+          </a:p>
+        </p:txBody>
+      </p:sp>
+      <p:sp>
+        <p:nvSpPr>
+          <p:cNvPr id="3" name="Content Placeholder 2">
+            <a:extLst>
+              <a:ext uri="{FF2B5EF4-FFF2-40B4-BE49-F238E27FC236}">
+                <a16:creationId xmlns:a16="http://schemas.microsoft.com/office/drawing/2014/main" id="{E0892F5E-7CC6-1CFB-4ED8-37C1BEA8EB08}"/>
+              </a:ext>
+            </a:extLst>
+          </p:cNvPr>
+          <p:cNvSpPr>
+            <a:spLocks noGrp="1"/>
+          </p:cNvSpPr>
+          <p:nvPr>
+            <p:ph idx="1"/>
+          </p:nvPr>
+        </p:nvSpPr>
+        <p:spPr/>
+        <p:txBody>
+          <a:bodyPr/>
+          <a:lstStyle/>
+          <a:p>
+            <a:endParaRPr lang="en-GB"/>
+          </a:p>
+        </p:txBody>
+      </p:sp>
+    </p:spTree>
+    <p:extLst>
+      <p:ext uri="{BB962C8B-B14F-4D97-AF65-F5344CB8AC3E}">
+        <p14:creationId xmlns:p14="http://schemas.microsoft.com/office/powerpoint/2010/main" val="354102173"/>
+      </p:ext>
+    </p:extLst>
+  </p:cSld>
+  <p:clrMapOvr>
+    <a:masterClrMapping/>
+  </p:clrMapOvr>
+</p:sld>
+</file>
+
+<file path=ppt/slides/slide30.xml><?xml version="1.0" encoding="utf-8"?>
 <p:sld xmlns:a="http://schemas.openxmlformats.org/drawingml/2006/main" xmlns:r="http://schemas.openxmlformats.org/officeDocument/2006/relationships" xmlns:p="http://schemas.openxmlformats.org/presentationml/2006/main">
   <p:cSld>
     <p:bg>
@@ -16452,7 +17524,7 @@
 </p:sld>
 </file>
 
-<file path=ppt/slides/slide2.xml><?xml version="1.0" encoding="utf-8"?>
+<file path=ppt/slides/slide31.xml><?xml version="1.0" encoding="utf-8"?>
 <p:sld xmlns:a="http://schemas.openxmlformats.org/drawingml/2006/main" xmlns:r="http://schemas.openxmlformats.org/officeDocument/2006/relationships" xmlns:p="http://schemas.openxmlformats.org/presentationml/2006/main">
   <p:cSld>
     <p:spTree>
@@ -16474,95 +17546,6 @@
           <p:cNvPr id="2" name="Title 1">
             <a:extLst>
               <a:ext uri="{FF2B5EF4-FFF2-40B4-BE49-F238E27FC236}">
-                <a16:creationId xmlns:a16="http://schemas.microsoft.com/office/drawing/2014/main" id="{016D0223-F5D1-2992-A164-BAE06ED0D19E}"/>
-              </a:ext>
-            </a:extLst>
-          </p:cNvPr>
-          <p:cNvSpPr>
-            <a:spLocks noGrp="1"/>
-          </p:cNvSpPr>
-          <p:nvPr>
-            <p:ph type="title"/>
-          </p:nvPr>
-        </p:nvSpPr>
-        <p:spPr/>
-        <p:txBody>
-          <a:bodyPr/>
-          <a:lstStyle/>
-          <a:p>
-            <a:r>
-              <a:rPr lang="en-GB" dirty="0"/>
-              <a:t>Disclaimer</a:t>
-            </a:r>
-          </a:p>
-        </p:txBody>
-      </p:sp>
-      <p:sp>
-        <p:nvSpPr>
-          <p:cNvPr id="3" name="Content Placeholder 2">
-            <a:extLst>
-              <a:ext uri="{FF2B5EF4-FFF2-40B4-BE49-F238E27FC236}">
-                <a16:creationId xmlns:a16="http://schemas.microsoft.com/office/drawing/2014/main" id="{9D097EEB-68CF-DD49-80E2-9EFAE5B1574A}"/>
-              </a:ext>
-            </a:extLst>
-          </p:cNvPr>
-          <p:cNvSpPr>
-            <a:spLocks noGrp="1"/>
-          </p:cNvSpPr>
-          <p:nvPr>
-            <p:ph idx="1"/>
-          </p:nvPr>
-        </p:nvSpPr>
-        <p:spPr/>
-        <p:txBody>
-          <a:bodyPr/>
-          <a:lstStyle/>
-          <a:p>
-            <a:pPr marL="0" indent="0">
-              <a:buNone/>
-            </a:pPr>
-            <a:r>
-              <a:rPr lang="en-GB" dirty="0"/>
-              <a:t>This session acts as a reference guide – I’m not a Python wizard by any means, I just have a couple of years of experience with it and am also learning. </a:t>
-            </a:r>
-          </a:p>
-        </p:txBody>
-      </p:sp>
-    </p:spTree>
-    <p:extLst>
-      <p:ext uri="{BB962C8B-B14F-4D97-AF65-F5344CB8AC3E}">
-        <p14:creationId xmlns:p14="http://schemas.microsoft.com/office/powerpoint/2010/main" val="2664159946"/>
-      </p:ext>
-    </p:extLst>
-  </p:cSld>
-  <p:clrMapOvr>
-    <a:masterClrMapping/>
-  </p:clrMapOvr>
-</p:sld>
-</file>
-
-<file path=ppt/slides/slide20.xml><?xml version="1.0" encoding="utf-8"?>
-<p:sld xmlns:a="http://schemas.openxmlformats.org/drawingml/2006/main" xmlns:r="http://schemas.openxmlformats.org/officeDocument/2006/relationships" xmlns:p="http://schemas.openxmlformats.org/presentationml/2006/main">
-  <p:cSld>
-    <p:spTree>
-      <p:nvGrpSpPr>
-        <p:cNvPr id="1" name=""/>
-        <p:cNvGrpSpPr/>
-        <p:nvPr/>
-      </p:nvGrpSpPr>
-      <p:grpSpPr>
-        <a:xfrm>
-          <a:off x="0" y="0"/>
-          <a:ext cx="0" cy="0"/>
-          <a:chOff x="0" y="0"/>
-          <a:chExt cx="0" cy="0"/>
-        </a:xfrm>
-      </p:grpSpPr>
-      <p:sp>
-        <p:nvSpPr>
-          <p:cNvPr id="2" name="Title 1">
-            <a:extLst>
-              <a:ext uri="{FF2B5EF4-FFF2-40B4-BE49-F238E27FC236}">
                 <a16:creationId xmlns:a16="http://schemas.microsoft.com/office/drawing/2014/main" id="{D2F5EF78-BD6B-9EBD-5647-7D7221FCD374}"/>
               </a:ext>
             </a:extLst>
@@ -16615,89 +17598,6 @@
     <p:extLst>
       <p:ext uri="{BB962C8B-B14F-4D97-AF65-F5344CB8AC3E}">
         <p14:creationId xmlns:p14="http://schemas.microsoft.com/office/powerpoint/2010/main" val="1985607675"/>
-      </p:ext>
-    </p:extLst>
-  </p:cSld>
-  <p:clrMapOvr>
-    <a:masterClrMapping/>
-  </p:clrMapOvr>
-</p:sld>
-</file>
-
-<file path=ppt/slides/slide3.xml><?xml version="1.0" encoding="utf-8"?>
-<p:sld xmlns:a="http://schemas.openxmlformats.org/drawingml/2006/main" xmlns:r="http://schemas.openxmlformats.org/officeDocument/2006/relationships" xmlns:p="http://schemas.openxmlformats.org/presentationml/2006/main">
-  <p:cSld>
-    <p:spTree>
-      <p:nvGrpSpPr>
-        <p:cNvPr id="1" name=""/>
-        <p:cNvGrpSpPr/>
-        <p:nvPr/>
-      </p:nvGrpSpPr>
-      <p:grpSpPr>
-        <a:xfrm>
-          <a:off x="0" y="0"/>
-          <a:ext cx="0" cy="0"/>
-          <a:chOff x="0" y="0"/>
-          <a:chExt cx="0" cy="0"/>
-        </a:xfrm>
-      </p:grpSpPr>
-      <p:sp>
-        <p:nvSpPr>
-          <p:cNvPr id="2" name="Title 1">
-            <a:extLst>
-              <a:ext uri="{FF2B5EF4-FFF2-40B4-BE49-F238E27FC236}">
-                <a16:creationId xmlns:a16="http://schemas.microsoft.com/office/drawing/2014/main" id="{FD678533-ABB1-B8BA-35E3-9F7419A39DF0}"/>
-              </a:ext>
-            </a:extLst>
-          </p:cNvPr>
-          <p:cNvSpPr>
-            <a:spLocks noGrp="1"/>
-          </p:cNvSpPr>
-          <p:nvPr>
-            <p:ph type="title"/>
-          </p:nvPr>
-        </p:nvSpPr>
-        <p:spPr/>
-        <p:txBody>
-          <a:bodyPr/>
-          <a:lstStyle/>
-          <a:p>
-            <a:r>
-              <a:rPr lang="en-GB" dirty="0"/>
-              <a:t>Resources – Follow Along</a:t>
-            </a:r>
-          </a:p>
-        </p:txBody>
-      </p:sp>
-      <p:sp>
-        <p:nvSpPr>
-          <p:cNvPr id="3" name="Content Placeholder 2">
-            <a:extLst>
-              <a:ext uri="{FF2B5EF4-FFF2-40B4-BE49-F238E27FC236}">
-                <a16:creationId xmlns:a16="http://schemas.microsoft.com/office/drawing/2014/main" id="{E0892F5E-7CC6-1CFB-4ED8-37C1BEA8EB08}"/>
-              </a:ext>
-            </a:extLst>
-          </p:cNvPr>
-          <p:cNvSpPr>
-            <a:spLocks noGrp="1"/>
-          </p:cNvSpPr>
-          <p:nvPr>
-            <p:ph idx="1"/>
-          </p:nvPr>
-        </p:nvSpPr>
-        <p:spPr/>
-        <p:txBody>
-          <a:bodyPr/>
-          <a:lstStyle/>
-          <a:p>
-            <a:endParaRPr lang="en-GB"/>
-          </a:p>
-        </p:txBody>
-      </p:sp>
-    </p:spTree>
-    <p:extLst>
-      <p:ext uri="{BB962C8B-B14F-4D97-AF65-F5344CB8AC3E}">
-        <p14:creationId xmlns:p14="http://schemas.microsoft.com/office/powerpoint/2010/main" val="354102173"/>
       </p:ext>
     </p:extLst>
   </p:cSld>
@@ -16793,7 +17693,7 @@
           <p:cNvPr id="2" name="Title 1">
             <a:extLst>
               <a:ext uri="{FF2B5EF4-FFF2-40B4-BE49-F238E27FC236}">
-                <a16:creationId xmlns:a16="http://schemas.microsoft.com/office/drawing/2014/main" id="{D5E8D8A6-2863-137A-8410-7C6E06255E55}"/>
+                <a16:creationId xmlns:a16="http://schemas.microsoft.com/office/drawing/2014/main" id="{69BB0CFA-F43C-A690-2C93-98478DBD07C8}"/>
               </a:ext>
             </a:extLst>
           </p:cNvPr>
@@ -16804,28 +17704,47 @@
             <p:ph type="title"/>
           </p:nvPr>
         </p:nvSpPr>
-        <p:spPr>
-          <a:xfrm>
-            <a:off x="1191499" y="2600419"/>
-            <a:ext cx="10131425" cy="1456267"/>
-          </a:xfrm>
-        </p:spPr>
+        <p:spPr/>
         <p:txBody>
           <a:bodyPr/>
           <a:lstStyle/>
           <a:p>
-            <a:pPr algn="ctr"/>
             <a:r>
               <a:rPr lang="en-GB" dirty="0"/>
-              <a:t>File Formats</a:t>
-            </a:r>
+              <a:t>Methods to Download Data</a:t>
+            </a:r>
+          </a:p>
+        </p:txBody>
+      </p:sp>
+      <p:sp>
+        <p:nvSpPr>
+          <p:cNvPr id="3" name="Content Placeholder 2">
+            <a:extLst>
+              <a:ext uri="{FF2B5EF4-FFF2-40B4-BE49-F238E27FC236}">
+                <a16:creationId xmlns:a16="http://schemas.microsoft.com/office/drawing/2014/main" id="{E55901F0-296F-2E9E-9A15-A39D3CEC05B3}"/>
+              </a:ext>
+            </a:extLst>
+          </p:cNvPr>
+          <p:cNvSpPr>
+            <a:spLocks noGrp="1"/>
+          </p:cNvSpPr>
+          <p:nvPr>
+            <p:ph idx="1"/>
+          </p:nvPr>
+        </p:nvSpPr>
+        <p:spPr/>
+        <p:txBody>
+          <a:bodyPr/>
+          <a:lstStyle/>
+          <a:p>
+            <a:endParaRPr lang="en-GB"/>
           </a:p>
         </p:txBody>
       </p:sp>
     </p:spTree>
     <p:extLst>
       <p:ext uri="{BB962C8B-B14F-4D97-AF65-F5344CB8AC3E}">
-        <p14:creationId xmlns:p14="http://schemas.microsoft.com/office/powerpoint/2010/main" val="30908752"/>
+        <p14:creationId xmlns:p14="http://schemas.microsoft.com/office/powerpoint/2010/main" val="1255804583"/>
       </p:ext>
     </p:extLst>
   </p:cSld>
@@ -16870,7 +17789,7 @@
         </p:nvSpPr>
         <p:spPr>
           <a:xfrm>
-            <a:off x="3474952" y="2575970"/>
+            <a:off x="1191499" y="2600419"/>
             <a:ext cx="10131425" cy="1456267"/>
           </a:xfrm>
         </p:spPr>
@@ -16878,9 +17797,10 @@
           <a:bodyPr/>
           <a:lstStyle/>
           <a:p>
+            <a:pPr algn="ctr"/>
             <a:r>
               <a:rPr lang="en-GB" dirty="0"/>
-              <a:t>Loading In Data Files</a:t>
+              <a:t>File Formats</a:t>
             </a:r>
           </a:p>
         </p:txBody>
@@ -16888,7 +17808,7 @@
     </p:spTree>
     <p:extLst>
       <p:ext uri="{BB962C8B-B14F-4D97-AF65-F5344CB8AC3E}">
-        <p14:creationId xmlns:p14="http://schemas.microsoft.com/office/powerpoint/2010/main" val="1568051194"/>
+        <p14:creationId xmlns:p14="http://schemas.microsoft.com/office/powerpoint/2010/main" val="30908752"/>
       </p:ext>
     </p:extLst>
   </p:cSld>
@@ -16920,7 +17840,7 @@
           <p:cNvPr id="2" name="Title 1">
             <a:extLst>
               <a:ext uri="{FF2B5EF4-FFF2-40B4-BE49-F238E27FC236}">
-                <a16:creationId xmlns:a16="http://schemas.microsoft.com/office/drawing/2014/main" id="{D5E8D8A6-2863-137A-8410-7C6E06255E55}"/>
+                <a16:creationId xmlns:a16="http://schemas.microsoft.com/office/drawing/2014/main" id="{295B8C97-B23C-9C92-8FD7-307BB1F48BD4}"/>
               </a:ext>
             </a:extLst>
           </p:cNvPr>
@@ -16931,19 +17851,67 @@
             <p:ph type="title"/>
           </p:nvPr>
         </p:nvSpPr>
-        <p:spPr>
-          <a:xfrm>
-            <a:off x="3474952" y="2575970"/>
-            <a:ext cx="10131425" cy="1456267"/>
-          </a:xfrm>
-        </p:spPr>
+        <p:spPr/>
         <p:txBody>
           <a:bodyPr/>
           <a:lstStyle/>
           <a:p>
             <a:r>
               <a:rPr lang="en-GB" dirty="0"/>
-              <a:t>Processing Data Files</a:t>
+              <a:t>Common Types</a:t>
+            </a:r>
+          </a:p>
+        </p:txBody>
+      </p:sp>
+      <p:sp>
+        <p:nvSpPr>
+          <p:cNvPr id="3" name="Content Placeholder 2">
+            <a:extLst>
+              <a:ext uri="{FF2B5EF4-FFF2-40B4-BE49-F238E27FC236}">
+                <a16:creationId xmlns:a16="http://schemas.microsoft.com/office/drawing/2014/main" id="{BD2B67F6-8A28-A5C0-2F0F-2188B74848E7}"/>
+              </a:ext>
+            </a:extLst>
+          </p:cNvPr>
+          <p:cNvSpPr>
+            <a:spLocks noGrp="1"/>
+          </p:cNvSpPr>
+          <p:nvPr>
+            <p:ph idx="1"/>
+          </p:nvPr>
+        </p:nvSpPr>
+        <p:spPr/>
+        <p:txBody>
+          <a:bodyPr/>
+          <a:lstStyle/>
+          <a:p>
+            <a:r>
+              <a:rPr lang="en-GB" dirty="0"/>
+              <a:t>Typical data formats that you will encounter:</a:t>
+            </a:r>
+          </a:p>
+          <a:p>
+            <a:pPr lvl="1"/>
+            <a:r>
+              <a:rPr lang="en-GB" dirty="0"/>
+              <a:t>CSV (Comma-Separated Value)</a:t>
+            </a:r>
+          </a:p>
+          <a:p>
+            <a:pPr lvl="1"/>
+            <a:r>
+              <a:rPr lang="en-GB" dirty="0"/>
+              <a:t>TXT (Text File)</a:t>
+            </a:r>
+          </a:p>
+          <a:p>
+            <a:pPr lvl="1"/>
+            <a:r>
+              <a:rPr lang="en-GB" dirty="0" err="1"/>
+              <a:t>Dat</a:t>
+            </a:r>
+            <a:r>
+              <a:rPr lang="en-GB" dirty="0"/>
+              <a:t> (Data File) </a:t>
             </a:r>
           </a:p>
         </p:txBody>
@@ -16951,7 +17919,7 @@
     </p:spTree>
     <p:extLst>
       <p:ext uri="{BB962C8B-B14F-4D97-AF65-F5344CB8AC3E}">
-        <p14:creationId xmlns:p14="http://schemas.microsoft.com/office/powerpoint/2010/main" val="2447745216"/>
+        <p14:creationId xmlns:p14="http://schemas.microsoft.com/office/powerpoint/2010/main" val="1315585246"/>
       </p:ext>
     </p:extLst>
   </p:cSld>
@@ -16983,7 +17951,7 @@
           <p:cNvPr id="2" name="Title 1">
             <a:extLst>
               <a:ext uri="{FF2B5EF4-FFF2-40B4-BE49-F238E27FC236}">
-                <a16:creationId xmlns:a16="http://schemas.microsoft.com/office/drawing/2014/main" id="{D5E8D8A6-2863-137A-8410-7C6E06255E55}"/>
+                <a16:creationId xmlns:a16="http://schemas.microsoft.com/office/drawing/2014/main" id="{27E6E1A1-34E4-FEAF-5B2D-52B32EBD75CC}"/>
               </a:ext>
             </a:extLst>
           </p:cNvPr>
@@ -16994,27 +17962,47 @@
             <p:ph type="title"/>
           </p:nvPr>
         </p:nvSpPr>
-        <p:spPr>
-          <a:xfrm>
-            <a:off x="3474952" y="2575970"/>
-            <a:ext cx="10131425" cy="1456267"/>
-          </a:xfrm>
-        </p:spPr>
+        <p:spPr/>
         <p:txBody>
           <a:bodyPr/>
           <a:lstStyle/>
           <a:p>
             <a:r>
               <a:rPr lang="en-GB" dirty="0"/>
-              <a:t>Visualising Data</a:t>
-            </a:r>
+              <a:t>FITS</a:t>
+            </a:r>
+          </a:p>
+        </p:txBody>
+      </p:sp>
+      <p:sp>
+        <p:nvSpPr>
+          <p:cNvPr id="3" name="Content Placeholder 2">
+            <a:extLst>
+              <a:ext uri="{FF2B5EF4-FFF2-40B4-BE49-F238E27FC236}">
+                <a16:creationId xmlns:a16="http://schemas.microsoft.com/office/drawing/2014/main" id="{EAAEE2B9-BB5F-587C-D58D-9BCB907ABE18}"/>
+              </a:ext>
+            </a:extLst>
+          </p:cNvPr>
+          <p:cNvSpPr>
+            <a:spLocks noGrp="1"/>
+          </p:cNvSpPr>
+          <p:nvPr>
+            <p:ph idx="1"/>
+          </p:nvPr>
+        </p:nvSpPr>
+        <p:spPr/>
+        <p:txBody>
+          <a:bodyPr/>
+          <a:lstStyle/>
+          <a:p>
+            <a:endParaRPr lang="en-GB"/>
           </a:p>
         </p:txBody>
       </p:sp>
     </p:spTree>
     <p:extLst>
       <p:ext uri="{BB962C8B-B14F-4D97-AF65-F5344CB8AC3E}">
-        <p14:creationId xmlns:p14="http://schemas.microsoft.com/office/powerpoint/2010/main" val="929907585"/>
+        <p14:creationId xmlns:p14="http://schemas.microsoft.com/office/powerpoint/2010/main" val="94614634"/>
       </p:ext>
     </p:extLst>
   </p:cSld>
@@ -17046,7 +18034,7 @@
           <p:cNvPr id="2" name="Title 1">
             <a:extLst>
               <a:ext uri="{FF2B5EF4-FFF2-40B4-BE49-F238E27FC236}">
-                <a16:creationId xmlns:a16="http://schemas.microsoft.com/office/drawing/2014/main" id="{D5E8D8A6-2863-137A-8410-7C6E06255E55}"/>
+                <a16:creationId xmlns:a16="http://schemas.microsoft.com/office/drawing/2014/main" id="{B0FC91B5-FDA6-65FB-C9D9-C10AE2745797}"/>
               </a:ext>
             </a:extLst>
           </p:cNvPr>
@@ -17057,27 +18045,52 @@
             <p:ph type="title"/>
           </p:nvPr>
         </p:nvSpPr>
-        <p:spPr>
-          <a:xfrm>
-            <a:off x="3474952" y="2575970"/>
-            <a:ext cx="10131425" cy="1456267"/>
-          </a:xfrm>
-        </p:spPr>
+        <p:spPr/>
         <p:txBody>
           <a:bodyPr/>
           <a:lstStyle/>
           <a:p>
             <a:r>
               <a:rPr lang="en-GB" dirty="0"/>
-              <a:t>Storing Data</a:t>
-            </a:r>
+              <a:t>HDF5/H5 </a:t>
+            </a:r>
+            <a:r>
+              <a:rPr lang="en-GB" dirty="0" err="1"/>
+              <a:t>FIles</a:t>
+            </a:r>
+            <a:endParaRPr lang="en-GB" dirty="0"/>
+          </a:p>
+        </p:txBody>
+      </p:sp>
+      <p:sp>
+        <p:nvSpPr>
+          <p:cNvPr id="3" name="Content Placeholder 2">
+            <a:extLst>
+              <a:ext uri="{FF2B5EF4-FFF2-40B4-BE49-F238E27FC236}">
+                <a16:creationId xmlns:a16="http://schemas.microsoft.com/office/drawing/2014/main" id="{51BC7B33-18E8-BB63-13B6-465247E623EF}"/>
+              </a:ext>
+            </a:extLst>
+          </p:cNvPr>
+          <p:cNvSpPr>
+            <a:spLocks noGrp="1"/>
+          </p:cNvSpPr>
+          <p:nvPr>
+            <p:ph idx="1"/>
+          </p:nvPr>
+        </p:nvSpPr>
+        <p:spPr/>
+        <p:txBody>
+          <a:bodyPr/>
+          <a:lstStyle/>
+          <a:p>
+            <a:endParaRPr lang="en-GB"/>
           </a:p>
         </p:txBody>
       </p:sp>
     </p:spTree>
     <p:extLst>
       <p:ext uri="{BB962C8B-B14F-4D97-AF65-F5344CB8AC3E}">
-        <p14:creationId xmlns:p14="http://schemas.microsoft.com/office/powerpoint/2010/main" val="4041152341"/>
+        <p14:creationId xmlns:p14="http://schemas.microsoft.com/office/powerpoint/2010/main" val="3005881643"/>
       </p:ext>
     </p:extLst>
   </p:cSld>

--- a/Intro to Astro-data .pptx
+++ b/Intro to Astro-data .pptx
@@ -26,12 +26,12 @@
     <p:sldId id="338" r:id="rId20"/>
     <p:sldId id="328" r:id="rId21"/>
     <p:sldId id="339" r:id="rId22"/>
-    <p:sldId id="281" r:id="rId23"/>
-    <p:sldId id="321" r:id="rId24"/>
-    <p:sldId id="282" r:id="rId25"/>
-    <p:sldId id="283" r:id="rId26"/>
-    <p:sldId id="285" r:id="rId27"/>
-    <p:sldId id="310" r:id="rId28"/>
+    <p:sldId id="341" r:id="rId23"/>
+    <p:sldId id="342" r:id="rId24"/>
+    <p:sldId id="281" r:id="rId25"/>
+    <p:sldId id="321" r:id="rId26"/>
+    <p:sldId id="282" r:id="rId27"/>
+    <p:sldId id="283" r:id="rId28"/>
     <p:sldId id="293" r:id="rId29"/>
     <p:sldId id="317" r:id="rId30"/>
     <p:sldId id="315" r:id="rId31"/>
@@ -6655,6 +6655,42 @@
           </a:p>
         </p:txBody>
       </p:sp>
+      <p:pic>
+        <p:nvPicPr>
+          <p:cNvPr id="8" name="Picture 7" descr="Qr code&#10;&#10;Description automatically generated">
+            <a:extLst>
+              <a:ext uri="{FF2B5EF4-FFF2-40B4-BE49-F238E27FC236}">
+                <a16:creationId xmlns:a16="http://schemas.microsoft.com/office/drawing/2014/main" id="{8FB7631D-A8D3-DC02-E819-6B3532E680AC}"/>
+              </a:ext>
+            </a:extLst>
+          </p:cNvPr>
+          <p:cNvPicPr>
+            <a:picLocks noChangeAspect="1"/>
+          </p:cNvPicPr>
+          <p:nvPr userDrawn="1"/>
+        </p:nvPicPr>
+        <p:blipFill>
+          <a:blip r:embed="rId3">
+            <a:extLst>
+              <a:ext uri="{28A0092B-C50C-407E-A947-70E740481C1C}">
+                <a14:useLocalDpi xmlns:a14="http://schemas.microsoft.com/office/drawing/2010/main" val="0"/>
+              </a:ext>
+            </a:extLst>
+          </a:blip>
+          <a:stretch>
+            <a:fillRect/>
+          </a:stretch>
+        </p:blipFill>
+        <p:spPr>
+          <a:xfrm>
+            <a:off x="10755233" y="5486400"/>
+            <a:ext cx="993069" cy="993069"/>
+          </a:xfrm>
+          <a:prstGeom prst="rect">
+            <a:avLst/>
+          </a:prstGeom>
+        </p:spPr>
+      </p:pic>
     </p:spTree>
     <p:extLst>
       <p:ext uri="{BB962C8B-B14F-4D97-AF65-F5344CB8AC3E}">
@@ -9899,6 +9935,42 @@
           </a:p>
         </p:txBody>
       </p:sp>
+      <p:pic>
+        <p:nvPicPr>
+          <p:cNvPr id="8" name="Picture 7" descr="Qr code&#10;&#10;Description automatically generated">
+            <a:extLst>
+              <a:ext uri="{FF2B5EF4-FFF2-40B4-BE49-F238E27FC236}">
+                <a16:creationId xmlns:a16="http://schemas.microsoft.com/office/drawing/2014/main" id="{D63CA06B-88B0-91B7-693B-9614AF3A38A0}"/>
+              </a:ext>
+            </a:extLst>
+          </p:cNvPr>
+          <p:cNvPicPr>
+            <a:picLocks noChangeAspect="1"/>
+          </p:cNvPicPr>
+          <p:nvPr userDrawn="1"/>
+        </p:nvPicPr>
+        <p:blipFill>
+          <a:blip r:embed="rId3">
+            <a:extLst>
+              <a:ext uri="{28A0092B-C50C-407E-A947-70E740481C1C}">
+                <a14:useLocalDpi xmlns:a14="http://schemas.microsoft.com/office/drawing/2010/main" val="0"/>
+              </a:ext>
+            </a:extLst>
+          </a:blip>
+          <a:stretch>
+            <a:fillRect/>
+          </a:stretch>
+        </p:blipFill>
+        <p:spPr>
+          <a:xfrm>
+            <a:off x="10755233" y="5486400"/>
+            <a:ext cx="993069" cy="993069"/>
+          </a:xfrm>
+          <a:prstGeom prst="rect">
+            <a:avLst/>
+          </a:prstGeom>
+        </p:spPr>
+      </p:pic>
     </p:spTree>
     <p:extLst>
       <p:ext uri="{BB962C8B-B14F-4D97-AF65-F5344CB8AC3E}">
@@ -11747,6 +11819,42 @@
           </a:p>
         </p:txBody>
       </p:sp>
+      <p:pic>
+        <p:nvPicPr>
+          <p:cNvPr id="9" name="Picture 8" descr="Qr code&#10;&#10;Description automatically generated">
+            <a:extLst>
+              <a:ext uri="{FF2B5EF4-FFF2-40B4-BE49-F238E27FC236}">
+                <a16:creationId xmlns:a16="http://schemas.microsoft.com/office/drawing/2014/main" id="{02AF10A2-819F-A52F-7A75-EDA5D35CAE71}"/>
+              </a:ext>
+            </a:extLst>
+          </p:cNvPr>
+          <p:cNvPicPr>
+            <a:picLocks noChangeAspect="1"/>
+          </p:cNvPicPr>
+          <p:nvPr userDrawn="1"/>
+        </p:nvPicPr>
+        <p:blipFill>
+          <a:blip r:embed="rId3">
+            <a:extLst>
+              <a:ext uri="{28A0092B-C50C-407E-A947-70E740481C1C}">
+                <a14:useLocalDpi xmlns:a14="http://schemas.microsoft.com/office/drawing/2010/main" val="0"/>
+              </a:ext>
+            </a:extLst>
+          </a:blip>
+          <a:stretch>
+            <a:fillRect/>
+          </a:stretch>
+        </p:blipFill>
+        <p:spPr>
+          <a:xfrm>
+            <a:off x="10755233" y="5486400"/>
+            <a:ext cx="993069" cy="993069"/>
+          </a:xfrm>
+          <a:prstGeom prst="rect">
+            <a:avLst/>
+          </a:prstGeom>
+        </p:spPr>
+      </p:pic>
     </p:spTree>
     <p:extLst>
       <p:ext uri="{BB962C8B-B14F-4D97-AF65-F5344CB8AC3E}">
@@ -12121,6 +12229,42 @@
           </a:p>
         </p:txBody>
       </p:sp>
+      <p:pic>
+        <p:nvPicPr>
+          <p:cNvPr id="10" name="Picture 9" descr="Qr code&#10;&#10;Description automatically generated">
+            <a:extLst>
+              <a:ext uri="{FF2B5EF4-FFF2-40B4-BE49-F238E27FC236}">
+                <a16:creationId xmlns:a16="http://schemas.microsoft.com/office/drawing/2014/main" id="{C7E49D5D-9AB3-E198-AD52-2E379D2E0EEB}"/>
+              </a:ext>
+            </a:extLst>
+          </p:cNvPr>
+          <p:cNvPicPr>
+            <a:picLocks noChangeAspect="1"/>
+          </p:cNvPicPr>
+          <p:nvPr userDrawn="1"/>
+        </p:nvPicPr>
+        <p:blipFill>
+          <a:blip r:embed="rId2">
+            <a:extLst>
+              <a:ext uri="{28A0092B-C50C-407E-A947-70E740481C1C}">
+                <a14:useLocalDpi xmlns:a14="http://schemas.microsoft.com/office/drawing/2010/main" val="0"/>
+              </a:ext>
+            </a:extLst>
+          </a:blip>
+          <a:stretch>
+            <a:fillRect/>
+          </a:stretch>
+        </p:blipFill>
+        <p:spPr>
+          <a:xfrm>
+            <a:off x="10755233" y="5486400"/>
+            <a:ext cx="993069" cy="993069"/>
+          </a:xfrm>
+          <a:prstGeom prst="rect">
+            <a:avLst/>
+          </a:prstGeom>
+        </p:spPr>
+      </p:pic>
     </p:spTree>
     <p:extLst>
       <p:ext uri="{BB962C8B-B14F-4D97-AF65-F5344CB8AC3E}">
@@ -12269,6 +12413,42 @@
           </a:p>
         </p:txBody>
       </p:sp>
+      <p:pic>
+        <p:nvPicPr>
+          <p:cNvPr id="7" name="Picture 6" descr="Qr code&#10;&#10;Description automatically generated">
+            <a:extLst>
+              <a:ext uri="{FF2B5EF4-FFF2-40B4-BE49-F238E27FC236}">
+                <a16:creationId xmlns:a16="http://schemas.microsoft.com/office/drawing/2014/main" id="{D77B9B8F-9F89-5C9E-ABB0-51AE58618333}"/>
+              </a:ext>
+            </a:extLst>
+          </p:cNvPr>
+          <p:cNvPicPr>
+            <a:picLocks noChangeAspect="1"/>
+          </p:cNvPicPr>
+          <p:nvPr userDrawn="1"/>
+        </p:nvPicPr>
+        <p:blipFill>
+          <a:blip r:embed="rId3">
+            <a:extLst>
+              <a:ext uri="{28A0092B-C50C-407E-A947-70E740481C1C}">
+                <a14:useLocalDpi xmlns:a14="http://schemas.microsoft.com/office/drawing/2010/main" val="0"/>
+              </a:ext>
+            </a:extLst>
+          </a:blip>
+          <a:stretch>
+            <a:fillRect/>
+          </a:stretch>
+        </p:blipFill>
+        <p:spPr>
+          <a:xfrm>
+            <a:off x="10755233" y="5486400"/>
+            <a:ext cx="993069" cy="993069"/>
+          </a:xfrm>
+          <a:prstGeom prst="rect">
+            <a:avLst/>
+          </a:prstGeom>
+        </p:spPr>
+      </p:pic>
     </p:spTree>
     <p:extLst>
       <p:ext uri="{BB962C8B-B14F-4D97-AF65-F5344CB8AC3E}">
@@ -12394,6 +12574,42 @@
           </a:p>
         </p:txBody>
       </p:sp>
+      <p:pic>
+        <p:nvPicPr>
+          <p:cNvPr id="6" name="Picture 5" descr="Qr code&#10;&#10;Description automatically generated">
+            <a:extLst>
+              <a:ext uri="{FF2B5EF4-FFF2-40B4-BE49-F238E27FC236}">
+                <a16:creationId xmlns:a16="http://schemas.microsoft.com/office/drawing/2014/main" id="{211C6B55-44C2-67C7-4534-47B73805ACF7}"/>
+              </a:ext>
+            </a:extLst>
+          </p:cNvPr>
+          <p:cNvPicPr>
+            <a:picLocks noChangeAspect="1"/>
+          </p:cNvPicPr>
+          <p:nvPr userDrawn="1"/>
+        </p:nvPicPr>
+        <p:blipFill>
+          <a:blip r:embed="rId3">
+            <a:extLst>
+              <a:ext uri="{28A0092B-C50C-407E-A947-70E740481C1C}">
+                <a14:useLocalDpi xmlns:a14="http://schemas.microsoft.com/office/drawing/2010/main" val="0"/>
+              </a:ext>
+            </a:extLst>
+          </a:blip>
+          <a:stretch>
+            <a:fillRect/>
+          </a:stretch>
+        </p:blipFill>
+        <p:spPr>
+          <a:xfrm>
+            <a:off x="10755233" y="5486400"/>
+            <a:ext cx="993069" cy="993069"/>
+          </a:xfrm>
+          <a:prstGeom prst="rect">
+            <a:avLst/>
+          </a:prstGeom>
+        </p:spPr>
+      </p:pic>
     </p:spTree>
     <p:extLst>
       <p:ext uri="{BB962C8B-B14F-4D97-AF65-F5344CB8AC3E}">
@@ -15396,7 +15612,10 @@
           <a:bodyPr/>
           <a:lstStyle/>
           <a:p>
-            <a:endParaRPr lang="en-GB" dirty="0"/>
+            <a:r>
+              <a:rPr lang="en-GB" dirty="0"/>
+              <a:t>Tables</a:t>
+            </a:r>
           </a:p>
         </p:txBody>
       </p:sp>
@@ -15460,6 +15679,172 @@
           <p:cNvPr id="2" name="Title 1">
             <a:extLst>
               <a:ext uri="{FF2B5EF4-FFF2-40B4-BE49-F238E27FC236}">
+                <a16:creationId xmlns:a16="http://schemas.microsoft.com/office/drawing/2014/main" id="{5BF2A3E6-A3C9-CCD0-9D7B-35980FACD5A1}"/>
+              </a:ext>
+            </a:extLst>
+          </p:cNvPr>
+          <p:cNvSpPr>
+            <a:spLocks noGrp="1"/>
+          </p:cNvSpPr>
+          <p:nvPr>
+            <p:ph type="title"/>
+          </p:nvPr>
+        </p:nvSpPr>
+        <p:spPr/>
+        <p:txBody>
+          <a:bodyPr/>
+          <a:lstStyle/>
+          <a:p>
+            <a:r>
+              <a:rPr lang="en-GB" dirty="0"/>
+              <a:t>Arrays</a:t>
+            </a:r>
+          </a:p>
+        </p:txBody>
+      </p:sp>
+      <p:sp>
+        <p:nvSpPr>
+          <p:cNvPr id="3" name="Content Placeholder 2">
+            <a:extLst>
+              <a:ext uri="{FF2B5EF4-FFF2-40B4-BE49-F238E27FC236}">
+                <a16:creationId xmlns:a16="http://schemas.microsoft.com/office/drawing/2014/main" id="{E1AC8661-3454-C79D-CEBC-4BABC94DE84A}"/>
+              </a:ext>
+            </a:extLst>
+          </p:cNvPr>
+          <p:cNvSpPr>
+            <a:spLocks noGrp="1"/>
+          </p:cNvSpPr>
+          <p:nvPr>
+            <p:ph idx="1"/>
+          </p:nvPr>
+        </p:nvSpPr>
+        <p:spPr/>
+        <p:txBody>
+          <a:bodyPr/>
+          <a:lstStyle/>
+          <a:p>
+            <a:endParaRPr lang="en-GB"/>
+          </a:p>
+        </p:txBody>
+      </p:sp>
+    </p:spTree>
+    <p:extLst>
+      <p:ext uri="{BB962C8B-B14F-4D97-AF65-F5344CB8AC3E}">
+        <p14:creationId xmlns:p14="http://schemas.microsoft.com/office/powerpoint/2010/main" val="1756744839"/>
+      </p:ext>
+    </p:extLst>
+  </p:cSld>
+  <p:clrMapOvr>
+    <a:masterClrMapping/>
+  </p:clrMapOvr>
+</p:sld>
+</file>
+
+<file path=ppt/slides/slide22.xml><?xml version="1.0" encoding="utf-8"?>
+<p:sld xmlns:a="http://schemas.openxmlformats.org/drawingml/2006/main" xmlns:r="http://schemas.openxmlformats.org/officeDocument/2006/relationships" xmlns:p="http://schemas.openxmlformats.org/presentationml/2006/main">
+  <p:cSld>
+    <p:spTree>
+      <p:nvGrpSpPr>
+        <p:cNvPr id="1" name=""/>
+        <p:cNvGrpSpPr/>
+        <p:nvPr/>
+      </p:nvGrpSpPr>
+      <p:grpSpPr>
+        <a:xfrm>
+          <a:off x="0" y="0"/>
+          <a:ext cx="0" cy="0"/>
+          <a:chOff x="0" y="0"/>
+          <a:chExt cx="0" cy="0"/>
+        </a:xfrm>
+      </p:grpSpPr>
+      <p:sp>
+        <p:nvSpPr>
+          <p:cNvPr id="2" name="Title 1">
+            <a:extLst>
+              <a:ext uri="{FF2B5EF4-FFF2-40B4-BE49-F238E27FC236}">
+                <a16:creationId xmlns:a16="http://schemas.microsoft.com/office/drawing/2014/main" id="{CD581316-068B-F09C-77D4-F971554BA777}"/>
+              </a:ext>
+            </a:extLst>
+          </p:cNvPr>
+          <p:cNvSpPr>
+            <a:spLocks noGrp="1"/>
+          </p:cNvSpPr>
+          <p:nvPr>
+            <p:ph type="title"/>
+          </p:nvPr>
+        </p:nvSpPr>
+        <p:spPr/>
+        <p:txBody>
+          <a:bodyPr/>
+          <a:lstStyle/>
+          <a:p>
+            <a:r>
+              <a:rPr lang="en-GB" dirty="0"/>
+              <a:t>Dictionaries</a:t>
+            </a:r>
+          </a:p>
+        </p:txBody>
+      </p:sp>
+      <p:sp>
+        <p:nvSpPr>
+          <p:cNvPr id="3" name="Content Placeholder 2">
+            <a:extLst>
+              <a:ext uri="{FF2B5EF4-FFF2-40B4-BE49-F238E27FC236}">
+                <a16:creationId xmlns:a16="http://schemas.microsoft.com/office/drawing/2014/main" id="{1B4331A9-E161-A137-5352-35D5860ABF06}"/>
+              </a:ext>
+            </a:extLst>
+          </p:cNvPr>
+          <p:cNvSpPr>
+            <a:spLocks noGrp="1"/>
+          </p:cNvSpPr>
+          <p:nvPr>
+            <p:ph idx="1"/>
+          </p:nvPr>
+        </p:nvSpPr>
+        <p:spPr/>
+        <p:txBody>
+          <a:bodyPr/>
+          <a:lstStyle/>
+          <a:p>
+            <a:endParaRPr lang="en-GB"/>
+          </a:p>
+        </p:txBody>
+      </p:sp>
+    </p:spTree>
+    <p:extLst>
+      <p:ext uri="{BB962C8B-B14F-4D97-AF65-F5344CB8AC3E}">
+        <p14:creationId xmlns:p14="http://schemas.microsoft.com/office/powerpoint/2010/main" val="3458955584"/>
+      </p:ext>
+    </p:extLst>
+  </p:cSld>
+  <p:clrMapOvr>
+    <a:masterClrMapping/>
+  </p:clrMapOvr>
+</p:sld>
+</file>
+
+<file path=ppt/slides/slide23.xml><?xml version="1.0" encoding="utf-8"?>
+<p:sld xmlns:a="http://schemas.openxmlformats.org/drawingml/2006/main" xmlns:r="http://schemas.openxmlformats.org/officeDocument/2006/relationships" xmlns:p="http://schemas.openxmlformats.org/presentationml/2006/main">
+  <p:cSld>
+    <p:spTree>
+      <p:nvGrpSpPr>
+        <p:cNvPr id="1" name=""/>
+        <p:cNvGrpSpPr/>
+        <p:nvPr/>
+      </p:nvGrpSpPr>
+      <p:grpSpPr>
+        <a:xfrm>
+          <a:off x="0" y="0"/>
+          <a:ext cx="0" cy="0"/>
+          <a:chOff x="0" y="0"/>
+          <a:chExt cx="0" cy="0"/>
+        </a:xfrm>
+      </p:grpSpPr>
+      <p:sp>
+        <p:nvSpPr>
+          <p:cNvPr id="2" name="Title 1">
+            <a:extLst>
+              <a:ext uri="{FF2B5EF4-FFF2-40B4-BE49-F238E27FC236}">
                 <a16:creationId xmlns:a16="http://schemas.microsoft.com/office/drawing/2014/main" id="{D5E8D8A6-2863-137A-8410-7C6E06255E55}"/>
               </a:ext>
             </a:extLst>
@@ -15501,7 +15886,7 @@
 </p:sld>
 </file>
 
-<file path=ppt/slides/slide22.xml><?xml version="1.0" encoding="utf-8"?>
+<file path=ppt/slides/slide24.xml><?xml version="1.0" encoding="utf-8"?>
 <p:sld xmlns:a="http://schemas.openxmlformats.org/drawingml/2006/main" xmlns:r="http://schemas.openxmlformats.org/officeDocument/2006/relationships" xmlns:p="http://schemas.openxmlformats.org/presentationml/2006/main">
   <p:cSld>
     <p:spTree>
@@ -15847,7 +16232,7 @@
 </p:sld>
 </file>
 
-<file path=ppt/slides/slide23.xml><?xml version="1.0" encoding="utf-8"?>
+<file path=ppt/slides/slide25.xml><?xml version="1.0" encoding="utf-8"?>
 <p:sld xmlns:a="http://schemas.openxmlformats.org/drawingml/2006/main" xmlns:r="http://schemas.openxmlformats.org/officeDocument/2006/relationships" xmlns:p="http://schemas.openxmlformats.org/presentationml/2006/main">
   <p:cSld>
     <p:spTree>
@@ -16189,7 +16574,7 @@
 </p:sld>
 </file>
 
-<file path=ppt/slides/slide24.xml><?xml version="1.0" encoding="utf-8"?>
+<file path=ppt/slides/slide26.xml><?xml version="1.0" encoding="utf-8"?>
 <p:sld xmlns:a="http://schemas.openxmlformats.org/drawingml/2006/main" xmlns:r="http://schemas.openxmlformats.org/officeDocument/2006/relationships" xmlns:p="http://schemas.openxmlformats.org/presentationml/2006/main">
   <p:cSld>
     <p:bg>
@@ -16427,172 +16812,6 @@
     <p:extLst>
       <p:ext uri="{BB962C8B-B14F-4D97-AF65-F5344CB8AC3E}">
         <p14:creationId xmlns:p14="http://schemas.microsoft.com/office/powerpoint/2010/main" val="1173574180"/>
-      </p:ext>
-    </p:extLst>
-  </p:cSld>
-  <p:clrMapOvr>
-    <a:masterClrMapping/>
-  </p:clrMapOvr>
-</p:sld>
-</file>
-
-<file path=ppt/slides/slide25.xml><?xml version="1.0" encoding="utf-8"?>
-<p:sld xmlns:a="http://schemas.openxmlformats.org/drawingml/2006/main" xmlns:r="http://schemas.openxmlformats.org/officeDocument/2006/relationships" xmlns:p="http://schemas.openxmlformats.org/presentationml/2006/main" show="0">
-  <p:cSld>
-    <p:spTree>
-      <p:nvGrpSpPr>
-        <p:cNvPr id="1" name=""/>
-        <p:cNvGrpSpPr/>
-        <p:nvPr/>
-      </p:nvGrpSpPr>
-      <p:grpSpPr>
-        <a:xfrm>
-          <a:off x="0" y="0"/>
-          <a:ext cx="0" cy="0"/>
-          <a:chOff x="0" y="0"/>
-          <a:chExt cx="0" cy="0"/>
-        </a:xfrm>
-      </p:grpSpPr>
-      <p:sp>
-        <p:nvSpPr>
-          <p:cNvPr id="2" name="Title 1">
-            <a:extLst>
-              <a:ext uri="{FF2B5EF4-FFF2-40B4-BE49-F238E27FC236}">
-                <a16:creationId xmlns:a16="http://schemas.microsoft.com/office/drawing/2014/main" id="{DBDE3112-1864-5D3F-F799-4AFD97D12188}"/>
-              </a:ext>
-            </a:extLst>
-          </p:cNvPr>
-          <p:cNvSpPr>
-            <a:spLocks noGrp="1"/>
-          </p:cNvSpPr>
-          <p:nvPr>
-            <p:ph type="title"/>
-          </p:nvPr>
-        </p:nvSpPr>
-        <p:spPr/>
-        <p:txBody>
-          <a:bodyPr/>
-          <a:lstStyle/>
-          <a:p>
-            <a:r>
-              <a:rPr lang="en-GB" dirty="0"/>
-              <a:t>Environment Control</a:t>
-            </a:r>
-          </a:p>
-        </p:txBody>
-      </p:sp>
-      <p:sp>
-        <p:nvSpPr>
-          <p:cNvPr id="3" name="Content Placeholder 2">
-            <a:extLst>
-              <a:ext uri="{FF2B5EF4-FFF2-40B4-BE49-F238E27FC236}">
-                <a16:creationId xmlns:a16="http://schemas.microsoft.com/office/drawing/2014/main" id="{C681BF55-2E8F-F870-AF2A-A05F689420F1}"/>
-              </a:ext>
-            </a:extLst>
-          </p:cNvPr>
-          <p:cNvSpPr>
-            <a:spLocks noGrp="1"/>
-          </p:cNvSpPr>
-          <p:nvPr>
-            <p:ph idx="1"/>
-          </p:nvPr>
-        </p:nvSpPr>
-        <p:spPr/>
-        <p:txBody>
-          <a:bodyPr/>
-          <a:lstStyle/>
-          <a:p>
-            <a:endParaRPr lang="en-GB"/>
-          </a:p>
-        </p:txBody>
-      </p:sp>
-    </p:spTree>
-    <p:extLst>
-      <p:ext uri="{BB962C8B-B14F-4D97-AF65-F5344CB8AC3E}">
-        <p14:creationId xmlns:p14="http://schemas.microsoft.com/office/powerpoint/2010/main" val="2457625404"/>
-      </p:ext>
-    </p:extLst>
-  </p:cSld>
-  <p:clrMapOvr>
-    <a:masterClrMapping/>
-  </p:clrMapOvr>
-</p:sld>
-</file>
-
-<file path=ppt/slides/slide26.xml><?xml version="1.0" encoding="utf-8"?>
-<p:sld xmlns:a="http://schemas.openxmlformats.org/drawingml/2006/main" xmlns:r="http://schemas.openxmlformats.org/officeDocument/2006/relationships" xmlns:p="http://schemas.openxmlformats.org/presentationml/2006/main" show="0">
-  <p:cSld>
-    <p:spTree>
-      <p:nvGrpSpPr>
-        <p:cNvPr id="1" name=""/>
-        <p:cNvGrpSpPr/>
-        <p:nvPr/>
-      </p:nvGrpSpPr>
-      <p:grpSpPr>
-        <a:xfrm>
-          <a:off x="0" y="0"/>
-          <a:ext cx="0" cy="0"/>
-          <a:chOff x="0" y="0"/>
-          <a:chExt cx="0" cy="0"/>
-        </a:xfrm>
-      </p:grpSpPr>
-      <p:sp>
-        <p:nvSpPr>
-          <p:cNvPr id="2" name="Title 1">
-            <a:extLst>
-              <a:ext uri="{FF2B5EF4-FFF2-40B4-BE49-F238E27FC236}">
-                <a16:creationId xmlns:a16="http://schemas.microsoft.com/office/drawing/2014/main" id="{1DC5D0F1-5FA8-37A9-DD34-403E888A1D07}"/>
-              </a:ext>
-            </a:extLst>
-          </p:cNvPr>
-          <p:cNvSpPr>
-            <a:spLocks noGrp="1"/>
-          </p:cNvSpPr>
-          <p:nvPr>
-            <p:ph type="title"/>
-          </p:nvPr>
-        </p:nvSpPr>
-        <p:spPr/>
-        <p:txBody>
-          <a:bodyPr/>
-          <a:lstStyle/>
-          <a:p>
-            <a:r>
-              <a:rPr lang="en-GB" dirty="0"/>
-              <a:t>Document</a:t>
-            </a:r>
-          </a:p>
-        </p:txBody>
-      </p:sp>
-      <p:sp>
-        <p:nvSpPr>
-          <p:cNvPr id="3" name="Content Placeholder 2">
-            <a:extLst>
-              <a:ext uri="{FF2B5EF4-FFF2-40B4-BE49-F238E27FC236}">
-                <a16:creationId xmlns:a16="http://schemas.microsoft.com/office/drawing/2014/main" id="{2CF714F6-E3CC-5922-2F39-7D1A5A92C3BB}"/>
-              </a:ext>
-            </a:extLst>
-          </p:cNvPr>
-          <p:cNvSpPr>
-            <a:spLocks noGrp="1"/>
-          </p:cNvSpPr>
-          <p:nvPr>
-            <p:ph idx="1"/>
-          </p:nvPr>
-        </p:nvSpPr>
-        <p:spPr/>
-        <p:txBody>
-          <a:bodyPr/>
-          <a:lstStyle/>
-          <a:p>
-            <a:endParaRPr lang="en-GB"/>
-          </a:p>
-        </p:txBody>
-      </p:sp>
-    </p:spTree>
-    <p:extLst>
-      <p:ext uri="{BB962C8B-B14F-4D97-AF65-F5344CB8AC3E}">
-        <p14:creationId xmlns:p14="http://schemas.microsoft.com/office/powerpoint/2010/main" val="2401915375"/>
       </p:ext>
     </p:extLst>
   </p:cSld>
@@ -17273,15 +17492,73 @@
             <p:ph idx="1"/>
           </p:nvPr>
         </p:nvSpPr>
-        <p:spPr/>
+        <p:spPr>
+          <a:xfrm>
+            <a:off x="642395" y="301847"/>
+            <a:ext cx="5613721" cy="4490287"/>
+          </a:xfrm>
+        </p:spPr>
         <p:txBody>
           <a:bodyPr/>
           <a:lstStyle/>
           <a:p>
-            <a:endParaRPr lang="en-GB"/>
-          </a:p>
-        </p:txBody>
-      </p:sp>
+            <a:r>
+              <a:rPr lang="en-GB" dirty="0" err="1"/>
+              <a:t>Github</a:t>
+            </a:r>
+            <a:r>
+              <a:rPr lang="en-GB" dirty="0"/>
+              <a:t> Repo: </a:t>
+            </a:r>
+            <a:r>
+              <a:rPr lang="en-GB" dirty="0">
+                <a:hlinkClick r:id="rId2"/>
+              </a:rPr>
+              <a:t>https://github.com/smandhai/Astro-Data-Handling-Tutorials</a:t>
+            </a:r>
+            <a:endParaRPr lang="en-GB" dirty="0"/>
+          </a:p>
+          <a:p>
+            <a:endParaRPr lang="en-GB" dirty="0"/>
+          </a:p>
+        </p:txBody>
+      </p:sp>
+      <p:pic>
+        <p:nvPicPr>
+          <p:cNvPr id="5" name="Picture 4" descr="Qr code&#10;&#10;Description automatically generated">
+            <a:extLst>
+              <a:ext uri="{FF2B5EF4-FFF2-40B4-BE49-F238E27FC236}">
+                <a16:creationId xmlns:a16="http://schemas.microsoft.com/office/drawing/2014/main" id="{F78E4745-465C-FD32-5F72-0B20D5A29236}"/>
+              </a:ext>
+            </a:extLst>
+          </p:cNvPr>
+          <p:cNvPicPr>
+            <a:picLocks noChangeAspect="1"/>
+          </p:cNvPicPr>
+          <p:nvPr/>
+        </p:nvPicPr>
+        <p:blipFill>
+          <a:blip r:embed="rId3">
+            <a:extLst>
+              <a:ext uri="{28A0092B-C50C-407E-A947-70E740481C1C}">
+                <a14:useLocalDpi xmlns:a14="http://schemas.microsoft.com/office/drawing/2010/main" val="0"/>
+              </a:ext>
+            </a:extLst>
+          </a:blip>
+          <a:stretch>
+            <a:fillRect/>
+          </a:stretch>
+        </p:blipFill>
+        <p:spPr>
+          <a:xfrm>
+            <a:off x="6658817" y="1389984"/>
+            <a:ext cx="5089485" cy="5089485"/>
+          </a:xfrm>
+          <a:prstGeom prst="rect">
+            <a:avLst/>
+          </a:prstGeom>
+        </p:spPr>
+      </p:pic>
     </p:spTree>
     <p:extLst>
       <p:ext uri="{BB962C8B-B14F-4D97-AF65-F5344CB8AC3E}">
@@ -17527,6 +17804,15 @@
 <file path=ppt/slides/slide31.xml><?xml version="1.0" encoding="utf-8"?>
 <p:sld xmlns:a="http://schemas.openxmlformats.org/drawingml/2006/main" xmlns:r="http://schemas.openxmlformats.org/officeDocument/2006/relationships" xmlns:p="http://schemas.openxmlformats.org/presentationml/2006/main">
   <p:cSld>
+    <p:bg>
+      <p:bgPr>
+        <a:blipFill>
+          <a:blip r:embed="rId2"/>
+          <a:stretch/>
+        </a:blipFill>
+        <a:effectLst/>
+      </p:bgPr>
+    </p:bg>
     <p:spTree>
       <p:nvGrpSpPr>
         <p:cNvPr id="1" name=""/>
@@ -17557,12 +17843,22 @@
             <p:ph type="title"/>
           </p:nvPr>
         </p:nvSpPr>
-        <p:spPr/>
-        <p:txBody>
-          <a:bodyPr/>
+        <p:spPr>
+          <a:xfrm>
+            <a:off x="825909" y="808055"/>
+            <a:ext cx="3979205" cy="1453363"/>
+          </a:xfrm>
+        </p:spPr>
+        <p:txBody>
+          <a:bodyPr>
+            <a:normAutofit/>
+          </a:bodyPr>
           <a:lstStyle/>
           <a:p>
-            <a:endParaRPr lang="en-GB"/>
+            <a:r>
+              <a:rPr lang="en-GB" dirty="0"/>
+              <a:t>Matplotlib Guide </a:t>
+            </a:r>
           </a:p>
         </p:txBody>
       </p:sp>
@@ -17582,10 +17878,51 @@
             <p:ph idx="1"/>
           </p:nvPr>
         </p:nvSpPr>
-        <p:spPr/>
-        <p:txBody>
-          <a:bodyPr/>
+        <p:spPr>
+          <a:xfrm>
+            <a:off x="802178" y="2261420"/>
+            <a:ext cx="4002936" cy="3637935"/>
+          </a:xfrm>
+        </p:spPr>
+        <p:txBody>
+          <a:bodyPr>
+            <a:normAutofit/>
+          </a:bodyPr>
           <a:lstStyle/>
+          <a:p>
+            <a:pPr marL="0" indent="0">
+              <a:buNone/>
+            </a:pPr>
+            <a:r>
+              <a:rPr lang="en-GB" dirty="0"/>
+              <a:t>Want a quick start guide to </a:t>
+            </a:r>
+            <a:r>
+              <a:rPr lang="en-GB" dirty="0" err="1"/>
+              <a:t>visualisating</a:t>
+            </a:r>
+            <a:r>
+              <a:rPr lang="en-GB" dirty="0"/>
+              <a:t> data in Python using Matplotlib?</a:t>
+            </a:r>
+            <a:br>
+              <a:rPr lang="en-GB" dirty="0"/>
+            </a:br>
+            <a:br>
+              <a:rPr lang="en-GB" dirty="0"/>
+            </a:br>
+            <a:r>
+              <a:rPr lang="en-GB" dirty="0"/>
+              <a:t>Check out Josh Hayes’ repo: </a:t>
+            </a:r>
+            <a:r>
+              <a:rPr lang="en-GB" dirty="0">
+                <a:hlinkClick r:id="rId3"/>
+              </a:rPr>
+              <a:t>https://github.com/joshjchayes/matplotlib_guide</a:t>
+            </a:r>
+            <a:endParaRPr lang="en-GB" dirty="0"/>
+          </a:p>
           <a:p>
             <a:pPr marL="0" indent="0">
               <a:buNone/>
@@ -17594,6 +17931,64 @@
           </a:p>
         </p:txBody>
       </p:sp>
+      <p:pic>
+        <p:nvPicPr>
+          <p:cNvPr id="5" name="Picture 4">
+            <a:extLst>
+              <a:ext uri="{FF2B5EF4-FFF2-40B4-BE49-F238E27FC236}">
+                <a16:creationId xmlns:a16="http://schemas.microsoft.com/office/drawing/2014/main" id="{AD9A9203-0300-A867-63DC-437C98BD9FC9}"/>
+              </a:ext>
+            </a:extLst>
+          </p:cNvPr>
+          <p:cNvPicPr>
+            <a:picLocks noChangeAspect="1"/>
+          </p:cNvPicPr>
+          <p:nvPr/>
+        </p:nvPicPr>
+        <p:blipFill>
+          <a:blip r:embed="rId4"/>
+          <a:stretch>
+            <a:fillRect/>
+          </a:stretch>
+        </p:blipFill>
+        <p:spPr>
+          <a:xfrm>
+            <a:off x="5289752" y="1633499"/>
+            <a:ext cx="6095593" cy="3428770"/>
+          </a:xfrm>
+          <a:prstGeom prst="roundRect">
+            <a:avLst>
+              <a:gd name="adj" fmla="val 4380"/>
+            </a:avLst>
+          </a:prstGeom>
+          <a:ln w="50800" cap="sq" cmpd="dbl">
+            <a:gradFill flip="none" rotWithShape="1">
+              <a:gsLst>
+                <a:gs pos="0">
+                  <a:srgbClr val="FFFFFF"/>
+                </a:gs>
+                <a:gs pos="100000">
+                  <a:schemeClr val="tx1">
+                    <a:alpha val="0"/>
+                  </a:schemeClr>
+                </a:gs>
+              </a:gsLst>
+              <a:path path="circle">
+                <a:fillToRect l="50000" t="50000" r="50000" b="50000"/>
+              </a:path>
+              <a:tileRect/>
+            </a:gradFill>
+            <a:miter lim="800000"/>
+          </a:ln>
+          <a:effectLst>
+            <a:outerShdw blurRad="254000" algn="tl" rotWithShape="0">
+              <a:srgbClr val="000000">
+                <a:alpha val="43000"/>
+              </a:srgbClr>
+            </a:outerShdw>
+          </a:effectLst>
+        </p:spPr>
+      </p:pic>
     </p:spTree>
     <p:extLst>
       <p:ext uri="{BB962C8B-B14F-4D97-AF65-F5344CB8AC3E}">

--- a/Intro to Astro-data .pptx
+++ b/Intro to Astro-data .pptx
@@ -9,34 +9,37 @@
     <p:sldId id="256" r:id="rId3"/>
     <p:sldId id="257" r:id="rId4"/>
     <p:sldId id="324" r:id="rId5"/>
-    <p:sldId id="327" r:id="rId6"/>
-    <p:sldId id="330" r:id="rId7"/>
-    <p:sldId id="323" r:id="rId8"/>
-    <p:sldId id="331" r:id="rId9"/>
-    <p:sldId id="332" r:id="rId10"/>
-    <p:sldId id="333" r:id="rId11"/>
-    <p:sldId id="322" r:id="rId12"/>
-    <p:sldId id="334" r:id="rId13"/>
-    <p:sldId id="340" r:id="rId14"/>
-    <p:sldId id="325" r:id="rId15"/>
-    <p:sldId id="335" r:id="rId16"/>
-    <p:sldId id="326" r:id="rId17"/>
-    <p:sldId id="336" r:id="rId18"/>
-    <p:sldId id="337" r:id="rId19"/>
-    <p:sldId id="338" r:id="rId20"/>
-    <p:sldId id="328" r:id="rId21"/>
-    <p:sldId id="339" r:id="rId22"/>
-    <p:sldId id="341" r:id="rId23"/>
-    <p:sldId id="342" r:id="rId24"/>
-    <p:sldId id="281" r:id="rId25"/>
-    <p:sldId id="321" r:id="rId26"/>
-    <p:sldId id="282" r:id="rId27"/>
-    <p:sldId id="283" r:id="rId28"/>
-    <p:sldId id="293" r:id="rId29"/>
-    <p:sldId id="317" r:id="rId30"/>
-    <p:sldId id="315" r:id="rId31"/>
-    <p:sldId id="316" r:id="rId32"/>
-    <p:sldId id="329" r:id="rId33"/>
+    <p:sldId id="343" r:id="rId6"/>
+    <p:sldId id="327" r:id="rId7"/>
+    <p:sldId id="330" r:id="rId8"/>
+    <p:sldId id="323" r:id="rId9"/>
+    <p:sldId id="331" r:id="rId10"/>
+    <p:sldId id="332" r:id="rId11"/>
+    <p:sldId id="333" r:id="rId12"/>
+    <p:sldId id="322" r:id="rId13"/>
+    <p:sldId id="334" r:id="rId14"/>
+    <p:sldId id="340" r:id="rId15"/>
+    <p:sldId id="325" r:id="rId16"/>
+    <p:sldId id="335" r:id="rId17"/>
+    <p:sldId id="326" r:id="rId18"/>
+    <p:sldId id="336" r:id="rId19"/>
+    <p:sldId id="337" r:id="rId20"/>
+    <p:sldId id="338" r:id="rId21"/>
+    <p:sldId id="328" r:id="rId22"/>
+    <p:sldId id="339" r:id="rId23"/>
+    <p:sldId id="345" r:id="rId24"/>
+    <p:sldId id="341" r:id="rId25"/>
+    <p:sldId id="342" r:id="rId26"/>
+    <p:sldId id="344" r:id="rId27"/>
+    <p:sldId id="281" r:id="rId28"/>
+    <p:sldId id="321" r:id="rId29"/>
+    <p:sldId id="282" r:id="rId30"/>
+    <p:sldId id="283" r:id="rId31"/>
+    <p:sldId id="293" r:id="rId32"/>
+    <p:sldId id="317" r:id="rId33"/>
+    <p:sldId id="315" r:id="rId34"/>
+    <p:sldId id="316" r:id="rId35"/>
+    <p:sldId id="329" r:id="rId36"/>
   </p:sldIdLst>
   <p:sldSz cx="12192000" cy="6858000"/>
   <p:notesSz cx="6858000" cy="9144000"/>
@@ -14679,6 +14682,15 @@
 <file path=ppt/slides/slide10.xml><?xml version="1.0" encoding="utf-8"?>
 <p:sld xmlns:a="http://schemas.openxmlformats.org/drawingml/2006/main" xmlns:r="http://schemas.openxmlformats.org/officeDocument/2006/relationships" xmlns:p="http://schemas.openxmlformats.org/presentationml/2006/main">
   <p:cSld>
+    <p:bg>
+      <p:bgPr>
+        <a:blipFill>
+          <a:blip r:embed="rId2"/>
+          <a:stretch/>
+        </a:blipFill>
+        <a:effectLst/>
+      </p:bgPr>
+    </p:bg>
     <p:spTree>
       <p:nvGrpSpPr>
         <p:cNvPr id="1" name=""/>
@@ -14698,7 +14710,7 @@
           <p:cNvPr id="2" name="Title 1">
             <a:extLst>
               <a:ext uri="{FF2B5EF4-FFF2-40B4-BE49-F238E27FC236}">
-                <a16:creationId xmlns:a16="http://schemas.microsoft.com/office/drawing/2014/main" id="{D5E8D8A6-2863-137A-8410-7C6E06255E55}"/>
+                <a16:creationId xmlns:a16="http://schemas.microsoft.com/office/drawing/2014/main" id="{B0FC91B5-FDA6-65FB-C9D9-C10AE2745797}"/>
               </a:ext>
             </a:extLst>
           </p:cNvPr>
@@ -14711,17 +14723,400 @@
         </p:nvSpPr>
         <p:spPr>
           <a:xfrm>
-            <a:off x="3474952" y="2575970"/>
-            <a:ext cx="10131425" cy="1456267"/>
+            <a:off x="825909" y="808055"/>
+            <a:ext cx="3979205" cy="1453363"/>
           </a:xfrm>
         </p:spPr>
         <p:txBody>
-          <a:bodyPr/>
+          <a:bodyPr>
+            <a:normAutofit/>
+          </a:bodyPr>
           <a:lstStyle/>
           <a:p>
             <a:r>
               <a:rPr lang="en-GB" dirty="0"/>
-              <a:t>Loading In Data Files</a:t>
+              <a:t>HDF5/H5 </a:t>
+            </a:r>
+            <a:r>
+              <a:rPr lang="en-GB" dirty="0" err="1"/>
+              <a:t>FIles</a:t>
+            </a:r>
+            <a:endParaRPr lang="en-GB" dirty="0"/>
+          </a:p>
+        </p:txBody>
+      </p:sp>
+      <p:sp>
+        <p:nvSpPr>
+          <p:cNvPr id="2054" name="Content Placeholder 2053">
+            <a:extLst>
+              <a:ext uri="{FF2B5EF4-FFF2-40B4-BE49-F238E27FC236}">
+                <a16:creationId xmlns:a16="http://schemas.microsoft.com/office/drawing/2014/main" id="{3A890F8D-8BFF-02CC-7A82-301CFB3FDB08}"/>
+              </a:ext>
+            </a:extLst>
+          </p:cNvPr>
+          <p:cNvSpPr>
+            <a:spLocks noGrp="1"/>
+          </p:cNvSpPr>
+          <p:nvPr>
+            <p:ph idx="1"/>
+          </p:nvPr>
+        </p:nvSpPr>
+        <p:spPr>
+          <a:xfrm>
+            <a:off x="802178" y="2261420"/>
+            <a:ext cx="4002936" cy="3637935"/>
+          </a:xfrm>
+        </p:spPr>
+        <p:txBody>
+          <a:bodyPr>
+            <a:normAutofit/>
+          </a:bodyPr>
+          <a:lstStyle/>
+          <a:p>
+            <a:r>
+              <a:rPr lang="en-US" dirty="0"/>
+              <a:t>Hierarchical data storage</a:t>
+            </a:r>
+          </a:p>
+          <a:p>
+            <a:r>
+              <a:rPr lang="en-US" dirty="0"/>
+              <a:t>Can load in subsets individually</a:t>
+            </a:r>
+          </a:p>
+          <a:p>
+            <a:pPr lvl="1"/>
+            <a:r>
+              <a:rPr lang="en-US" dirty="0"/>
+              <a:t>Making it ideal for storing simulation data</a:t>
+            </a:r>
+          </a:p>
+          <a:p>
+            <a:r>
+              <a:rPr lang="en-US" dirty="0"/>
+              <a:t>Can store variables as “attributes”/”metadata”</a:t>
+            </a:r>
+          </a:p>
+        </p:txBody>
+      </p:sp>
+      <p:pic>
+        <p:nvPicPr>
+          <p:cNvPr id="2050" name="Picture 2" descr="Hierarchical Data Formats - What is HDF5? | NSF NEON | Open Data to  Understand our Ecosystems">
+            <a:extLst>
+              <a:ext uri="{FF2B5EF4-FFF2-40B4-BE49-F238E27FC236}">
+                <a16:creationId xmlns:a16="http://schemas.microsoft.com/office/drawing/2014/main" id="{EB9FA0A4-92EE-93AB-3D7A-139BAB349BBB}"/>
+              </a:ext>
+            </a:extLst>
+          </p:cNvPr>
+          <p:cNvPicPr>
+            <a:picLocks noChangeAspect="1" noChangeArrowheads="1"/>
+          </p:cNvPicPr>
+          <p:nvPr/>
+        </p:nvPicPr>
+        <p:blipFill>
+          <a:blip r:embed="rId3">
+            <a:extLst>
+              <a:ext uri="{28A0092B-C50C-407E-A947-70E740481C1C}">
+                <a14:useLocalDpi xmlns:a14="http://schemas.microsoft.com/office/drawing/2010/main" val="0"/>
+              </a:ext>
+            </a:extLst>
+          </a:blip>
+          <a:stretch>
+            <a:fillRect/>
+          </a:stretch>
+        </p:blipFill>
+        <p:spPr bwMode="auto">
+          <a:xfrm>
+            <a:off x="5289752" y="1564924"/>
+            <a:ext cx="6095593" cy="3565921"/>
+          </a:xfrm>
+          <a:prstGeom prst="roundRect">
+            <a:avLst>
+              <a:gd name="adj" fmla="val 4380"/>
+            </a:avLst>
+          </a:prstGeom>
+          <a:noFill/>
+          <a:ln w="50800" cap="sq" cmpd="dbl">
+            <a:gradFill flip="none" rotWithShape="1">
+              <a:gsLst>
+                <a:gs pos="0">
+                  <a:srgbClr val="FFFFFF"/>
+                </a:gs>
+                <a:gs pos="100000">
+                  <a:schemeClr val="tx1">
+                    <a:alpha val="0"/>
+                  </a:schemeClr>
+                </a:gs>
+              </a:gsLst>
+              <a:path path="circle">
+                <a:fillToRect l="50000" t="50000" r="50000" b="50000"/>
+              </a:path>
+              <a:tileRect/>
+            </a:gradFill>
+            <a:miter lim="800000"/>
+          </a:ln>
+          <a:effectLst>
+            <a:outerShdw blurRad="254000" algn="tl" rotWithShape="0">
+              <a:srgbClr val="000000">
+                <a:alpha val="43000"/>
+              </a:srgbClr>
+            </a:outerShdw>
+          </a:effectLst>
+          <a:extLst>
+            <a:ext uri="{909E8E84-426E-40DD-AFC4-6F175D3DCCD1}">
+              <a14:hiddenFill xmlns:a14="http://schemas.microsoft.com/office/drawing/2010/main">
+                <a:solidFill>
+                  <a:srgbClr val="FFFFFF"/>
+                </a:solidFill>
+              </a14:hiddenFill>
+            </a:ext>
+          </a:extLst>
+        </p:spPr>
+      </p:pic>
+      <p:sp>
+        <p:nvSpPr>
+          <p:cNvPr id="4" name="Content Placeholder 2">
+            <a:extLst>
+              <a:ext uri="{FF2B5EF4-FFF2-40B4-BE49-F238E27FC236}">
+                <a16:creationId xmlns:a16="http://schemas.microsoft.com/office/drawing/2014/main" id="{4C24F41C-6EB5-4C81-4D92-24E22F42B466}"/>
+              </a:ext>
+            </a:extLst>
+          </p:cNvPr>
+          <p:cNvSpPr txBox="1">
+            <a:spLocks/>
+          </p:cNvSpPr>
+          <p:nvPr/>
+        </p:nvSpPr>
+        <p:spPr>
+          <a:xfrm>
+            <a:off x="5289752" y="3600477"/>
+            <a:ext cx="5556952" cy="3649133"/>
+          </a:xfrm>
+          <a:prstGeom prst="rect">
+            <a:avLst/>
+          </a:prstGeom>
+        </p:spPr>
+        <p:txBody>
+          <a:bodyPr vert="horz" lIns="91440" tIns="45720" rIns="91440" bIns="45720" rtlCol="0" anchor="ctr">
+            <a:normAutofit/>
+          </a:bodyPr>
+          <a:lstStyle>
+            <a:lvl1pPr marL="285750" indent="-285750" algn="l" defTabSz="457200" rtl="0" eaLnBrk="1" latinLnBrk="0" hangingPunct="1">
+              <a:spcBef>
+                <a:spcPts val="0"/>
+              </a:spcBef>
+              <a:spcAft>
+                <a:spcPts val="1000"/>
+              </a:spcAft>
+              <a:buClr>
+                <a:schemeClr val="tx1"/>
+              </a:buClr>
+              <a:buSzPct val="100000"/>
+              <a:buFont typeface="Arial"/>
+              <a:buChar char="•"/>
+              <a:defRPr sz="1800" kern="1200" cap="none">
+                <a:solidFill>
+                  <a:schemeClr val="tx1"/>
+                </a:solidFill>
+                <a:effectLst/>
+                <a:latin typeface="+mn-lt"/>
+                <a:ea typeface="+mn-ea"/>
+                <a:cs typeface="+mn-cs"/>
+              </a:defRPr>
+            </a:lvl1pPr>
+            <a:lvl2pPr marL="742950" indent="-285750" algn="l" defTabSz="457200" rtl="0" eaLnBrk="1" latinLnBrk="0" hangingPunct="1">
+              <a:spcBef>
+                <a:spcPts val="0"/>
+              </a:spcBef>
+              <a:spcAft>
+                <a:spcPts val="1000"/>
+              </a:spcAft>
+              <a:buClr>
+                <a:schemeClr val="tx1"/>
+              </a:buClr>
+              <a:buSzPct val="100000"/>
+              <a:buFont typeface="Arial"/>
+              <a:buChar char="•"/>
+              <a:defRPr sz="1600" kern="1200" cap="none">
+                <a:solidFill>
+                  <a:schemeClr val="tx1"/>
+                </a:solidFill>
+                <a:effectLst/>
+                <a:latin typeface="+mn-lt"/>
+                <a:ea typeface="+mn-ea"/>
+                <a:cs typeface="+mn-cs"/>
+              </a:defRPr>
+            </a:lvl2pPr>
+            <a:lvl3pPr marL="1200150" indent="-285750" algn="l" defTabSz="457200" rtl="0" eaLnBrk="1" latinLnBrk="0" hangingPunct="1">
+              <a:spcBef>
+                <a:spcPts val="0"/>
+              </a:spcBef>
+              <a:spcAft>
+                <a:spcPts val="1000"/>
+              </a:spcAft>
+              <a:buClr>
+                <a:schemeClr val="tx1"/>
+              </a:buClr>
+              <a:buSzPct val="100000"/>
+              <a:buFont typeface="Arial"/>
+              <a:buChar char="•"/>
+              <a:defRPr sz="1400" kern="1200" cap="none">
+                <a:solidFill>
+                  <a:schemeClr val="tx1"/>
+                </a:solidFill>
+                <a:effectLst/>
+                <a:latin typeface="+mn-lt"/>
+                <a:ea typeface="+mn-ea"/>
+                <a:cs typeface="+mn-cs"/>
+              </a:defRPr>
+            </a:lvl3pPr>
+            <a:lvl4pPr marL="1543050" indent="-171450" algn="l" defTabSz="457200" rtl="0" eaLnBrk="1" latinLnBrk="0" hangingPunct="1">
+              <a:spcBef>
+                <a:spcPts val="0"/>
+              </a:spcBef>
+              <a:spcAft>
+                <a:spcPts val="1000"/>
+              </a:spcAft>
+              <a:buClr>
+                <a:schemeClr val="tx1"/>
+              </a:buClr>
+              <a:buSzPct val="100000"/>
+              <a:buFont typeface="Arial"/>
+              <a:buChar char="•"/>
+              <a:defRPr sz="1200" kern="1200" cap="none">
+                <a:solidFill>
+                  <a:schemeClr val="tx1"/>
+                </a:solidFill>
+                <a:effectLst/>
+                <a:latin typeface="+mn-lt"/>
+                <a:ea typeface="+mn-ea"/>
+                <a:cs typeface="+mn-cs"/>
+              </a:defRPr>
+            </a:lvl4pPr>
+            <a:lvl5pPr marL="2000250" indent="-171450" algn="l" defTabSz="457200" rtl="0" eaLnBrk="1" latinLnBrk="0" hangingPunct="1">
+              <a:spcBef>
+                <a:spcPts val="0"/>
+              </a:spcBef>
+              <a:spcAft>
+                <a:spcPts val="1000"/>
+              </a:spcAft>
+              <a:buClr>
+                <a:schemeClr val="tx1"/>
+              </a:buClr>
+              <a:buSzPct val="100000"/>
+              <a:buFont typeface="Arial"/>
+              <a:buChar char="•"/>
+              <a:defRPr sz="1200" kern="1200" cap="none">
+                <a:solidFill>
+                  <a:schemeClr val="tx1"/>
+                </a:solidFill>
+                <a:effectLst/>
+                <a:latin typeface="+mn-lt"/>
+                <a:ea typeface="+mn-ea"/>
+                <a:cs typeface="+mn-cs"/>
+              </a:defRPr>
+            </a:lvl5pPr>
+            <a:lvl6pPr marL="2514600" indent="-228600" algn="l" defTabSz="457200" rtl="0" eaLnBrk="1" latinLnBrk="0" hangingPunct="1">
+              <a:spcBef>
+                <a:spcPts val="0"/>
+              </a:spcBef>
+              <a:spcAft>
+                <a:spcPts val="1000"/>
+              </a:spcAft>
+              <a:buClr>
+                <a:schemeClr val="tx1"/>
+              </a:buClr>
+              <a:buSzPct val="100000"/>
+              <a:buFont typeface="Arial"/>
+              <a:buChar char="•"/>
+              <a:defRPr sz="1200" kern="1200" cap="none">
+                <a:solidFill>
+                  <a:schemeClr val="tx1"/>
+                </a:solidFill>
+                <a:effectLst/>
+                <a:latin typeface="+mn-lt"/>
+                <a:ea typeface="+mn-ea"/>
+                <a:cs typeface="+mn-cs"/>
+              </a:defRPr>
+            </a:lvl6pPr>
+            <a:lvl7pPr marL="2971800" indent="-228600" algn="l" defTabSz="457200" rtl="0" eaLnBrk="1" latinLnBrk="0" hangingPunct="1">
+              <a:spcBef>
+                <a:spcPts val="0"/>
+              </a:spcBef>
+              <a:spcAft>
+                <a:spcPts val="1000"/>
+              </a:spcAft>
+              <a:buClr>
+                <a:schemeClr val="tx1"/>
+              </a:buClr>
+              <a:buSzPct val="100000"/>
+              <a:buFont typeface="Arial"/>
+              <a:buChar char="•"/>
+              <a:defRPr sz="1200" kern="1200" cap="none">
+                <a:solidFill>
+                  <a:schemeClr val="tx1"/>
+                </a:solidFill>
+                <a:effectLst/>
+                <a:latin typeface="+mn-lt"/>
+                <a:ea typeface="+mn-ea"/>
+                <a:cs typeface="+mn-cs"/>
+              </a:defRPr>
+            </a:lvl7pPr>
+            <a:lvl8pPr marL="3429000" indent="-228600" algn="l" defTabSz="457200" rtl="0" eaLnBrk="1" latinLnBrk="0" hangingPunct="1">
+              <a:spcBef>
+                <a:spcPts val="0"/>
+              </a:spcBef>
+              <a:spcAft>
+                <a:spcPts val="1000"/>
+              </a:spcAft>
+              <a:buClr>
+                <a:schemeClr val="tx1"/>
+              </a:buClr>
+              <a:buSzPct val="100000"/>
+              <a:buFont typeface="Arial"/>
+              <a:buChar char="•"/>
+              <a:defRPr sz="1200" kern="1200" cap="none">
+                <a:solidFill>
+                  <a:schemeClr val="tx1"/>
+                </a:solidFill>
+                <a:effectLst/>
+                <a:latin typeface="+mn-lt"/>
+                <a:ea typeface="+mn-ea"/>
+                <a:cs typeface="+mn-cs"/>
+              </a:defRPr>
+            </a:lvl8pPr>
+            <a:lvl9pPr marL="3886200" indent="-228600" algn="l" defTabSz="457200" rtl="0" eaLnBrk="1" latinLnBrk="0" hangingPunct="1">
+              <a:spcBef>
+                <a:spcPts val="0"/>
+              </a:spcBef>
+              <a:spcAft>
+                <a:spcPts val="1000"/>
+              </a:spcAft>
+              <a:buClr>
+                <a:schemeClr val="tx1"/>
+              </a:buClr>
+              <a:buSzPct val="100000"/>
+              <a:buFont typeface="Arial"/>
+              <a:buChar char="•"/>
+              <a:defRPr sz="1200" kern="1200" cap="none">
+                <a:solidFill>
+                  <a:schemeClr val="tx1"/>
+                </a:solidFill>
+                <a:effectLst/>
+                <a:latin typeface="+mn-lt"/>
+                <a:ea typeface="+mn-ea"/>
+                <a:cs typeface="+mn-cs"/>
+              </a:defRPr>
+            </a:lvl9pPr>
+          </a:lstStyle>
+          <a:p>
+            <a:pPr marL="0" indent="0">
+              <a:buFont typeface="Arial"/>
+              <a:buNone/>
+            </a:pPr>
+            <a:r>
+              <a:rPr lang="en-GB" dirty="0"/>
+              <a:t>Image Credit: National Ecological Observatory Network</a:t>
             </a:r>
           </a:p>
         </p:txBody>
@@ -14729,7 +15124,7 @@
     </p:spTree>
     <p:extLst>
       <p:ext uri="{BB962C8B-B14F-4D97-AF65-F5344CB8AC3E}">
-        <p14:creationId xmlns:p14="http://schemas.microsoft.com/office/powerpoint/2010/main" val="1568051194"/>
+        <p14:creationId xmlns:p14="http://schemas.microsoft.com/office/powerpoint/2010/main" val="3005881643"/>
       </p:ext>
     </p:extLst>
   </p:cSld>
@@ -14761,7 +15156,7 @@
           <p:cNvPr id="2" name="Title 1">
             <a:extLst>
               <a:ext uri="{FF2B5EF4-FFF2-40B4-BE49-F238E27FC236}">
-                <a16:creationId xmlns:a16="http://schemas.microsoft.com/office/drawing/2014/main" id="{8D93013B-8ED5-FD83-485A-29CA587689BF}"/>
+                <a16:creationId xmlns:a16="http://schemas.microsoft.com/office/drawing/2014/main" id="{D5E8D8A6-2863-137A-8410-7C6E06255E55}"/>
               </a:ext>
             </a:extLst>
           </p:cNvPr>
@@ -14772,85 +15167,27 @@
             <p:ph type="title"/>
           </p:nvPr>
         </p:nvSpPr>
-        <p:spPr/>
+        <p:spPr>
+          <a:xfrm>
+            <a:off x="3474952" y="2575970"/>
+            <a:ext cx="10131425" cy="1456267"/>
+          </a:xfrm>
+        </p:spPr>
         <p:txBody>
           <a:bodyPr/>
           <a:lstStyle/>
           <a:p>
             <a:r>
               <a:rPr lang="en-GB" dirty="0"/>
-              <a:t>Common Packages to Load in Files</a:t>
-            </a:r>
-          </a:p>
-        </p:txBody>
-      </p:sp>
-      <p:sp>
-        <p:nvSpPr>
-          <p:cNvPr id="3" name="Content Placeholder 2">
-            <a:extLst>
-              <a:ext uri="{FF2B5EF4-FFF2-40B4-BE49-F238E27FC236}">
-                <a16:creationId xmlns:a16="http://schemas.microsoft.com/office/drawing/2014/main" id="{9AA22020-6B2B-30F2-E194-C1CB95400A48}"/>
-              </a:ext>
-            </a:extLst>
-          </p:cNvPr>
-          <p:cNvSpPr>
-            <a:spLocks noGrp="1"/>
-          </p:cNvSpPr>
-          <p:nvPr>
-            <p:ph idx="1"/>
-          </p:nvPr>
-        </p:nvSpPr>
-        <p:spPr/>
-        <p:txBody>
-          <a:bodyPr/>
-          <a:lstStyle/>
-          <a:p>
-            <a:r>
-              <a:rPr lang="en-GB" dirty="0"/>
-              <a:t>Pure Python</a:t>
-            </a:r>
-          </a:p>
-          <a:p>
-            <a:r>
-              <a:rPr lang="en-GB" dirty="0"/>
-              <a:t>CSV</a:t>
-            </a:r>
-          </a:p>
-          <a:p>
-            <a:r>
-              <a:rPr lang="en-GB" dirty="0" err="1"/>
-              <a:t>Numpy</a:t>
-            </a:r>
-            <a:endParaRPr lang="en-GB" dirty="0"/>
-          </a:p>
-          <a:p>
-            <a:r>
-              <a:rPr lang="en-GB" dirty="0" err="1"/>
-              <a:t>Astropy</a:t>
-            </a:r>
-            <a:endParaRPr lang="en-GB" dirty="0"/>
-          </a:p>
-          <a:p>
-            <a:r>
-              <a:rPr lang="en-GB" dirty="0"/>
-              <a:t>H5PY</a:t>
-            </a:r>
-          </a:p>
-          <a:p>
-            <a:r>
-              <a:rPr lang="en-GB" dirty="0"/>
-              <a:t>Pandas</a:t>
-            </a:r>
-          </a:p>
-          <a:p>
-            <a:endParaRPr lang="en-GB" dirty="0"/>
+              <a:t>Loading In Data Files</a:t>
+            </a:r>
           </a:p>
         </p:txBody>
       </p:sp>
     </p:spTree>
     <p:extLst>
       <p:ext uri="{BB962C8B-B14F-4D97-AF65-F5344CB8AC3E}">
-        <p14:creationId xmlns:p14="http://schemas.microsoft.com/office/powerpoint/2010/main" val="1117022511"/>
+        <p14:creationId xmlns:p14="http://schemas.microsoft.com/office/powerpoint/2010/main" val="1568051194"/>
       </p:ext>
     </p:extLst>
   </p:cSld>
@@ -14882,7 +15219,7 @@
           <p:cNvPr id="2" name="Title 1">
             <a:extLst>
               <a:ext uri="{FF2B5EF4-FFF2-40B4-BE49-F238E27FC236}">
-                <a16:creationId xmlns:a16="http://schemas.microsoft.com/office/drawing/2014/main" id="{0580393F-EB7A-3E19-B8E4-4207A8B2002F}"/>
+                <a16:creationId xmlns:a16="http://schemas.microsoft.com/office/drawing/2014/main" id="{8D93013B-8ED5-FD83-485A-29CA587689BF}"/>
               </a:ext>
             </a:extLst>
           </p:cNvPr>
@@ -14900,7 +15237,7 @@
           <a:p>
             <a:r>
               <a:rPr lang="en-GB" dirty="0"/>
-              <a:t>Loading in Big Files</a:t>
+              <a:t>Common Packages to Load in Files</a:t>
             </a:r>
           </a:p>
         </p:txBody>
@@ -14910,7 +15247,7 @@
           <p:cNvPr id="3" name="Content Placeholder 2">
             <a:extLst>
               <a:ext uri="{FF2B5EF4-FFF2-40B4-BE49-F238E27FC236}">
-                <a16:creationId xmlns:a16="http://schemas.microsoft.com/office/drawing/2014/main" id="{953A946E-E4D8-A76B-F7B0-1B34FC631E42}"/>
+                <a16:creationId xmlns:a16="http://schemas.microsoft.com/office/drawing/2014/main" id="{9AA22020-6B2B-30F2-E194-C1CB95400A48}"/>
               </a:ext>
             </a:extLst>
           </p:cNvPr>
@@ -14928,21 +15265,64 @@
           <a:p>
             <a:r>
               <a:rPr lang="en-GB" dirty="0"/>
-              <a:t>Skip rows (for sampling)</a:t>
+              <a:t>Pure Python</a:t>
             </a:r>
           </a:p>
           <a:p>
             <a:r>
               <a:rPr lang="en-GB" dirty="0"/>
-              <a:t>Chunking (Pandas) </a:t>
-            </a:r>
+              <a:t>CSV</a:t>
+            </a:r>
+          </a:p>
+          <a:p>
+            <a:r>
+              <a:rPr lang="en-GB" dirty="0" err="1"/>
+              <a:t>Numpy</a:t>
+            </a:r>
+            <a:r>
+              <a:rPr lang="en-GB" dirty="0"/>
+              <a:t> – Can load in a multitude of files and store them as </a:t>
+            </a:r>
+            <a:r>
+              <a:rPr lang="en-GB" dirty="0" err="1"/>
+              <a:t>nd</a:t>
+            </a:r>
+            <a:r>
+              <a:rPr lang="en-GB" dirty="0"/>
+              <a:t>-arrays</a:t>
+            </a:r>
+          </a:p>
+          <a:p>
+            <a:r>
+              <a:rPr lang="en-GB" dirty="0" err="1"/>
+              <a:t>Astropy</a:t>
+            </a:r>
+            <a:r>
+              <a:rPr lang="en-GB" dirty="0"/>
+              <a:t> – Can load in ascii data files and FITS</a:t>
+            </a:r>
+          </a:p>
+          <a:p>
+            <a:r>
+              <a:rPr lang="en-GB" dirty="0"/>
+              <a:t>H5PY – Specialised for loading in h5/hdf5 files</a:t>
+            </a:r>
+          </a:p>
+          <a:p>
+            <a:r>
+              <a:rPr lang="en-GB" dirty="0"/>
+              <a:t>Pandas – Great for loading in tables and data with different d-types </a:t>
+            </a:r>
+          </a:p>
+          <a:p>
+            <a:endParaRPr lang="en-GB" dirty="0"/>
           </a:p>
         </p:txBody>
       </p:sp>
     </p:spTree>
     <p:extLst>
       <p:ext uri="{BB962C8B-B14F-4D97-AF65-F5344CB8AC3E}">
-        <p14:creationId xmlns:p14="http://schemas.microsoft.com/office/powerpoint/2010/main" val="1259747078"/>
+        <p14:creationId xmlns:p14="http://schemas.microsoft.com/office/powerpoint/2010/main" val="1117022511"/>
       </p:ext>
     </p:extLst>
   </p:cSld>
@@ -14974,7 +15354,7 @@
           <p:cNvPr id="2" name="Title 1">
             <a:extLst>
               <a:ext uri="{FF2B5EF4-FFF2-40B4-BE49-F238E27FC236}">
-                <a16:creationId xmlns:a16="http://schemas.microsoft.com/office/drawing/2014/main" id="{D5E8D8A6-2863-137A-8410-7C6E06255E55}"/>
+                <a16:creationId xmlns:a16="http://schemas.microsoft.com/office/drawing/2014/main" id="{0580393F-EB7A-3E19-B8E4-4207A8B2002F}"/>
               </a:ext>
             </a:extLst>
           </p:cNvPr>
@@ -14985,19 +15365,77 @@
             <p:ph type="title"/>
           </p:nvPr>
         </p:nvSpPr>
-        <p:spPr>
-          <a:xfrm>
-            <a:off x="3474952" y="2575970"/>
-            <a:ext cx="10131425" cy="1456267"/>
-          </a:xfrm>
-        </p:spPr>
+        <p:spPr/>
         <p:txBody>
           <a:bodyPr/>
           <a:lstStyle/>
           <a:p>
             <a:r>
               <a:rPr lang="en-GB" dirty="0"/>
-              <a:t>Processing Data Files</a:t>
+              <a:t>Loading in Big Files</a:t>
+            </a:r>
+          </a:p>
+        </p:txBody>
+      </p:sp>
+      <p:sp>
+        <p:nvSpPr>
+          <p:cNvPr id="3" name="Content Placeholder 2">
+            <a:extLst>
+              <a:ext uri="{FF2B5EF4-FFF2-40B4-BE49-F238E27FC236}">
+                <a16:creationId xmlns:a16="http://schemas.microsoft.com/office/drawing/2014/main" id="{953A946E-E4D8-A76B-F7B0-1B34FC631E42}"/>
+              </a:ext>
+            </a:extLst>
+          </p:cNvPr>
+          <p:cNvSpPr>
+            <a:spLocks noGrp="1"/>
+          </p:cNvSpPr>
+          <p:nvPr>
+            <p:ph idx="1"/>
+          </p:nvPr>
+        </p:nvSpPr>
+        <p:spPr/>
+        <p:txBody>
+          <a:bodyPr/>
+          <a:lstStyle/>
+          <a:p>
+            <a:r>
+              <a:rPr lang="en-GB" dirty="0"/>
+              <a:t>Skip rows (for sampling) – </a:t>
+            </a:r>
+            <a:r>
+              <a:rPr lang="en-GB" dirty="0" err="1"/>
+              <a:t>Numpy</a:t>
+            </a:r>
+            <a:r>
+              <a:rPr lang="en-GB" dirty="0"/>
+              <a:t>/Pandas have their own implementations</a:t>
+            </a:r>
+          </a:p>
+          <a:p>
+            <a:r>
+              <a:rPr lang="en-GB" dirty="0"/>
+              <a:t>Chunking (Pandas) – Allows you to access a part of a data file</a:t>
+            </a:r>
+          </a:p>
+          <a:p>
+            <a:pPr lvl="1"/>
+            <a:r>
+              <a:rPr lang="en-GB" dirty="0"/>
+              <a:t>Using For loops, you can access chunks</a:t>
+            </a:r>
+          </a:p>
+          <a:p>
+            <a:pPr lvl="1"/>
+            <a:r>
+              <a:rPr lang="en-GB" dirty="0"/>
+              <a:t>For example: 1x20GB file can be chunked into 10 x 2GB parts. Can process each chunk individually this way.</a:t>
+            </a:r>
+          </a:p>
+          <a:p>
+            <a:pPr lvl="2"/>
+            <a:r>
+              <a:rPr lang="en-GB" dirty="0"/>
+              <a:t>Caveats: Only useful for data where analysis can be conducted on subsets and combined</a:t>
             </a:r>
           </a:p>
         </p:txBody>
@@ -15005,7 +15443,7 @@
     </p:spTree>
     <p:extLst>
       <p:ext uri="{BB962C8B-B14F-4D97-AF65-F5344CB8AC3E}">
-        <p14:creationId xmlns:p14="http://schemas.microsoft.com/office/powerpoint/2010/main" val="2447745216"/>
+        <p14:creationId xmlns:p14="http://schemas.microsoft.com/office/powerpoint/2010/main" val="1259747078"/>
       </p:ext>
     </p:extLst>
   </p:cSld>
@@ -15037,7 +15475,7 @@
           <p:cNvPr id="2" name="Title 1">
             <a:extLst>
               <a:ext uri="{FF2B5EF4-FFF2-40B4-BE49-F238E27FC236}">
-                <a16:creationId xmlns:a16="http://schemas.microsoft.com/office/drawing/2014/main" id="{23E03CF0-CD29-A260-F65E-BE65367DCDCD}"/>
+                <a16:creationId xmlns:a16="http://schemas.microsoft.com/office/drawing/2014/main" id="{D5E8D8A6-2863-137A-8410-7C6E06255E55}"/>
               </a:ext>
             </a:extLst>
           </p:cNvPr>
@@ -15048,51 +15486,19 @@
             <p:ph type="title"/>
           </p:nvPr>
         </p:nvSpPr>
-        <p:spPr/>
+        <p:spPr>
+          <a:xfrm>
+            <a:off x="3474952" y="2575970"/>
+            <a:ext cx="10131425" cy="1456267"/>
+          </a:xfrm>
+        </p:spPr>
         <p:txBody>
           <a:bodyPr/>
           <a:lstStyle/>
           <a:p>
             <a:r>
               <a:rPr lang="en-GB" dirty="0"/>
-              <a:t>Common Methods to Process Data </a:t>
-            </a:r>
-            <a:r>
-              <a:rPr lang="en-GB" dirty="0" err="1"/>
-              <a:t>FIles</a:t>
-            </a:r>
-            <a:endParaRPr lang="en-GB" dirty="0"/>
-          </a:p>
-        </p:txBody>
-      </p:sp>
-      <p:sp>
-        <p:nvSpPr>
-          <p:cNvPr id="3" name="Content Placeholder 2">
-            <a:extLst>
-              <a:ext uri="{FF2B5EF4-FFF2-40B4-BE49-F238E27FC236}">
-                <a16:creationId xmlns:a16="http://schemas.microsoft.com/office/drawing/2014/main" id="{CD15CFE7-94BE-D1C9-9EB7-319A541A4296}"/>
-              </a:ext>
-            </a:extLst>
-          </p:cNvPr>
-          <p:cNvSpPr>
-            <a:spLocks noGrp="1"/>
-          </p:cNvSpPr>
-          <p:nvPr>
-            <p:ph idx="1"/>
-          </p:nvPr>
-        </p:nvSpPr>
-        <p:spPr/>
-        <p:txBody>
-          <a:bodyPr/>
-          <a:lstStyle/>
-          <a:p>
-            <a:r>
-              <a:rPr lang="en-GB" dirty="0" err="1"/>
-              <a:t>Numpy</a:t>
-            </a:r>
-            <a:r>
-              <a:rPr lang="en-GB" dirty="0"/>
-              <a:t> is your friend</a:t>
+              <a:t>Processing Data Files</a:t>
             </a:r>
           </a:p>
         </p:txBody>
@@ -15100,7 +15506,7 @@
     </p:spTree>
     <p:extLst>
       <p:ext uri="{BB962C8B-B14F-4D97-AF65-F5344CB8AC3E}">
-        <p14:creationId xmlns:p14="http://schemas.microsoft.com/office/powerpoint/2010/main" val="2713223504"/>
+        <p14:creationId xmlns:p14="http://schemas.microsoft.com/office/powerpoint/2010/main" val="2447745216"/>
       </p:ext>
     </p:extLst>
   </p:cSld>
@@ -15132,7 +15538,7 @@
           <p:cNvPr id="2" name="Title 1">
             <a:extLst>
               <a:ext uri="{FF2B5EF4-FFF2-40B4-BE49-F238E27FC236}">
-                <a16:creationId xmlns:a16="http://schemas.microsoft.com/office/drawing/2014/main" id="{D5E8D8A6-2863-137A-8410-7C6E06255E55}"/>
+                <a16:creationId xmlns:a16="http://schemas.microsoft.com/office/drawing/2014/main" id="{23E03CF0-CD29-A260-F65E-BE65367DCDCD}"/>
               </a:ext>
             </a:extLst>
           </p:cNvPr>
@@ -15143,19 +15549,82 @@
             <p:ph type="title"/>
           </p:nvPr>
         </p:nvSpPr>
-        <p:spPr>
-          <a:xfrm>
-            <a:off x="3474952" y="2575970"/>
-            <a:ext cx="10131425" cy="1456267"/>
-          </a:xfrm>
-        </p:spPr>
+        <p:spPr/>
         <p:txBody>
           <a:bodyPr/>
           <a:lstStyle/>
           <a:p>
             <a:r>
               <a:rPr lang="en-GB" dirty="0"/>
-              <a:t>Visualising Data</a:t>
+              <a:t>Common Methods to Process Data </a:t>
+            </a:r>
+            <a:r>
+              <a:rPr lang="en-GB" dirty="0" err="1"/>
+              <a:t>FIles</a:t>
+            </a:r>
+            <a:endParaRPr lang="en-GB" dirty="0"/>
+          </a:p>
+        </p:txBody>
+      </p:sp>
+      <p:sp>
+        <p:nvSpPr>
+          <p:cNvPr id="3" name="Content Placeholder 2">
+            <a:extLst>
+              <a:ext uri="{FF2B5EF4-FFF2-40B4-BE49-F238E27FC236}">
+                <a16:creationId xmlns:a16="http://schemas.microsoft.com/office/drawing/2014/main" id="{CD15CFE7-94BE-D1C9-9EB7-319A541A4296}"/>
+              </a:ext>
+            </a:extLst>
+          </p:cNvPr>
+          <p:cNvSpPr>
+            <a:spLocks noGrp="1"/>
+          </p:cNvSpPr>
+          <p:nvPr>
+            <p:ph idx="1"/>
+          </p:nvPr>
+        </p:nvSpPr>
+        <p:spPr/>
+        <p:txBody>
+          <a:bodyPr/>
+          <a:lstStyle/>
+          <a:p>
+            <a:r>
+              <a:rPr lang="en-GB" dirty="0" err="1"/>
+              <a:t>Numpy</a:t>
+            </a:r>
+            <a:r>
+              <a:rPr lang="en-GB" dirty="0"/>
+              <a:t> is your friend – Can handle arrays and most mathematical operations</a:t>
+            </a:r>
+          </a:p>
+          <a:p>
+            <a:pPr lvl="1"/>
+            <a:r>
+              <a:rPr lang="en-GB" dirty="0"/>
+              <a:t>Can also produce </a:t>
+            </a:r>
+            <a:r>
+              <a:rPr lang="en-GB" dirty="0" err="1"/>
+              <a:t>recarrays</a:t>
+            </a:r>
+            <a:r>
+              <a:rPr lang="en-GB" dirty="0"/>
+              <a:t> – a crossover between a dictionary and an array. Can use dictionary conventions to access specific arrays.</a:t>
+            </a:r>
+          </a:p>
+          <a:p>
+            <a:r>
+              <a:rPr lang="en-GB" dirty="0" err="1"/>
+              <a:t>Numbas</a:t>
+            </a:r>
+            <a:r>
+              <a:rPr lang="en-GB" dirty="0"/>
+              <a:t> – for parallelisation and deployment on GPUs</a:t>
+            </a:r>
+          </a:p>
+          <a:p>
+            <a:r>
+              <a:rPr lang="en-GB" dirty="0"/>
+              <a:t>Pandas  - Allows mathematical operations and can even handle cross-matching, sorting, filtering of multiple data tables!</a:t>
             </a:r>
           </a:p>
         </p:txBody>
@@ -15163,7 +15632,7 @@
     </p:spTree>
     <p:extLst>
       <p:ext uri="{BB962C8B-B14F-4D97-AF65-F5344CB8AC3E}">
-        <p14:creationId xmlns:p14="http://schemas.microsoft.com/office/powerpoint/2010/main" val="929907585"/>
+        <p14:creationId xmlns:p14="http://schemas.microsoft.com/office/powerpoint/2010/main" val="2713223504"/>
       </p:ext>
     </p:extLst>
   </p:cSld>
@@ -15195,7 +15664,7 @@
           <p:cNvPr id="2" name="Title 1">
             <a:extLst>
               <a:ext uri="{FF2B5EF4-FFF2-40B4-BE49-F238E27FC236}">
-                <a16:creationId xmlns:a16="http://schemas.microsoft.com/office/drawing/2014/main" id="{CFE7FFF7-ADCA-669E-F239-ABC5E1F00B7F}"/>
+                <a16:creationId xmlns:a16="http://schemas.microsoft.com/office/drawing/2014/main" id="{D5E8D8A6-2863-137A-8410-7C6E06255E55}"/>
               </a:ext>
             </a:extLst>
           </p:cNvPr>
@@ -15206,47 +15675,27 @@
             <p:ph type="title"/>
           </p:nvPr>
         </p:nvSpPr>
-        <p:spPr/>
+        <p:spPr>
+          <a:xfrm>
+            <a:off x="3474952" y="2575970"/>
+            <a:ext cx="10131425" cy="1456267"/>
+          </a:xfrm>
+        </p:spPr>
         <p:txBody>
           <a:bodyPr/>
           <a:lstStyle/>
           <a:p>
             <a:r>
               <a:rPr lang="en-GB" dirty="0"/>
-              <a:t>Matplotlib</a:t>
-            </a:r>
-          </a:p>
-        </p:txBody>
-      </p:sp>
-      <p:sp>
-        <p:nvSpPr>
-          <p:cNvPr id="3" name="Content Placeholder 2">
-            <a:extLst>
-              <a:ext uri="{FF2B5EF4-FFF2-40B4-BE49-F238E27FC236}">
-                <a16:creationId xmlns:a16="http://schemas.microsoft.com/office/drawing/2014/main" id="{CC0D26FC-1EF9-9FB4-ED64-BB7C692FE93E}"/>
-              </a:ext>
-            </a:extLst>
-          </p:cNvPr>
-          <p:cNvSpPr>
-            <a:spLocks noGrp="1"/>
-          </p:cNvSpPr>
-          <p:nvPr>
-            <p:ph idx="1"/>
-          </p:nvPr>
-        </p:nvSpPr>
-        <p:spPr/>
-        <p:txBody>
-          <a:bodyPr/>
-          <a:lstStyle/>
-          <a:p>
-            <a:endParaRPr lang="en-GB"/>
+              <a:t>Visualising Data</a:t>
+            </a:r>
           </a:p>
         </p:txBody>
       </p:sp>
     </p:spTree>
     <p:extLst>
       <p:ext uri="{BB962C8B-B14F-4D97-AF65-F5344CB8AC3E}">
-        <p14:creationId xmlns:p14="http://schemas.microsoft.com/office/powerpoint/2010/main" val="1235326918"/>
+        <p14:creationId xmlns:p14="http://schemas.microsoft.com/office/powerpoint/2010/main" val="929907585"/>
       </p:ext>
     </p:extLst>
   </p:cSld>
@@ -15278,7 +15727,7 @@
           <p:cNvPr id="2" name="Title 1">
             <a:extLst>
               <a:ext uri="{FF2B5EF4-FFF2-40B4-BE49-F238E27FC236}">
-                <a16:creationId xmlns:a16="http://schemas.microsoft.com/office/drawing/2014/main" id="{AD86864A-EA94-140E-F9BF-98164A4C42DA}"/>
+                <a16:creationId xmlns:a16="http://schemas.microsoft.com/office/drawing/2014/main" id="{CFE7FFF7-ADCA-669E-F239-ABC5E1F00B7F}"/>
               </a:ext>
             </a:extLst>
           </p:cNvPr>
@@ -15296,7 +15745,7 @@
           <a:p>
             <a:r>
               <a:rPr lang="en-GB" dirty="0"/>
-              <a:t>Seaborn</a:t>
+              <a:t>Matplotlib</a:t>
             </a:r>
           </a:p>
         </p:txBody>
@@ -15306,7 +15755,7 @@
           <p:cNvPr id="3" name="Content Placeholder 2">
             <a:extLst>
               <a:ext uri="{FF2B5EF4-FFF2-40B4-BE49-F238E27FC236}">
-                <a16:creationId xmlns:a16="http://schemas.microsoft.com/office/drawing/2014/main" id="{82C2BC06-6B74-2B55-6E9A-12C4E761E7AE}"/>
+                <a16:creationId xmlns:a16="http://schemas.microsoft.com/office/drawing/2014/main" id="{CC0D26FC-1EF9-9FB4-ED64-BB7C692FE93E}"/>
               </a:ext>
             </a:extLst>
           </p:cNvPr>
@@ -15317,19 +15766,342 @@
             <p:ph idx="1"/>
           </p:nvPr>
         </p:nvSpPr>
-        <p:spPr/>
+        <p:spPr>
+          <a:xfrm>
+            <a:off x="685801" y="2142067"/>
+            <a:ext cx="6476999" cy="3649133"/>
+          </a:xfrm>
+        </p:spPr>
         <p:txBody>
           <a:bodyPr/>
           <a:lstStyle/>
           <a:p>
-            <a:endParaRPr lang="en-GB"/>
+            <a:r>
+              <a:rPr lang="en-GB" dirty="0"/>
+              <a:t>Check out Josh Hayes’ Guide: </a:t>
+            </a:r>
+            <a:r>
+              <a:rPr lang="en-GB" sz="1800" kern="1200" dirty="0">
+                <a:solidFill>
+                  <a:srgbClr val="FFFFFF"/>
+                </a:solidFill>
+                <a:effectLst/>
+                <a:latin typeface="Calibri" panose="020F0502020204030204" pitchFamily="34" charset="0"/>
+                <a:ea typeface="+mn-ea"/>
+                <a:cs typeface="+mn-cs"/>
+                <a:hlinkClick r:id="rId2"/>
+              </a:rPr>
+              <a:t>https://github.com/joshjchayes/matplotlib_guide</a:t>
+            </a:r>
+            <a:endParaRPr lang="en-GB" dirty="0">
+              <a:effectLst/>
+            </a:endParaRPr>
+          </a:p>
+          <a:p>
+            <a:r>
+              <a:rPr lang="en-GB" dirty="0"/>
+              <a:t>Great for visualising data</a:t>
+            </a:r>
+          </a:p>
+          <a:p>
+            <a:r>
+              <a:rPr lang="en-GB" dirty="0"/>
+              <a:t>Well documented</a:t>
+            </a:r>
+          </a:p>
+          <a:p>
+            <a:r>
+              <a:rPr lang="en-GB" dirty="0"/>
+              <a:t>Main package used for plotting in Python</a:t>
+            </a:r>
+          </a:p>
+          <a:p>
+            <a:endParaRPr lang="en-GB" dirty="0"/>
+          </a:p>
+        </p:txBody>
+      </p:sp>
+      <p:pic>
+        <p:nvPicPr>
+          <p:cNvPr id="9" name="Picture 8">
+            <a:extLst>
+              <a:ext uri="{FF2B5EF4-FFF2-40B4-BE49-F238E27FC236}">
+                <a16:creationId xmlns:a16="http://schemas.microsoft.com/office/drawing/2014/main" id="{08F3F9B2-AEFB-A58D-8F03-E564C873C515}"/>
+              </a:ext>
+            </a:extLst>
+          </p:cNvPr>
+          <p:cNvPicPr>
+            <a:picLocks noChangeAspect="1"/>
+          </p:cNvPicPr>
+          <p:nvPr/>
+        </p:nvPicPr>
+        <p:blipFill>
+          <a:blip r:embed="rId3"/>
+          <a:stretch>
+            <a:fillRect/>
+          </a:stretch>
+        </p:blipFill>
+        <p:spPr>
+          <a:xfrm>
+            <a:off x="5901003" y="948477"/>
+            <a:ext cx="5779152" cy="4280068"/>
+          </a:xfrm>
+          <a:prstGeom prst="rect">
+            <a:avLst/>
+          </a:prstGeom>
+        </p:spPr>
+      </p:pic>
+      <p:sp>
+        <p:nvSpPr>
+          <p:cNvPr id="10" name="Content Placeholder 2">
+            <a:extLst>
+              <a:ext uri="{FF2B5EF4-FFF2-40B4-BE49-F238E27FC236}">
+                <a16:creationId xmlns:a16="http://schemas.microsoft.com/office/drawing/2014/main" id="{F57260FE-CB46-08FC-D98A-8CC13E923BEB}"/>
+              </a:ext>
+            </a:extLst>
+          </p:cNvPr>
+          <p:cNvSpPr txBox="1">
+            <a:spLocks/>
+          </p:cNvSpPr>
+          <p:nvPr/>
+        </p:nvSpPr>
+        <p:spPr>
+          <a:xfrm>
+            <a:off x="5804103" y="3633815"/>
+            <a:ext cx="5556952" cy="3649133"/>
+          </a:xfrm>
+          <a:prstGeom prst="rect">
+            <a:avLst/>
+          </a:prstGeom>
+        </p:spPr>
+        <p:txBody>
+          <a:bodyPr vert="horz" lIns="91440" tIns="45720" rIns="91440" bIns="45720" rtlCol="0" anchor="ctr">
+            <a:normAutofit/>
+          </a:bodyPr>
+          <a:lstStyle>
+            <a:lvl1pPr marL="285750" indent="-285750" algn="l" defTabSz="457200" rtl="0" eaLnBrk="1" latinLnBrk="0" hangingPunct="1">
+              <a:spcBef>
+                <a:spcPts val="0"/>
+              </a:spcBef>
+              <a:spcAft>
+                <a:spcPts val="1000"/>
+              </a:spcAft>
+              <a:buClr>
+                <a:schemeClr val="tx1"/>
+              </a:buClr>
+              <a:buSzPct val="100000"/>
+              <a:buFont typeface="Arial"/>
+              <a:buChar char="•"/>
+              <a:defRPr sz="1800" kern="1200" cap="none">
+                <a:solidFill>
+                  <a:schemeClr val="tx1"/>
+                </a:solidFill>
+                <a:effectLst/>
+                <a:latin typeface="+mn-lt"/>
+                <a:ea typeface="+mn-ea"/>
+                <a:cs typeface="+mn-cs"/>
+              </a:defRPr>
+            </a:lvl1pPr>
+            <a:lvl2pPr marL="742950" indent="-285750" algn="l" defTabSz="457200" rtl="0" eaLnBrk="1" latinLnBrk="0" hangingPunct="1">
+              <a:spcBef>
+                <a:spcPts val="0"/>
+              </a:spcBef>
+              <a:spcAft>
+                <a:spcPts val="1000"/>
+              </a:spcAft>
+              <a:buClr>
+                <a:schemeClr val="tx1"/>
+              </a:buClr>
+              <a:buSzPct val="100000"/>
+              <a:buFont typeface="Arial"/>
+              <a:buChar char="•"/>
+              <a:defRPr sz="1600" kern="1200" cap="none">
+                <a:solidFill>
+                  <a:schemeClr val="tx1"/>
+                </a:solidFill>
+                <a:effectLst/>
+                <a:latin typeface="+mn-lt"/>
+                <a:ea typeface="+mn-ea"/>
+                <a:cs typeface="+mn-cs"/>
+              </a:defRPr>
+            </a:lvl2pPr>
+            <a:lvl3pPr marL="1200150" indent="-285750" algn="l" defTabSz="457200" rtl="0" eaLnBrk="1" latinLnBrk="0" hangingPunct="1">
+              <a:spcBef>
+                <a:spcPts val="0"/>
+              </a:spcBef>
+              <a:spcAft>
+                <a:spcPts val="1000"/>
+              </a:spcAft>
+              <a:buClr>
+                <a:schemeClr val="tx1"/>
+              </a:buClr>
+              <a:buSzPct val="100000"/>
+              <a:buFont typeface="Arial"/>
+              <a:buChar char="•"/>
+              <a:defRPr sz="1400" kern="1200" cap="none">
+                <a:solidFill>
+                  <a:schemeClr val="tx1"/>
+                </a:solidFill>
+                <a:effectLst/>
+                <a:latin typeface="+mn-lt"/>
+                <a:ea typeface="+mn-ea"/>
+                <a:cs typeface="+mn-cs"/>
+              </a:defRPr>
+            </a:lvl3pPr>
+            <a:lvl4pPr marL="1543050" indent="-171450" algn="l" defTabSz="457200" rtl="0" eaLnBrk="1" latinLnBrk="0" hangingPunct="1">
+              <a:spcBef>
+                <a:spcPts val="0"/>
+              </a:spcBef>
+              <a:spcAft>
+                <a:spcPts val="1000"/>
+              </a:spcAft>
+              <a:buClr>
+                <a:schemeClr val="tx1"/>
+              </a:buClr>
+              <a:buSzPct val="100000"/>
+              <a:buFont typeface="Arial"/>
+              <a:buChar char="•"/>
+              <a:defRPr sz="1200" kern="1200" cap="none">
+                <a:solidFill>
+                  <a:schemeClr val="tx1"/>
+                </a:solidFill>
+                <a:effectLst/>
+                <a:latin typeface="+mn-lt"/>
+                <a:ea typeface="+mn-ea"/>
+                <a:cs typeface="+mn-cs"/>
+              </a:defRPr>
+            </a:lvl4pPr>
+            <a:lvl5pPr marL="2000250" indent="-171450" algn="l" defTabSz="457200" rtl="0" eaLnBrk="1" latinLnBrk="0" hangingPunct="1">
+              <a:spcBef>
+                <a:spcPts val="0"/>
+              </a:spcBef>
+              <a:spcAft>
+                <a:spcPts val="1000"/>
+              </a:spcAft>
+              <a:buClr>
+                <a:schemeClr val="tx1"/>
+              </a:buClr>
+              <a:buSzPct val="100000"/>
+              <a:buFont typeface="Arial"/>
+              <a:buChar char="•"/>
+              <a:defRPr sz="1200" kern="1200" cap="none">
+                <a:solidFill>
+                  <a:schemeClr val="tx1"/>
+                </a:solidFill>
+                <a:effectLst/>
+                <a:latin typeface="+mn-lt"/>
+                <a:ea typeface="+mn-ea"/>
+                <a:cs typeface="+mn-cs"/>
+              </a:defRPr>
+            </a:lvl5pPr>
+            <a:lvl6pPr marL="2514600" indent="-228600" algn="l" defTabSz="457200" rtl="0" eaLnBrk="1" latinLnBrk="0" hangingPunct="1">
+              <a:spcBef>
+                <a:spcPts val="0"/>
+              </a:spcBef>
+              <a:spcAft>
+                <a:spcPts val="1000"/>
+              </a:spcAft>
+              <a:buClr>
+                <a:schemeClr val="tx1"/>
+              </a:buClr>
+              <a:buSzPct val="100000"/>
+              <a:buFont typeface="Arial"/>
+              <a:buChar char="•"/>
+              <a:defRPr sz="1200" kern="1200" cap="none">
+                <a:solidFill>
+                  <a:schemeClr val="tx1"/>
+                </a:solidFill>
+                <a:effectLst/>
+                <a:latin typeface="+mn-lt"/>
+                <a:ea typeface="+mn-ea"/>
+                <a:cs typeface="+mn-cs"/>
+              </a:defRPr>
+            </a:lvl6pPr>
+            <a:lvl7pPr marL="2971800" indent="-228600" algn="l" defTabSz="457200" rtl="0" eaLnBrk="1" latinLnBrk="0" hangingPunct="1">
+              <a:spcBef>
+                <a:spcPts val="0"/>
+              </a:spcBef>
+              <a:spcAft>
+                <a:spcPts val="1000"/>
+              </a:spcAft>
+              <a:buClr>
+                <a:schemeClr val="tx1"/>
+              </a:buClr>
+              <a:buSzPct val="100000"/>
+              <a:buFont typeface="Arial"/>
+              <a:buChar char="•"/>
+              <a:defRPr sz="1200" kern="1200" cap="none">
+                <a:solidFill>
+                  <a:schemeClr val="tx1"/>
+                </a:solidFill>
+                <a:effectLst/>
+                <a:latin typeface="+mn-lt"/>
+                <a:ea typeface="+mn-ea"/>
+                <a:cs typeface="+mn-cs"/>
+              </a:defRPr>
+            </a:lvl7pPr>
+            <a:lvl8pPr marL="3429000" indent="-228600" algn="l" defTabSz="457200" rtl="0" eaLnBrk="1" latinLnBrk="0" hangingPunct="1">
+              <a:spcBef>
+                <a:spcPts val="0"/>
+              </a:spcBef>
+              <a:spcAft>
+                <a:spcPts val="1000"/>
+              </a:spcAft>
+              <a:buClr>
+                <a:schemeClr val="tx1"/>
+              </a:buClr>
+              <a:buSzPct val="100000"/>
+              <a:buFont typeface="Arial"/>
+              <a:buChar char="•"/>
+              <a:defRPr sz="1200" kern="1200" cap="none">
+                <a:solidFill>
+                  <a:schemeClr val="tx1"/>
+                </a:solidFill>
+                <a:effectLst/>
+                <a:latin typeface="+mn-lt"/>
+                <a:ea typeface="+mn-ea"/>
+                <a:cs typeface="+mn-cs"/>
+              </a:defRPr>
+            </a:lvl8pPr>
+            <a:lvl9pPr marL="3886200" indent="-228600" algn="l" defTabSz="457200" rtl="0" eaLnBrk="1" latinLnBrk="0" hangingPunct="1">
+              <a:spcBef>
+                <a:spcPts val="0"/>
+              </a:spcBef>
+              <a:spcAft>
+                <a:spcPts val="1000"/>
+              </a:spcAft>
+              <a:buClr>
+                <a:schemeClr val="tx1"/>
+              </a:buClr>
+              <a:buSzPct val="100000"/>
+              <a:buFont typeface="Arial"/>
+              <a:buChar char="•"/>
+              <a:defRPr sz="1200" kern="1200" cap="none">
+                <a:solidFill>
+                  <a:schemeClr val="tx1"/>
+                </a:solidFill>
+                <a:effectLst/>
+                <a:latin typeface="+mn-lt"/>
+                <a:ea typeface="+mn-ea"/>
+                <a:cs typeface="+mn-cs"/>
+              </a:defRPr>
+            </a:lvl9pPr>
+          </a:lstStyle>
+          <a:p>
+            <a:pPr marL="0" indent="0">
+              <a:buFont typeface="Arial"/>
+              <a:buNone/>
+            </a:pPr>
+            <a:r>
+              <a:rPr lang="en-GB" dirty="0"/>
+              <a:t>Image Credit: Mandhai et al., 2022</a:t>
+            </a:r>
           </a:p>
         </p:txBody>
       </p:sp>
     </p:spTree>
     <p:extLst>
       <p:ext uri="{BB962C8B-B14F-4D97-AF65-F5344CB8AC3E}">
-        <p14:creationId xmlns:p14="http://schemas.microsoft.com/office/powerpoint/2010/main" val="1304117980"/>
+        <p14:creationId xmlns:p14="http://schemas.microsoft.com/office/powerpoint/2010/main" val="1235326918"/>
       </p:ext>
     </p:extLst>
   </p:cSld>
@@ -15342,6 +16114,15 @@
 <file path=ppt/slides/slide18.xml><?xml version="1.0" encoding="utf-8"?>
 <p:sld xmlns:a="http://schemas.openxmlformats.org/drawingml/2006/main" xmlns:r="http://schemas.openxmlformats.org/officeDocument/2006/relationships" xmlns:p="http://schemas.openxmlformats.org/presentationml/2006/main">
   <p:cSld>
+    <p:bg>
+      <p:bgPr>
+        <a:blipFill>
+          <a:blip r:embed="rId2"/>
+          <a:stretch/>
+        </a:blipFill>
+        <a:effectLst/>
+      </p:bgPr>
+    </p:bg>
     <p:spTree>
       <p:nvGrpSpPr>
         <p:cNvPr id="1" name=""/>
@@ -15361,7 +16142,7 @@
           <p:cNvPr id="2" name="Title 1">
             <a:extLst>
               <a:ext uri="{FF2B5EF4-FFF2-40B4-BE49-F238E27FC236}">
-                <a16:creationId xmlns:a16="http://schemas.microsoft.com/office/drawing/2014/main" id="{20F9F036-D279-3430-ABDE-FA5F550B5F5E}"/>
+                <a16:creationId xmlns:a16="http://schemas.microsoft.com/office/drawing/2014/main" id="{AD86864A-EA94-140E-F9BF-98164A4C42DA}"/>
               </a:ext>
             </a:extLst>
           </p:cNvPr>
@@ -15372,14 +16153,21 @@
             <p:ph type="title"/>
           </p:nvPr>
         </p:nvSpPr>
-        <p:spPr/>
-        <p:txBody>
-          <a:bodyPr/>
+        <p:spPr>
+          <a:xfrm>
+            <a:off x="825909" y="808055"/>
+            <a:ext cx="3979205" cy="1453363"/>
+          </a:xfrm>
+        </p:spPr>
+        <p:txBody>
+          <a:bodyPr>
+            <a:normAutofit/>
+          </a:bodyPr>
           <a:lstStyle/>
           <a:p>
             <a:r>
               <a:rPr lang="en-GB" dirty="0"/>
-              <a:t>PILLOW</a:t>
+              <a:t>Seaborn</a:t>
             </a:r>
           </a:p>
         </p:txBody>
@@ -15389,7 +16177,7 @@
           <p:cNvPr id="3" name="Content Placeholder 2">
             <a:extLst>
               <a:ext uri="{FF2B5EF4-FFF2-40B4-BE49-F238E27FC236}">
-                <a16:creationId xmlns:a16="http://schemas.microsoft.com/office/drawing/2014/main" id="{EFEA917E-40F3-A270-E2AD-C267D95A5E2B}"/>
+                <a16:creationId xmlns:a16="http://schemas.microsoft.com/office/drawing/2014/main" id="{82C2BC06-6B74-2B55-6E9A-12C4E761E7AE}"/>
               </a:ext>
             </a:extLst>
           </p:cNvPr>
@@ -15400,19 +16188,366 @@
             <p:ph idx="1"/>
           </p:nvPr>
         </p:nvSpPr>
-        <p:spPr/>
-        <p:txBody>
-          <a:bodyPr/>
+        <p:spPr>
+          <a:xfrm>
+            <a:off x="825909" y="1273338"/>
+            <a:ext cx="4684222" cy="3637935"/>
+          </a:xfrm>
+        </p:spPr>
+        <p:txBody>
+          <a:bodyPr>
+            <a:normAutofit/>
+          </a:bodyPr>
           <a:lstStyle/>
           <a:p>
-            <a:endParaRPr lang="en-GB"/>
+            <a:r>
+              <a:rPr lang="en-GB" dirty="0"/>
+              <a:t>Site: </a:t>
+            </a:r>
+            <a:r>
+              <a:rPr lang="en-GB" dirty="0">
+                <a:hlinkClick r:id="rId3"/>
+              </a:rPr>
+              <a:t>https://seaborn.pydata.org/</a:t>
+            </a:r>
+            <a:endParaRPr lang="en-GB" dirty="0"/>
+          </a:p>
+          <a:p>
+            <a:r>
+              <a:rPr lang="en-GB" dirty="0"/>
+              <a:t>Based on Matplotlib</a:t>
+            </a:r>
+          </a:p>
+          <a:p>
+            <a:r>
+              <a:rPr lang="en-GB" dirty="0"/>
+              <a:t>Can load datasets</a:t>
+            </a:r>
+          </a:p>
+          <a:p>
+            <a:r>
+              <a:rPr lang="en-GB" dirty="0"/>
+              <a:t>Convenient for producing statistical graphs</a:t>
+            </a:r>
+          </a:p>
+          <a:p>
+            <a:r>
+              <a:rPr lang="en-GB" dirty="0"/>
+              <a:t>Functions ready to use for creating common types of graphs</a:t>
+            </a:r>
+          </a:p>
+        </p:txBody>
+      </p:sp>
+      <p:pic>
+        <p:nvPicPr>
+          <p:cNvPr id="5" name="Picture 4">
+            <a:extLst>
+              <a:ext uri="{FF2B5EF4-FFF2-40B4-BE49-F238E27FC236}">
+                <a16:creationId xmlns:a16="http://schemas.microsoft.com/office/drawing/2014/main" id="{DF755449-66AB-7035-0FFF-CE3E018D7F92}"/>
+              </a:ext>
+            </a:extLst>
+          </p:cNvPr>
+          <p:cNvPicPr>
+            <a:picLocks noChangeAspect="1"/>
+          </p:cNvPicPr>
+          <p:nvPr/>
+        </p:nvPicPr>
+        <p:blipFill>
+          <a:blip r:embed="rId4"/>
+          <a:stretch>
+            <a:fillRect/>
+          </a:stretch>
+        </p:blipFill>
+        <p:spPr>
+          <a:xfrm>
+            <a:off x="5817946" y="996946"/>
+            <a:ext cx="6095593" cy="4190720"/>
+          </a:xfrm>
+          <a:prstGeom prst="roundRect">
+            <a:avLst>
+              <a:gd name="adj" fmla="val 4380"/>
+            </a:avLst>
+          </a:prstGeom>
+          <a:ln w="50800" cap="sq" cmpd="dbl">
+            <a:gradFill flip="none" rotWithShape="1">
+              <a:gsLst>
+                <a:gs pos="0">
+                  <a:srgbClr val="FFFFFF"/>
+                </a:gs>
+                <a:gs pos="100000">
+                  <a:schemeClr val="tx1">
+                    <a:alpha val="0"/>
+                  </a:schemeClr>
+                </a:gs>
+              </a:gsLst>
+              <a:path path="circle">
+                <a:fillToRect l="50000" t="50000" r="50000" b="50000"/>
+              </a:path>
+              <a:tileRect/>
+            </a:gradFill>
+            <a:miter lim="800000"/>
+          </a:ln>
+          <a:effectLst>
+            <a:outerShdw blurRad="254000" algn="tl" rotWithShape="0">
+              <a:srgbClr val="000000">
+                <a:alpha val="43000"/>
+              </a:srgbClr>
+            </a:outerShdw>
+          </a:effectLst>
+        </p:spPr>
+      </p:pic>
+      <p:sp>
+        <p:nvSpPr>
+          <p:cNvPr id="6" name="Content Placeholder 2">
+            <a:extLst>
+              <a:ext uri="{FF2B5EF4-FFF2-40B4-BE49-F238E27FC236}">
+                <a16:creationId xmlns:a16="http://schemas.microsoft.com/office/drawing/2014/main" id="{585BD9AD-8B60-41E5-B189-FC7C0073D10F}"/>
+              </a:ext>
+            </a:extLst>
+          </p:cNvPr>
+          <p:cNvSpPr txBox="1">
+            <a:spLocks/>
+          </p:cNvSpPr>
+          <p:nvPr/>
+        </p:nvSpPr>
+        <p:spPr>
+          <a:xfrm>
+            <a:off x="5817946" y="3667152"/>
+            <a:ext cx="5556952" cy="3649133"/>
+          </a:xfrm>
+          <a:prstGeom prst="rect">
+            <a:avLst/>
+          </a:prstGeom>
+        </p:spPr>
+        <p:txBody>
+          <a:bodyPr vert="horz" lIns="91440" tIns="45720" rIns="91440" bIns="45720" rtlCol="0" anchor="ctr">
+            <a:normAutofit/>
+          </a:bodyPr>
+          <a:lstStyle>
+            <a:lvl1pPr marL="285750" indent="-285750" algn="l" defTabSz="457200" rtl="0" eaLnBrk="1" latinLnBrk="0" hangingPunct="1">
+              <a:spcBef>
+                <a:spcPts val="0"/>
+              </a:spcBef>
+              <a:spcAft>
+                <a:spcPts val="1000"/>
+              </a:spcAft>
+              <a:buClr>
+                <a:schemeClr val="tx1"/>
+              </a:buClr>
+              <a:buSzPct val="100000"/>
+              <a:buFont typeface="Arial"/>
+              <a:buChar char="•"/>
+              <a:defRPr sz="1800" kern="1200" cap="none">
+                <a:solidFill>
+                  <a:schemeClr val="tx1"/>
+                </a:solidFill>
+                <a:effectLst/>
+                <a:latin typeface="+mn-lt"/>
+                <a:ea typeface="+mn-ea"/>
+                <a:cs typeface="+mn-cs"/>
+              </a:defRPr>
+            </a:lvl1pPr>
+            <a:lvl2pPr marL="742950" indent="-285750" algn="l" defTabSz="457200" rtl="0" eaLnBrk="1" latinLnBrk="0" hangingPunct="1">
+              <a:spcBef>
+                <a:spcPts val="0"/>
+              </a:spcBef>
+              <a:spcAft>
+                <a:spcPts val="1000"/>
+              </a:spcAft>
+              <a:buClr>
+                <a:schemeClr val="tx1"/>
+              </a:buClr>
+              <a:buSzPct val="100000"/>
+              <a:buFont typeface="Arial"/>
+              <a:buChar char="•"/>
+              <a:defRPr sz="1600" kern="1200" cap="none">
+                <a:solidFill>
+                  <a:schemeClr val="tx1"/>
+                </a:solidFill>
+                <a:effectLst/>
+                <a:latin typeface="+mn-lt"/>
+                <a:ea typeface="+mn-ea"/>
+                <a:cs typeface="+mn-cs"/>
+              </a:defRPr>
+            </a:lvl2pPr>
+            <a:lvl3pPr marL="1200150" indent="-285750" algn="l" defTabSz="457200" rtl="0" eaLnBrk="1" latinLnBrk="0" hangingPunct="1">
+              <a:spcBef>
+                <a:spcPts val="0"/>
+              </a:spcBef>
+              <a:spcAft>
+                <a:spcPts val="1000"/>
+              </a:spcAft>
+              <a:buClr>
+                <a:schemeClr val="tx1"/>
+              </a:buClr>
+              <a:buSzPct val="100000"/>
+              <a:buFont typeface="Arial"/>
+              <a:buChar char="•"/>
+              <a:defRPr sz="1400" kern="1200" cap="none">
+                <a:solidFill>
+                  <a:schemeClr val="tx1"/>
+                </a:solidFill>
+                <a:effectLst/>
+                <a:latin typeface="+mn-lt"/>
+                <a:ea typeface="+mn-ea"/>
+                <a:cs typeface="+mn-cs"/>
+              </a:defRPr>
+            </a:lvl3pPr>
+            <a:lvl4pPr marL="1543050" indent="-171450" algn="l" defTabSz="457200" rtl="0" eaLnBrk="1" latinLnBrk="0" hangingPunct="1">
+              <a:spcBef>
+                <a:spcPts val="0"/>
+              </a:spcBef>
+              <a:spcAft>
+                <a:spcPts val="1000"/>
+              </a:spcAft>
+              <a:buClr>
+                <a:schemeClr val="tx1"/>
+              </a:buClr>
+              <a:buSzPct val="100000"/>
+              <a:buFont typeface="Arial"/>
+              <a:buChar char="•"/>
+              <a:defRPr sz="1200" kern="1200" cap="none">
+                <a:solidFill>
+                  <a:schemeClr val="tx1"/>
+                </a:solidFill>
+                <a:effectLst/>
+                <a:latin typeface="+mn-lt"/>
+                <a:ea typeface="+mn-ea"/>
+                <a:cs typeface="+mn-cs"/>
+              </a:defRPr>
+            </a:lvl4pPr>
+            <a:lvl5pPr marL="2000250" indent="-171450" algn="l" defTabSz="457200" rtl="0" eaLnBrk="1" latinLnBrk="0" hangingPunct="1">
+              <a:spcBef>
+                <a:spcPts val="0"/>
+              </a:spcBef>
+              <a:spcAft>
+                <a:spcPts val="1000"/>
+              </a:spcAft>
+              <a:buClr>
+                <a:schemeClr val="tx1"/>
+              </a:buClr>
+              <a:buSzPct val="100000"/>
+              <a:buFont typeface="Arial"/>
+              <a:buChar char="•"/>
+              <a:defRPr sz="1200" kern="1200" cap="none">
+                <a:solidFill>
+                  <a:schemeClr val="tx1"/>
+                </a:solidFill>
+                <a:effectLst/>
+                <a:latin typeface="+mn-lt"/>
+                <a:ea typeface="+mn-ea"/>
+                <a:cs typeface="+mn-cs"/>
+              </a:defRPr>
+            </a:lvl5pPr>
+            <a:lvl6pPr marL="2514600" indent="-228600" algn="l" defTabSz="457200" rtl="0" eaLnBrk="1" latinLnBrk="0" hangingPunct="1">
+              <a:spcBef>
+                <a:spcPts val="0"/>
+              </a:spcBef>
+              <a:spcAft>
+                <a:spcPts val="1000"/>
+              </a:spcAft>
+              <a:buClr>
+                <a:schemeClr val="tx1"/>
+              </a:buClr>
+              <a:buSzPct val="100000"/>
+              <a:buFont typeface="Arial"/>
+              <a:buChar char="•"/>
+              <a:defRPr sz="1200" kern="1200" cap="none">
+                <a:solidFill>
+                  <a:schemeClr val="tx1"/>
+                </a:solidFill>
+                <a:effectLst/>
+                <a:latin typeface="+mn-lt"/>
+                <a:ea typeface="+mn-ea"/>
+                <a:cs typeface="+mn-cs"/>
+              </a:defRPr>
+            </a:lvl6pPr>
+            <a:lvl7pPr marL="2971800" indent="-228600" algn="l" defTabSz="457200" rtl="0" eaLnBrk="1" latinLnBrk="0" hangingPunct="1">
+              <a:spcBef>
+                <a:spcPts val="0"/>
+              </a:spcBef>
+              <a:spcAft>
+                <a:spcPts val="1000"/>
+              </a:spcAft>
+              <a:buClr>
+                <a:schemeClr val="tx1"/>
+              </a:buClr>
+              <a:buSzPct val="100000"/>
+              <a:buFont typeface="Arial"/>
+              <a:buChar char="•"/>
+              <a:defRPr sz="1200" kern="1200" cap="none">
+                <a:solidFill>
+                  <a:schemeClr val="tx1"/>
+                </a:solidFill>
+                <a:effectLst/>
+                <a:latin typeface="+mn-lt"/>
+                <a:ea typeface="+mn-ea"/>
+                <a:cs typeface="+mn-cs"/>
+              </a:defRPr>
+            </a:lvl7pPr>
+            <a:lvl8pPr marL="3429000" indent="-228600" algn="l" defTabSz="457200" rtl="0" eaLnBrk="1" latinLnBrk="0" hangingPunct="1">
+              <a:spcBef>
+                <a:spcPts val="0"/>
+              </a:spcBef>
+              <a:spcAft>
+                <a:spcPts val="1000"/>
+              </a:spcAft>
+              <a:buClr>
+                <a:schemeClr val="tx1"/>
+              </a:buClr>
+              <a:buSzPct val="100000"/>
+              <a:buFont typeface="Arial"/>
+              <a:buChar char="•"/>
+              <a:defRPr sz="1200" kern="1200" cap="none">
+                <a:solidFill>
+                  <a:schemeClr val="tx1"/>
+                </a:solidFill>
+                <a:effectLst/>
+                <a:latin typeface="+mn-lt"/>
+                <a:ea typeface="+mn-ea"/>
+                <a:cs typeface="+mn-cs"/>
+              </a:defRPr>
+            </a:lvl8pPr>
+            <a:lvl9pPr marL="3886200" indent="-228600" algn="l" defTabSz="457200" rtl="0" eaLnBrk="1" latinLnBrk="0" hangingPunct="1">
+              <a:spcBef>
+                <a:spcPts val="0"/>
+              </a:spcBef>
+              <a:spcAft>
+                <a:spcPts val="1000"/>
+              </a:spcAft>
+              <a:buClr>
+                <a:schemeClr val="tx1"/>
+              </a:buClr>
+              <a:buSzPct val="100000"/>
+              <a:buFont typeface="Arial"/>
+              <a:buChar char="•"/>
+              <a:defRPr sz="1200" kern="1200" cap="none">
+                <a:solidFill>
+                  <a:schemeClr val="tx1"/>
+                </a:solidFill>
+                <a:effectLst/>
+                <a:latin typeface="+mn-lt"/>
+                <a:ea typeface="+mn-ea"/>
+                <a:cs typeface="+mn-cs"/>
+              </a:defRPr>
+            </a:lvl9pPr>
+          </a:lstStyle>
+          <a:p>
+            <a:pPr marL="0" indent="0">
+              <a:buFont typeface="Arial"/>
+              <a:buNone/>
+            </a:pPr>
+            <a:r>
+              <a:rPr lang="en-GB" dirty="0"/>
+              <a:t>Image Credit: Seaborn</a:t>
+            </a:r>
           </a:p>
         </p:txBody>
       </p:sp>
     </p:spTree>
     <p:extLst>
       <p:ext uri="{BB962C8B-B14F-4D97-AF65-F5344CB8AC3E}">
-        <p14:creationId xmlns:p14="http://schemas.microsoft.com/office/powerpoint/2010/main" val="1352214433"/>
+        <p14:creationId xmlns:p14="http://schemas.microsoft.com/office/powerpoint/2010/main" val="1304117980"/>
       </p:ext>
     </p:extLst>
   </p:cSld>
@@ -15444,7 +16579,7 @@
           <p:cNvPr id="2" name="Title 1">
             <a:extLst>
               <a:ext uri="{FF2B5EF4-FFF2-40B4-BE49-F238E27FC236}">
-                <a16:creationId xmlns:a16="http://schemas.microsoft.com/office/drawing/2014/main" id="{D5E8D8A6-2863-137A-8410-7C6E06255E55}"/>
+                <a16:creationId xmlns:a16="http://schemas.microsoft.com/office/drawing/2014/main" id="{20F9F036-D279-3430-ABDE-FA5F550B5F5E}"/>
               </a:ext>
             </a:extLst>
           </p:cNvPr>
@@ -15457,7 +16592,7 @@
         </p:nvSpPr>
         <p:spPr>
           <a:xfrm>
-            <a:off x="3474952" y="2575970"/>
+            <a:off x="600076" y="685800"/>
             <a:ext cx="10131425" cy="1456267"/>
           </a:xfrm>
         </p:spPr>
@@ -15467,15 +16602,410 @@
           <a:p>
             <a:r>
               <a:rPr lang="en-GB" dirty="0"/>
-              <a:t>Storing Data</a:t>
-            </a:r>
+              <a:t>PILLOW</a:t>
+            </a:r>
+          </a:p>
+        </p:txBody>
+      </p:sp>
+      <p:sp>
+        <p:nvSpPr>
+          <p:cNvPr id="3" name="Content Placeholder 2">
+            <a:extLst>
+              <a:ext uri="{FF2B5EF4-FFF2-40B4-BE49-F238E27FC236}">
+                <a16:creationId xmlns:a16="http://schemas.microsoft.com/office/drawing/2014/main" id="{EFEA917E-40F3-A270-E2AD-C267D95A5E2B}"/>
+              </a:ext>
+            </a:extLst>
+          </p:cNvPr>
+          <p:cNvSpPr>
+            <a:spLocks noGrp="1"/>
+          </p:cNvSpPr>
+          <p:nvPr>
+            <p:ph idx="1"/>
+          </p:nvPr>
+        </p:nvSpPr>
+        <p:spPr>
+          <a:xfrm>
+            <a:off x="685802" y="2142067"/>
+            <a:ext cx="5491162" cy="3649133"/>
+          </a:xfrm>
+        </p:spPr>
+        <p:txBody>
+          <a:bodyPr/>
+          <a:lstStyle/>
+          <a:p>
+            <a:r>
+              <a:rPr lang="en-GB" dirty="0"/>
+              <a:t>Site: </a:t>
+            </a:r>
+            <a:r>
+              <a:rPr lang="en-GB" dirty="0">
+                <a:hlinkClick r:id="rId2"/>
+              </a:rPr>
+              <a:t>https://pillow.readthedocs.io/en/stable/handbook/overview.html</a:t>
+            </a:r>
+            <a:endParaRPr lang="en-GB" dirty="0"/>
+          </a:p>
+          <a:p>
+            <a:r>
+              <a:rPr lang="en-GB" dirty="0"/>
+              <a:t>Designed for loading images</a:t>
+            </a:r>
+          </a:p>
+          <a:p>
+            <a:r>
+              <a:rPr lang="en-GB" dirty="0"/>
+              <a:t>Great for manipulating images</a:t>
+            </a:r>
+          </a:p>
+          <a:p>
+            <a:pPr lvl="1"/>
+            <a:r>
+              <a:rPr lang="en-GB" dirty="0"/>
+              <a:t>Can be used for art/preparing image data for creating training datasets</a:t>
+            </a:r>
+          </a:p>
+          <a:p>
+            <a:pPr lvl="1"/>
+            <a:r>
+              <a:rPr lang="en-GB" dirty="0"/>
+              <a:t>Can work in tandem with matplotlib</a:t>
+            </a:r>
+          </a:p>
+          <a:p>
+            <a:r>
+              <a:rPr lang="en-GB" dirty="0"/>
+              <a:t>Can load images directly from a URL</a:t>
+            </a:r>
+          </a:p>
+          <a:p>
+            <a:r>
+              <a:rPr lang="en-GB" dirty="0"/>
+              <a:t>Using pillow – you can create LUTs and image filters </a:t>
+            </a:r>
+          </a:p>
+        </p:txBody>
+      </p:sp>
+      <p:pic>
+        <p:nvPicPr>
+          <p:cNvPr id="5122" name="Picture 2" descr="Image processing in Python using Pillow - LogRocket Blog">
+            <a:extLst>
+              <a:ext uri="{FF2B5EF4-FFF2-40B4-BE49-F238E27FC236}">
+                <a16:creationId xmlns:a16="http://schemas.microsoft.com/office/drawing/2014/main" id="{9E84B80E-1064-8097-F52F-BCAE73B8C5B2}"/>
+              </a:ext>
+            </a:extLst>
+          </p:cNvPr>
+          <p:cNvPicPr>
+            <a:picLocks noChangeAspect="1" noChangeArrowheads="1"/>
+          </p:cNvPicPr>
+          <p:nvPr/>
+        </p:nvPicPr>
+        <p:blipFill>
+          <a:blip r:embed="rId3">
+            <a:extLst>
+              <a:ext uri="{28A0092B-C50C-407E-A947-70E740481C1C}">
+                <a14:useLocalDpi xmlns:a14="http://schemas.microsoft.com/office/drawing/2010/main" val="0"/>
+              </a:ext>
+            </a:extLst>
+          </a:blip>
+          <a:srcRect/>
+          <a:stretch>
+            <a:fillRect/>
+          </a:stretch>
+        </p:blipFill>
+        <p:spPr bwMode="auto">
+          <a:xfrm>
+            <a:off x="6831215" y="1613150"/>
+            <a:ext cx="4946059" cy="2782158"/>
+          </a:xfrm>
+          <a:prstGeom prst="rect">
+            <a:avLst/>
+          </a:prstGeom>
+          <a:noFill/>
+          <a:extLst>
+            <a:ext uri="{909E8E84-426E-40DD-AFC4-6F175D3DCCD1}">
+              <a14:hiddenFill xmlns:a14="http://schemas.microsoft.com/office/drawing/2010/main">
+                <a:solidFill>
+                  <a:srgbClr val="FFFFFF"/>
+                </a:solidFill>
+              </a14:hiddenFill>
+            </a:ext>
+          </a:extLst>
+        </p:spPr>
+      </p:pic>
+      <p:sp>
+        <p:nvSpPr>
+          <p:cNvPr id="4" name="Content Placeholder 2">
+            <a:extLst>
+              <a:ext uri="{FF2B5EF4-FFF2-40B4-BE49-F238E27FC236}">
+                <a16:creationId xmlns:a16="http://schemas.microsoft.com/office/drawing/2014/main" id="{47F171BC-98CF-96CF-E0BB-723CFB23A12C}"/>
+              </a:ext>
+            </a:extLst>
+          </p:cNvPr>
+          <p:cNvSpPr txBox="1">
+            <a:spLocks/>
+          </p:cNvSpPr>
+          <p:nvPr/>
+        </p:nvSpPr>
+        <p:spPr>
+          <a:xfrm>
+            <a:off x="6831215" y="3208867"/>
+            <a:ext cx="4674983" cy="3649133"/>
+          </a:xfrm>
+          <a:prstGeom prst="rect">
+            <a:avLst/>
+          </a:prstGeom>
+        </p:spPr>
+        <p:txBody>
+          <a:bodyPr vert="horz" lIns="91440" tIns="45720" rIns="91440" bIns="45720" rtlCol="0" anchor="ctr">
+            <a:normAutofit/>
+          </a:bodyPr>
+          <a:lstStyle>
+            <a:lvl1pPr marL="285750" indent="-285750" algn="l" defTabSz="457200" rtl="0" eaLnBrk="1" latinLnBrk="0" hangingPunct="1">
+              <a:spcBef>
+                <a:spcPts val="0"/>
+              </a:spcBef>
+              <a:spcAft>
+                <a:spcPts val="1000"/>
+              </a:spcAft>
+              <a:buClr>
+                <a:schemeClr val="tx1"/>
+              </a:buClr>
+              <a:buSzPct val="100000"/>
+              <a:buFont typeface="Arial"/>
+              <a:buChar char="•"/>
+              <a:defRPr sz="1800" kern="1200" cap="none">
+                <a:solidFill>
+                  <a:schemeClr val="tx1"/>
+                </a:solidFill>
+                <a:effectLst/>
+                <a:latin typeface="+mn-lt"/>
+                <a:ea typeface="+mn-ea"/>
+                <a:cs typeface="+mn-cs"/>
+              </a:defRPr>
+            </a:lvl1pPr>
+            <a:lvl2pPr marL="742950" indent="-285750" algn="l" defTabSz="457200" rtl="0" eaLnBrk="1" latinLnBrk="0" hangingPunct="1">
+              <a:spcBef>
+                <a:spcPts val="0"/>
+              </a:spcBef>
+              <a:spcAft>
+                <a:spcPts val="1000"/>
+              </a:spcAft>
+              <a:buClr>
+                <a:schemeClr val="tx1"/>
+              </a:buClr>
+              <a:buSzPct val="100000"/>
+              <a:buFont typeface="Arial"/>
+              <a:buChar char="•"/>
+              <a:defRPr sz="1600" kern="1200" cap="none">
+                <a:solidFill>
+                  <a:schemeClr val="tx1"/>
+                </a:solidFill>
+                <a:effectLst/>
+                <a:latin typeface="+mn-lt"/>
+                <a:ea typeface="+mn-ea"/>
+                <a:cs typeface="+mn-cs"/>
+              </a:defRPr>
+            </a:lvl2pPr>
+            <a:lvl3pPr marL="1200150" indent="-285750" algn="l" defTabSz="457200" rtl="0" eaLnBrk="1" latinLnBrk="0" hangingPunct="1">
+              <a:spcBef>
+                <a:spcPts val="0"/>
+              </a:spcBef>
+              <a:spcAft>
+                <a:spcPts val="1000"/>
+              </a:spcAft>
+              <a:buClr>
+                <a:schemeClr val="tx1"/>
+              </a:buClr>
+              <a:buSzPct val="100000"/>
+              <a:buFont typeface="Arial"/>
+              <a:buChar char="•"/>
+              <a:defRPr sz="1400" kern="1200" cap="none">
+                <a:solidFill>
+                  <a:schemeClr val="tx1"/>
+                </a:solidFill>
+                <a:effectLst/>
+                <a:latin typeface="+mn-lt"/>
+                <a:ea typeface="+mn-ea"/>
+                <a:cs typeface="+mn-cs"/>
+              </a:defRPr>
+            </a:lvl3pPr>
+            <a:lvl4pPr marL="1543050" indent="-171450" algn="l" defTabSz="457200" rtl="0" eaLnBrk="1" latinLnBrk="0" hangingPunct="1">
+              <a:spcBef>
+                <a:spcPts val="0"/>
+              </a:spcBef>
+              <a:spcAft>
+                <a:spcPts val="1000"/>
+              </a:spcAft>
+              <a:buClr>
+                <a:schemeClr val="tx1"/>
+              </a:buClr>
+              <a:buSzPct val="100000"/>
+              <a:buFont typeface="Arial"/>
+              <a:buChar char="•"/>
+              <a:defRPr sz="1200" kern="1200" cap="none">
+                <a:solidFill>
+                  <a:schemeClr val="tx1"/>
+                </a:solidFill>
+                <a:effectLst/>
+                <a:latin typeface="+mn-lt"/>
+                <a:ea typeface="+mn-ea"/>
+                <a:cs typeface="+mn-cs"/>
+              </a:defRPr>
+            </a:lvl4pPr>
+            <a:lvl5pPr marL="2000250" indent="-171450" algn="l" defTabSz="457200" rtl="0" eaLnBrk="1" latinLnBrk="0" hangingPunct="1">
+              <a:spcBef>
+                <a:spcPts val="0"/>
+              </a:spcBef>
+              <a:spcAft>
+                <a:spcPts val="1000"/>
+              </a:spcAft>
+              <a:buClr>
+                <a:schemeClr val="tx1"/>
+              </a:buClr>
+              <a:buSzPct val="100000"/>
+              <a:buFont typeface="Arial"/>
+              <a:buChar char="•"/>
+              <a:defRPr sz="1200" kern="1200" cap="none">
+                <a:solidFill>
+                  <a:schemeClr val="tx1"/>
+                </a:solidFill>
+                <a:effectLst/>
+                <a:latin typeface="+mn-lt"/>
+                <a:ea typeface="+mn-ea"/>
+                <a:cs typeface="+mn-cs"/>
+              </a:defRPr>
+            </a:lvl5pPr>
+            <a:lvl6pPr marL="2514600" indent="-228600" algn="l" defTabSz="457200" rtl="0" eaLnBrk="1" latinLnBrk="0" hangingPunct="1">
+              <a:spcBef>
+                <a:spcPts val="0"/>
+              </a:spcBef>
+              <a:spcAft>
+                <a:spcPts val="1000"/>
+              </a:spcAft>
+              <a:buClr>
+                <a:schemeClr val="tx1"/>
+              </a:buClr>
+              <a:buSzPct val="100000"/>
+              <a:buFont typeface="Arial"/>
+              <a:buChar char="•"/>
+              <a:defRPr sz="1200" kern="1200" cap="none">
+                <a:solidFill>
+                  <a:schemeClr val="tx1"/>
+                </a:solidFill>
+                <a:effectLst/>
+                <a:latin typeface="+mn-lt"/>
+                <a:ea typeface="+mn-ea"/>
+                <a:cs typeface="+mn-cs"/>
+              </a:defRPr>
+            </a:lvl6pPr>
+            <a:lvl7pPr marL="2971800" indent="-228600" algn="l" defTabSz="457200" rtl="0" eaLnBrk="1" latinLnBrk="0" hangingPunct="1">
+              <a:spcBef>
+                <a:spcPts val="0"/>
+              </a:spcBef>
+              <a:spcAft>
+                <a:spcPts val="1000"/>
+              </a:spcAft>
+              <a:buClr>
+                <a:schemeClr val="tx1"/>
+              </a:buClr>
+              <a:buSzPct val="100000"/>
+              <a:buFont typeface="Arial"/>
+              <a:buChar char="•"/>
+              <a:defRPr sz="1200" kern="1200" cap="none">
+                <a:solidFill>
+                  <a:schemeClr val="tx1"/>
+                </a:solidFill>
+                <a:effectLst/>
+                <a:latin typeface="+mn-lt"/>
+                <a:ea typeface="+mn-ea"/>
+                <a:cs typeface="+mn-cs"/>
+              </a:defRPr>
+            </a:lvl7pPr>
+            <a:lvl8pPr marL="3429000" indent="-228600" algn="l" defTabSz="457200" rtl="0" eaLnBrk="1" latinLnBrk="0" hangingPunct="1">
+              <a:spcBef>
+                <a:spcPts val="0"/>
+              </a:spcBef>
+              <a:spcAft>
+                <a:spcPts val="1000"/>
+              </a:spcAft>
+              <a:buClr>
+                <a:schemeClr val="tx1"/>
+              </a:buClr>
+              <a:buSzPct val="100000"/>
+              <a:buFont typeface="Arial"/>
+              <a:buChar char="•"/>
+              <a:defRPr sz="1200" kern="1200" cap="none">
+                <a:solidFill>
+                  <a:schemeClr val="tx1"/>
+                </a:solidFill>
+                <a:effectLst/>
+                <a:latin typeface="+mn-lt"/>
+                <a:ea typeface="+mn-ea"/>
+                <a:cs typeface="+mn-cs"/>
+              </a:defRPr>
+            </a:lvl8pPr>
+            <a:lvl9pPr marL="3886200" indent="-228600" algn="l" defTabSz="457200" rtl="0" eaLnBrk="1" latinLnBrk="0" hangingPunct="1">
+              <a:spcBef>
+                <a:spcPts val="0"/>
+              </a:spcBef>
+              <a:spcAft>
+                <a:spcPts val="1000"/>
+              </a:spcAft>
+              <a:buClr>
+                <a:schemeClr val="tx1"/>
+              </a:buClr>
+              <a:buSzPct val="100000"/>
+              <a:buFont typeface="Arial"/>
+              <a:buChar char="•"/>
+              <a:defRPr sz="1200" kern="1200" cap="none">
+                <a:solidFill>
+                  <a:schemeClr val="tx1"/>
+                </a:solidFill>
+                <a:effectLst/>
+                <a:latin typeface="+mn-lt"/>
+                <a:ea typeface="+mn-ea"/>
+                <a:cs typeface="+mn-cs"/>
+              </a:defRPr>
+            </a:lvl9pPr>
+          </a:lstStyle>
+          <a:p>
+            <a:pPr marL="0" indent="0">
+              <a:buFont typeface="Arial"/>
+              <a:buNone/>
+            </a:pPr>
+            <a:r>
+              <a:rPr lang="en-GB" dirty="0"/>
+              <a:t>Image Credit: </a:t>
+            </a:r>
+            <a:r>
+              <a:rPr lang="en-GB" dirty="0" err="1"/>
+              <a:t>LogRocket</a:t>
+            </a:r>
+            <a:r>
+              <a:rPr lang="en-GB" dirty="0"/>
+              <a:t> Blog - </a:t>
+            </a:r>
+            <a:r>
+              <a:rPr lang="en-GB" dirty="0">
+                <a:hlinkClick r:id="rId4"/>
+              </a:rPr>
+              <a:t>https://blog.logrocket.com/image-processing-in-python-using-pillow/</a:t>
+            </a:r>
+            <a:endParaRPr lang="en-GB" dirty="0"/>
+          </a:p>
+          <a:p>
+            <a:pPr marL="0" indent="0">
+              <a:buFont typeface="Arial"/>
+              <a:buNone/>
+            </a:pPr>
+            <a:endParaRPr lang="en-GB" dirty="0"/>
           </a:p>
         </p:txBody>
       </p:sp>
     </p:spTree>
     <p:extLst>
       <p:ext uri="{BB962C8B-B14F-4D97-AF65-F5344CB8AC3E}">
-        <p14:creationId xmlns:p14="http://schemas.microsoft.com/office/powerpoint/2010/main" val="4041152341"/>
+        <p14:creationId xmlns:p14="http://schemas.microsoft.com/office/powerpoint/2010/main" val="1352214433"/>
       </p:ext>
     </p:extLst>
   </p:cSld>
@@ -15596,7 +17126,7 @@
           <p:cNvPr id="2" name="Title 1">
             <a:extLst>
               <a:ext uri="{FF2B5EF4-FFF2-40B4-BE49-F238E27FC236}">
-                <a16:creationId xmlns:a16="http://schemas.microsoft.com/office/drawing/2014/main" id="{2D63E53A-6709-BDF8-10BE-46E9361E8B06}"/>
+                <a16:creationId xmlns:a16="http://schemas.microsoft.com/office/drawing/2014/main" id="{D5E8D8A6-2863-137A-8410-7C6E06255E55}"/>
               </a:ext>
             </a:extLst>
           </p:cNvPr>
@@ -15607,47 +17137,27 @@
             <p:ph type="title"/>
           </p:nvPr>
         </p:nvSpPr>
-        <p:spPr/>
+        <p:spPr>
+          <a:xfrm>
+            <a:off x="3474952" y="2575970"/>
+            <a:ext cx="10131425" cy="1456267"/>
+          </a:xfrm>
+        </p:spPr>
         <p:txBody>
           <a:bodyPr/>
           <a:lstStyle/>
           <a:p>
             <a:r>
               <a:rPr lang="en-GB" dirty="0"/>
-              <a:t>Tables</a:t>
-            </a:r>
-          </a:p>
-        </p:txBody>
-      </p:sp>
-      <p:sp>
-        <p:nvSpPr>
-          <p:cNvPr id="3" name="Content Placeholder 2">
-            <a:extLst>
-              <a:ext uri="{FF2B5EF4-FFF2-40B4-BE49-F238E27FC236}">
-                <a16:creationId xmlns:a16="http://schemas.microsoft.com/office/drawing/2014/main" id="{677B7130-31CD-A832-CE9B-0F7C8965EE9A}"/>
-              </a:ext>
-            </a:extLst>
-          </p:cNvPr>
-          <p:cNvSpPr>
-            <a:spLocks noGrp="1"/>
-          </p:cNvSpPr>
-          <p:nvPr>
-            <p:ph idx="1"/>
-          </p:nvPr>
-        </p:nvSpPr>
-        <p:spPr/>
-        <p:txBody>
-          <a:bodyPr/>
-          <a:lstStyle/>
-          <a:p>
-            <a:endParaRPr lang="en-GB"/>
+              <a:t>Storing Data</a:t>
+            </a:r>
           </a:p>
         </p:txBody>
       </p:sp>
     </p:spTree>
     <p:extLst>
       <p:ext uri="{BB962C8B-B14F-4D97-AF65-F5344CB8AC3E}">
-        <p14:creationId xmlns:p14="http://schemas.microsoft.com/office/powerpoint/2010/main" val="2936927109"/>
+        <p14:creationId xmlns:p14="http://schemas.microsoft.com/office/powerpoint/2010/main" val="4041152341"/>
       </p:ext>
     </p:extLst>
   </p:cSld>
@@ -15679,7 +17189,7 @@
           <p:cNvPr id="2" name="Title 1">
             <a:extLst>
               <a:ext uri="{FF2B5EF4-FFF2-40B4-BE49-F238E27FC236}">
-                <a16:creationId xmlns:a16="http://schemas.microsoft.com/office/drawing/2014/main" id="{5BF2A3E6-A3C9-CCD0-9D7B-35980FACD5A1}"/>
+                <a16:creationId xmlns:a16="http://schemas.microsoft.com/office/drawing/2014/main" id="{2D63E53A-6709-BDF8-10BE-46E9361E8B06}"/>
               </a:ext>
             </a:extLst>
           </p:cNvPr>
@@ -15697,8 +17207,13 @@
           <a:p>
             <a:r>
               <a:rPr lang="en-GB" dirty="0"/>
-              <a:t>Arrays</a:t>
-            </a:r>
+              <a:t>Data </a:t>
+            </a:r>
+            <a:r>
+              <a:rPr lang="en-GB" dirty="0" err="1"/>
+              <a:t>Ndarrays</a:t>
+            </a:r>
+            <a:endParaRPr lang="en-GB" dirty="0"/>
           </a:p>
         </p:txBody>
       </p:sp>
@@ -15707,7 +17222,7 @@
           <p:cNvPr id="3" name="Content Placeholder 2">
             <a:extLst>
               <a:ext uri="{FF2B5EF4-FFF2-40B4-BE49-F238E27FC236}">
-                <a16:creationId xmlns:a16="http://schemas.microsoft.com/office/drawing/2014/main" id="{E1AC8661-3454-C79D-CEBC-4BABC94DE84A}"/>
+                <a16:creationId xmlns:a16="http://schemas.microsoft.com/office/drawing/2014/main" id="{677B7130-31CD-A832-CE9B-0F7C8965EE9A}"/>
               </a:ext>
             </a:extLst>
           </p:cNvPr>
@@ -15718,19 +17233,412 @@
             <p:ph idx="1"/>
           </p:nvPr>
         </p:nvSpPr>
-        <p:spPr/>
-        <p:txBody>
-          <a:bodyPr/>
+        <p:spPr>
+          <a:xfrm>
+            <a:off x="685801" y="1710424"/>
+            <a:ext cx="5714999" cy="4258733"/>
+          </a:xfrm>
+        </p:spPr>
+        <p:txBody>
+          <a:bodyPr>
+            <a:normAutofit fontScale="92500" lnSpcReduction="10000"/>
+          </a:bodyPr>
           <a:lstStyle/>
           <a:p>
-            <a:endParaRPr lang="en-GB"/>
+            <a:r>
+              <a:rPr lang="en-GB" dirty="0"/>
+              <a:t>Tables:</a:t>
+            </a:r>
+          </a:p>
+          <a:p>
+            <a:pPr lvl="1"/>
+            <a:r>
+              <a:rPr lang="en-GB" dirty="0"/>
+              <a:t>Pandas stores data as </a:t>
+            </a:r>
+            <a:r>
+              <a:rPr lang="en-GB" dirty="0" err="1"/>
+              <a:t>dataframes</a:t>
+            </a:r>
+            <a:r>
+              <a:rPr lang="en-GB" dirty="0"/>
+              <a:t>/tables</a:t>
+            </a:r>
+          </a:p>
+          <a:p>
+            <a:pPr lvl="1"/>
+            <a:r>
+              <a:rPr lang="en-GB" dirty="0" err="1"/>
+              <a:t>PyTables</a:t>
+            </a:r>
+            <a:r>
+              <a:rPr lang="en-GB" dirty="0"/>
+              <a:t> is useful for handling SQL data in table form</a:t>
+            </a:r>
+          </a:p>
+          <a:p>
+            <a:pPr lvl="1"/>
+            <a:r>
+              <a:rPr lang="en-GB" dirty="0"/>
+              <a:t>Benefits:</a:t>
+            </a:r>
+          </a:p>
+          <a:p>
+            <a:pPr lvl="2"/>
+            <a:r>
+              <a:rPr lang="en-GB" dirty="0"/>
+              <a:t>Well indexed</a:t>
+            </a:r>
+          </a:p>
+          <a:p>
+            <a:pPr lvl="2"/>
+            <a:r>
+              <a:rPr lang="en-GB" dirty="0"/>
+              <a:t>Columns can be displayed clearly and easily</a:t>
+            </a:r>
+          </a:p>
+          <a:p>
+            <a:r>
+              <a:rPr lang="en-GB" dirty="0"/>
+              <a:t>Arrays</a:t>
+            </a:r>
+          </a:p>
+          <a:p>
+            <a:r>
+              <a:rPr lang="en-GB" dirty="0"/>
+              <a:t>Dictionaries:</a:t>
+            </a:r>
+          </a:p>
+          <a:p>
+            <a:pPr lvl="1"/>
+            <a:r>
+              <a:rPr lang="en-GB" dirty="0"/>
+              <a:t>Can be parsed into Pandas and converted to </a:t>
+            </a:r>
+            <a:r>
+              <a:rPr lang="en-GB" dirty="0" err="1"/>
+              <a:t>dataframes</a:t>
+            </a:r>
+            <a:endParaRPr lang="en-GB" dirty="0"/>
+          </a:p>
+          <a:p>
+            <a:r>
+              <a:rPr lang="en-GB" dirty="0"/>
+              <a:t>Saving:</a:t>
+            </a:r>
+          </a:p>
+          <a:p>
+            <a:pPr lvl="1"/>
+            <a:r>
+              <a:rPr lang="en-GB" dirty="0" err="1"/>
+              <a:t>Numpy</a:t>
+            </a:r>
+            <a:r>
+              <a:rPr lang="en-GB" dirty="0"/>
+              <a:t>/Pandas/</a:t>
+            </a:r>
+            <a:r>
+              <a:rPr lang="en-GB" dirty="0" err="1"/>
+              <a:t>Astropy</a:t>
+            </a:r>
+            <a:r>
+              <a:rPr lang="en-GB" dirty="0"/>
+              <a:t>/Pure Python have routines that can output data to files – check the documentation for your use case.</a:t>
+            </a:r>
+          </a:p>
+          <a:p>
+            <a:pPr lvl="1"/>
+            <a:endParaRPr lang="en-GB" dirty="0"/>
+          </a:p>
+        </p:txBody>
+      </p:sp>
+      <p:pic>
+        <p:nvPicPr>
+          <p:cNvPr id="5" name="Picture 4">
+            <a:extLst>
+              <a:ext uri="{FF2B5EF4-FFF2-40B4-BE49-F238E27FC236}">
+                <a16:creationId xmlns:a16="http://schemas.microsoft.com/office/drawing/2014/main" id="{2983FCE7-4078-C8BC-B993-7DEFA1102B6A}"/>
+              </a:ext>
+            </a:extLst>
+          </p:cNvPr>
+          <p:cNvPicPr>
+            <a:picLocks noChangeAspect="1"/>
+          </p:cNvPicPr>
+          <p:nvPr/>
+        </p:nvPicPr>
+        <p:blipFill>
+          <a:blip r:embed="rId2"/>
+          <a:stretch>
+            <a:fillRect/>
+          </a:stretch>
+        </p:blipFill>
+        <p:spPr>
+          <a:xfrm>
+            <a:off x="6742250" y="1843307"/>
+            <a:ext cx="5505059" cy="3336399"/>
+          </a:xfrm>
+          <a:prstGeom prst="rect">
+            <a:avLst/>
+          </a:prstGeom>
+        </p:spPr>
+      </p:pic>
+      <p:sp>
+        <p:nvSpPr>
+          <p:cNvPr id="6" name="Content Placeholder 2">
+            <a:extLst>
+              <a:ext uri="{FF2B5EF4-FFF2-40B4-BE49-F238E27FC236}">
+                <a16:creationId xmlns:a16="http://schemas.microsoft.com/office/drawing/2014/main" id="{5B255224-2B4E-4F5F-A8DA-44A77C6504A9}"/>
+              </a:ext>
+            </a:extLst>
+          </p:cNvPr>
+          <p:cNvSpPr txBox="1">
+            <a:spLocks/>
+          </p:cNvSpPr>
+          <p:nvPr/>
+        </p:nvSpPr>
+        <p:spPr>
+          <a:xfrm>
+            <a:off x="6690357" y="3671914"/>
+            <a:ext cx="5556952" cy="3649133"/>
+          </a:xfrm>
+          <a:prstGeom prst="rect">
+            <a:avLst/>
+          </a:prstGeom>
+        </p:spPr>
+        <p:txBody>
+          <a:bodyPr vert="horz" lIns="91440" tIns="45720" rIns="91440" bIns="45720" rtlCol="0" anchor="ctr">
+            <a:normAutofit/>
+          </a:bodyPr>
+          <a:lstStyle>
+            <a:lvl1pPr marL="285750" indent="-285750" algn="l" defTabSz="457200" rtl="0" eaLnBrk="1" latinLnBrk="0" hangingPunct="1">
+              <a:spcBef>
+                <a:spcPts val="0"/>
+              </a:spcBef>
+              <a:spcAft>
+                <a:spcPts val="1000"/>
+              </a:spcAft>
+              <a:buClr>
+                <a:schemeClr val="tx1"/>
+              </a:buClr>
+              <a:buSzPct val="100000"/>
+              <a:buFont typeface="Arial"/>
+              <a:buChar char="•"/>
+              <a:defRPr sz="1800" kern="1200" cap="none">
+                <a:solidFill>
+                  <a:schemeClr val="tx1"/>
+                </a:solidFill>
+                <a:effectLst/>
+                <a:latin typeface="+mn-lt"/>
+                <a:ea typeface="+mn-ea"/>
+                <a:cs typeface="+mn-cs"/>
+              </a:defRPr>
+            </a:lvl1pPr>
+            <a:lvl2pPr marL="742950" indent="-285750" algn="l" defTabSz="457200" rtl="0" eaLnBrk="1" latinLnBrk="0" hangingPunct="1">
+              <a:spcBef>
+                <a:spcPts val="0"/>
+              </a:spcBef>
+              <a:spcAft>
+                <a:spcPts val="1000"/>
+              </a:spcAft>
+              <a:buClr>
+                <a:schemeClr val="tx1"/>
+              </a:buClr>
+              <a:buSzPct val="100000"/>
+              <a:buFont typeface="Arial"/>
+              <a:buChar char="•"/>
+              <a:defRPr sz="1600" kern="1200" cap="none">
+                <a:solidFill>
+                  <a:schemeClr val="tx1"/>
+                </a:solidFill>
+                <a:effectLst/>
+                <a:latin typeface="+mn-lt"/>
+                <a:ea typeface="+mn-ea"/>
+                <a:cs typeface="+mn-cs"/>
+              </a:defRPr>
+            </a:lvl2pPr>
+            <a:lvl3pPr marL="1200150" indent="-285750" algn="l" defTabSz="457200" rtl="0" eaLnBrk="1" latinLnBrk="0" hangingPunct="1">
+              <a:spcBef>
+                <a:spcPts val="0"/>
+              </a:spcBef>
+              <a:spcAft>
+                <a:spcPts val="1000"/>
+              </a:spcAft>
+              <a:buClr>
+                <a:schemeClr val="tx1"/>
+              </a:buClr>
+              <a:buSzPct val="100000"/>
+              <a:buFont typeface="Arial"/>
+              <a:buChar char="•"/>
+              <a:defRPr sz="1400" kern="1200" cap="none">
+                <a:solidFill>
+                  <a:schemeClr val="tx1"/>
+                </a:solidFill>
+                <a:effectLst/>
+                <a:latin typeface="+mn-lt"/>
+                <a:ea typeface="+mn-ea"/>
+                <a:cs typeface="+mn-cs"/>
+              </a:defRPr>
+            </a:lvl3pPr>
+            <a:lvl4pPr marL="1543050" indent="-171450" algn="l" defTabSz="457200" rtl="0" eaLnBrk="1" latinLnBrk="0" hangingPunct="1">
+              <a:spcBef>
+                <a:spcPts val="0"/>
+              </a:spcBef>
+              <a:spcAft>
+                <a:spcPts val="1000"/>
+              </a:spcAft>
+              <a:buClr>
+                <a:schemeClr val="tx1"/>
+              </a:buClr>
+              <a:buSzPct val="100000"/>
+              <a:buFont typeface="Arial"/>
+              <a:buChar char="•"/>
+              <a:defRPr sz="1200" kern="1200" cap="none">
+                <a:solidFill>
+                  <a:schemeClr val="tx1"/>
+                </a:solidFill>
+                <a:effectLst/>
+                <a:latin typeface="+mn-lt"/>
+                <a:ea typeface="+mn-ea"/>
+                <a:cs typeface="+mn-cs"/>
+              </a:defRPr>
+            </a:lvl4pPr>
+            <a:lvl5pPr marL="2000250" indent="-171450" algn="l" defTabSz="457200" rtl="0" eaLnBrk="1" latinLnBrk="0" hangingPunct="1">
+              <a:spcBef>
+                <a:spcPts val="0"/>
+              </a:spcBef>
+              <a:spcAft>
+                <a:spcPts val="1000"/>
+              </a:spcAft>
+              <a:buClr>
+                <a:schemeClr val="tx1"/>
+              </a:buClr>
+              <a:buSzPct val="100000"/>
+              <a:buFont typeface="Arial"/>
+              <a:buChar char="•"/>
+              <a:defRPr sz="1200" kern="1200" cap="none">
+                <a:solidFill>
+                  <a:schemeClr val="tx1"/>
+                </a:solidFill>
+                <a:effectLst/>
+                <a:latin typeface="+mn-lt"/>
+                <a:ea typeface="+mn-ea"/>
+                <a:cs typeface="+mn-cs"/>
+              </a:defRPr>
+            </a:lvl5pPr>
+            <a:lvl6pPr marL="2514600" indent="-228600" algn="l" defTabSz="457200" rtl="0" eaLnBrk="1" latinLnBrk="0" hangingPunct="1">
+              <a:spcBef>
+                <a:spcPts val="0"/>
+              </a:spcBef>
+              <a:spcAft>
+                <a:spcPts val="1000"/>
+              </a:spcAft>
+              <a:buClr>
+                <a:schemeClr val="tx1"/>
+              </a:buClr>
+              <a:buSzPct val="100000"/>
+              <a:buFont typeface="Arial"/>
+              <a:buChar char="•"/>
+              <a:defRPr sz="1200" kern="1200" cap="none">
+                <a:solidFill>
+                  <a:schemeClr val="tx1"/>
+                </a:solidFill>
+                <a:effectLst/>
+                <a:latin typeface="+mn-lt"/>
+                <a:ea typeface="+mn-ea"/>
+                <a:cs typeface="+mn-cs"/>
+              </a:defRPr>
+            </a:lvl6pPr>
+            <a:lvl7pPr marL="2971800" indent="-228600" algn="l" defTabSz="457200" rtl="0" eaLnBrk="1" latinLnBrk="0" hangingPunct="1">
+              <a:spcBef>
+                <a:spcPts val="0"/>
+              </a:spcBef>
+              <a:spcAft>
+                <a:spcPts val="1000"/>
+              </a:spcAft>
+              <a:buClr>
+                <a:schemeClr val="tx1"/>
+              </a:buClr>
+              <a:buSzPct val="100000"/>
+              <a:buFont typeface="Arial"/>
+              <a:buChar char="•"/>
+              <a:defRPr sz="1200" kern="1200" cap="none">
+                <a:solidFill>
+                  <a:schemeClr val="tx1"/>
+                </a:solidFill>
+                <a:effectLst/>
+                <a:latin typeface="+mn-lt"/>
+                <a:ea typeface="+mn-ea"/>
+                <a:cs typeface="+mn-cs"/>
+              </a:defRPr>
+            </a:lvl7pPr>
+            <a:lvl8pPr marL="3429000" indent="-228600" algn="l" defTabSz="457200" rtl="0" eaLnBrk="1" latinLnBrk="0" hangingPunct="1">
+              <a:spcBef>
+                <a:spcPts val="0"/>
+              </a:spcBef>
+              <a:spcAft>
+                <a:spcPts val="1000"/>
+              </a:spcAft>
+              <a:buClr>
+                <a:schemeClr val="tx1"/>
+              </a:buClr>
+              <a:buSzPct val="100000"/>
+              <a:buFont typeface="Arial"/>
+              <a:buChar char="•"/>
+              <a:defRPr sz="1200" kern="1200" cap="none">
+                <a:solidFill>
+                  <a:schemeClr val="tx1"/>
+                </a:solidFill>
+                <a:effectLst/>
+                <a:latin typeface="+mn-lt"/>
+                <a:ea typeface="+mn-ea"/>
+                <a:cs typeface="+mn-cs"/>
+              </a:defRPr>
+            </a:lvl8pPr>
+            <a:lvl9pPr marL="3886200" indent="-228600" algn="l" defTabSz="457200" rtl="0" eaLnBrk="1" latinLnBrk="0" hangingPunct="1">
+              <a:spcBef>
+                <a:spcPts val="0"/>
+              </a:spcBef>
+              <a:spcAft>
+                <a:spcPts val="1000"/>
+              </a:spcAft>
+              <a:buClr>
+                <a:schemeClr val="tx1"/>
+              </a:buClr>
+              <a:buSzPct val="100000"/>
+              <a:buFont typeface="Arial"/>
+              <a:buChar char="•"/>
+              <a:defRPr sz="1200" kern="1200" cap="none">
+                <a:solidFill>
+                  <a:schemeClr val="tx1"/>
+                </a:solidFill>
+                <a:effectLst/>
+                <a:latin typeface="+mn-lt"/>
+                <a:ea typeface="+mn-ea"/>
+                <a:cs typeface="+mn-cs"/>
+              </a:defRPr>
+            </a:lvl9pPr>
+          </a:lstStyle>
+          <a:p>
+            <a:pPr marL="0" indent="0">
+              <a:buFont typeface="Arial"/>
+              <a:buNone/>
+            </a:pPr>
+            <a:r>
+              <a:rPr lang="en-GB" dirty="0"/>
+              <a:t>Image Credit: </a:t>
+            </a:r>
+            <a:r>
+              <a:rPr lang="en-GB" dirty="0" err="1"/>
+              <a:t>GeeksforGeeks</a:t>
+            </a:r>
+            <a:endParaRPr lang="en-GB" dirty="0"/>
           </a:p>
         </p:txBody>
       </p:sp>
     </p:spTree>
     <p:extLst>
       <p:ext uri="{BB962C8B-B14F-4D97-AF65-F5344CB8AC3E}">
-        <p14:creationId xmlns:p14="http://schemas.microsoft.com/office/powerpoint/2010/main" val="1756744839"/>
+        <p14:creationId xmlns:p14="http://schemas.microsoft.com/office/powerpoint/2010/main" val="2936927109"/>
       </p:ext>
     </p:extLst>
   </p:cSld>
@@ -15762,6 +17670,169 @@
           <p:cNvPr id="2" name="Title 1">
             <a:extLst>
               <a:ext uri="{FF2B5EF4-FFF2-40B4-BE49-F238E27FC236}">
+                <a16:creationId xmlns:a16="http://schemas.microsoft.com/office/drawing/2014/main" id="{02B76AFB-083B-002D-94C9-B381A26966CB}"/>
+              </a:ext>
+            </a:extLst>
+          </p:cNvPr>
+          <p:cNvSpPr>
+            <a:spLocks noGrp="1"/>
+          </p:cNvSpPr>
+          <p:nvPr>
+            <p:ph type="title"/>
+          </p:nvPr>
+        </p:nvSpPr>
+        <p:spPr/>
+        <p:txBody>
+          <a:bodyPr/>
+          <a:lstStyle/>
+          <a:p>
+            <a:endParaRPr lang="en-GB" dirty="0"/>
+          </a:p>
+        </p:txBody>
+      </p:sp>
+      <p:sp>
+        <p:nvSpPr>
+          <p:cNvPr id="3" name="Content Placeholder 2">
+            <a:extLst>
+              <a:ext uri="{FF2B5EF4-FFF2-40B4-BE49-F238E27FC236}">
+                <a16:creationId xmlns:a16="http://schemas.microsoft.com/office/drawing/2014/main" id="{34E9ED01-3CEC-36C5-69A2-7594907BB76A}"/>
+              </a:ext>
+            </a:extLst>
+          </p:cNvPr>
+          <p:cNvSpPr>
+            <a:spLocks noGrp="1"/>
+          </p:cNvSpPr>
+          <p:nvPr>
+            <p:ph idx="1"/>
+          </p:nvPr>
+        </p:nvSpPr>
+        <p:spPr/>
+        <p:txBody>
+          <a:bodyPr/>
+          <a:lstStyle/>
+          <a:p>
+            <a:endParaRPr lang="en-GB"/>
+          </a:p>
+        </p:txBody>
+      </p:sp>
+    </p:spTree>
+    <p:extLst>
+      <p:ext uri="{BB962C8B-B14F-4D97-AF65-F5344CB8AC3E}">
+        <p14:creationId xmlns:p14="http://schemas.microsoft.com/office/powerpoint/2010/main" val="850411440"/>
+      </p:ext>
+    </p:extLst>
+  </p:cSld>
+  <p:clrMapOvr>
+    <a:masterClrMapping/>
+  </p:clrMapOvr>
+</p:sld>
+</file>
+
+<file path=ppt/slides/slide23.xml><?xml version="1.0" encoding="utf-8"?>
+<p:sld xmlns:a="http://schemas.openxmlformats.org/drawingml/2006/main" xmlns:r="http://schemas.openxmlformats.org/officeDocument/2006/relationships" xmlns:p="http://schemas.openxmlformats.org/presentationml/2006/main" show="0">
+  <p:cSld>
+    <p:spTree>
+      <p:nvGrpSpPr>
+        <p:cNvPr id="1" name=""/>
+        <p:cNvGrpSpPr/>
+        <p:nvPr/>
+      </p:nvGrpSpPr>
+      <p:grpSpPr>
+        <a:xfrm>
+          <a:off x="0" y="0"/>
+          <a:ext cx="0" cy="0"/>
+          <a:chOff x="0" y="0"/>
+          <a:chExt cx="0" cy="0"/>
+        </a:xfrm>
+      </p:grpSpPr>
+      <p:sp>
+        <p:nvSpPr>
+          <p:cNvPr id="2" name="Title 1">
+            <a:extLst>
+              <a:ext uri="{FF2B5EF4-FFF2-40B4-BE49-F238E27FC236}">
+                <a16:creationId xmlns:a16="http://schemas.microsoft.com/office/drawing/2014/main" id="{5BF2A3E6-A3C9-CCD0-9D7B-35980FACD5A1}"/>
+              </a:ext>
+            </a:extLst>
+          </p:cNvPr>
+          <p:cNvSpPr>
+            <a:spLocks noGrp="1"/>
+          </p:cNvSpPr>
+          <p:nvPr>
+            <p:ph type="title"/>
+          </p:nvPr>
+        </p:nvSpPr>
+        <p:spPr/>
+        <p:txBody>
+          <a:bodyPr/>
+          <a:lstStyle/>
+          <a:p>
+            <a:r>
+              <a:rPr lang="en-GB" dirty="0"/>
+              <a:t>Arrays</a:t>
+            </a:r>
+          </a:p>
+        </p:txBody>
+      </p:sp>
+      <p:sp>
+        <p:nvSpPr>
+          <p:cNvPr id="3" name="Content Placeholder 2">
+            <a:extLst>
+              <a:ext uri="{FF2B5EF4-FFF2-40B4-BE49-F238E27FC236}">
+                <a16:creationId xmlns:a16="http://schemas.microsoft.com/office/drawing/2014/main" id="{E1AC8661-3454-C79D-CEBC-4BABC94DE84A}"/>
+              </a:ext>
+            </a:extLst>
+          </p:cNvPr>
+          <p:cNvSpPr>
+            <a:spLocks noGrp="1"/>
+          </p:cNvSpPr>
+          <p:nvPr>
+            <p:ph idx="1"/>
+          </p:nvPr>
+        </p:nvSpPr>
+        <p:spPr/>
+        <p:txBody>
+          <a:bodyPr/>
+          <a:lstStyle/>
+          <a:p>
+            <a:endParaRPr lang="en-GB"/>
+          </a:p>
+        </p:txBody>
+      </p:sp>
+    </p:spTree>
+    <p:extLst>
+      <p:ext uri="{BB962C8B-B14F-4D97-AF65-F5344CB8AC3E}">
+        <p14:creationId xmlns:p14="http://schemas.microsoft.com/office/powerpoint/2010/main" val="1756744839"/>
+      </p:ext>
+    </p:extLst>
+  </p:cSld>
+  <p:clrMapOvr>
+    <a:masterClrMapping/>
+  </p:clrMapOvr>
+</p:sld>
+</file>
+
+<file path=ppt/slides/slide24.xml><?xml version="1.0" encoding="utf-8"?>
+<p:sld xmlns:a="http://schemas.openxmlformats.org/drawingml/2006/main" xmlns:r="http://schemas.openxmlformats.org/officeDocument/2006/relationships" xmlns:p="http://schemas.openxmlformats.org/presentationml/2006/main" show="0">
+  <p:cSld>
+    <p:spTree>
+      <p:nvGrpSpPr>
+        <p:cNvPr id="1" name=""/>
+        <p:cNvGrpSpPr/>
+        <p:nvPr/>
+      </p:nvGrpSpPr>
+      <p:grpSpPr>
+        <a:xfrm>
+          <a:off x="0" y="0"/>
+          <a:ext cx="0" cy="0"/>
+          <a:chOff x="0" y="0"/>
+          <a:chExt cx="0" cy="0"/>
+        </a:xfrm>
+      </p:grpSpPr>
+      <p:sp>
+        <p:nvSpPr>
+          <p:cNvPr id="2" name="Title 1">
+            <a:extLst>
+              <a:ext uri="{FF2B5EF4-FFF2-40B4-BE49-F238E27FC236}">
                 <a16:creationId xmlns:a16="http://schemas.microsoft.com/office/drawing/2014/main" id="{CD581316-068B-F09C-77D4-F971554BA777}"/>
               </a:ext>
             </a:extLst>
@@ -15823,7 +17894,7 @@
 </p:sld>
 </file>
 
-<file path=ppt/slides/slide23.xml><?xml version="1.0" encoding="utf-8"?>
+<file path=ppt/slides/slide25.xml><?xml version="1.0" encoding="utf-8"?>
 <p:sld xmlns:a="http://schemas.openxmlformats.org/drawingml/2006/main" xmlns:r="http://schemas.openxmlformats.org/officeDocument/2006/relationships" xmlns:p="http://schemas.openxmlformats.org/presentationml/2006/main">
   <p:cSld>
     <p:spTree>
@@ -15845,6 +17916,163 @@
           <p:cNvPr id="2" name="Title 1">
             <a:extLst>
               <a:ext uri="{FF2B5EF4-FFF2-40B4-BE49-F238E27FC236}">
+                <a16:creationId xmlns:a16="http://schemas.microsoft.com/office/drawing/2014/main" id="{4890FA51-6FE1-A0C3-2312-AB8015E475F0}"/>
+              </a:ext>
+            </a:extLst>
+          </p:cNvPr>
+          <p:cNvSpPr>
+            <a:spLocks noGrp="1"/>
+          </p:cNvSpPr>
+          <p:nvPr>
+            <p:ph type="title"/>
+          </p:nvPr>
+        </p:nvSpPr>
+        <p:spPr/>
+        <p:txBody>
+          <a:bodyPr/>
+          <a:lstStyle/>
+          <a:p>
+            <a:r>
+              <a:rPr lang="en-GB" dirty="0"/>
+              <a:t>Homework</a:t>
+            </a:r>
+          </a:p>
+        </p:txBody>
+      </p:sp>
+      <p:sp>
+        <p:nvSpPr>
+          <p:cNvPr id="3" name="Content Placeholder 2">
+            <a:extLst>
+              <a:ext uri="{FF2B5EF4-FFF2-40B4-BE49-F238E27FC236}">
+                <a16:creationId xmlns:a16="http://schemas.microsoft.com/office/drawing/2014/main" id="{F87D79E2-3334-A62D-E51E-590FFA674283}"/>
+              </a:ext>
+            </a:extLst>
+          </p:cNvPr>
+          <p:cNvSpPr>
+            <a:spLocks noGrp="1"/>
+          </p:cNvSpPr>
+          <p:nvPr>
+            <p:ph idx="1"/>
+          </p:nvPr>
+        </p:nvSpPr>
+        <p:spPr/>
+        <p:txBody>
+          <a:bodyPr/>
+          <a:lstStyle/>
+          <a:p>
+            <a:r>
+              <a:rPr lang="en-GB" dirty="0"/>
+              <a:t>Use the principles introduced here to create a creative visualisation of the data within the supplementary </a:t>
+            </a:r>
+            <a:r>
+              <a:rPr lang="en-GB" dirty="0" err="1"/>
+              <a:t>Jupyter</a:t>
+            </a:r>
+            <a:r>
+              <a:rPr lang="en-GB" dirty="0"/>
+              <a:t>/</a:t>
+            </a:r>
+            <a:r>
+              <a:rPr lang="en-GB" dirty="0" err="1"/>
+              <a:t>colab</a:t>
+            </a:r>
+            <a:r>
+              <a:rPr lang="en-GB" dirty="0"/>
+              <a:t> workbook.</a:t>
+            </a:r>
+          </a:p>
+          <a:p>
+            <a:r>
+              <a:rPr lang="en-GB" dirty="0"/>
+              <a:t>Tasks:</a:t>
+            </a:r>
+          </a:p>
+          <a:p>
+            <a:pPr lvl="1"/>
+            <a:r>
+              <a:rPr lang="en-GB" dirty="0"/>
+              <a:t>Create an inset plot – Spectral data plotted over the sky map</a:t>
+            </a:r>
+          </a:p>
+          <a:p>
+            <a:pPr lvl="1"/>
+            <a:r>
+              <a:rPr lang="en-GB" dirty="0"/>
+              <a:t>Add arrows and labels</a:t>
+            </a:r>
+          </a:p>
+          <a:p>
+            <a:pPr lvl="1"/>
+            <a:r>
+              <a:rPr lang="en-GB" dirty="0"/>
+              <a:t>Add text</a:t>
+            </a:r>
+          </a:p>
+          <a:p>
+            <a:pPr lvl="1"/>
+            <a:r>
+              <a:rPr lang="en-GB" dirty="0"/>
+              <a:t>Use appealing colours</a:t>
+            </a:r>
+          </a:p>
+          <a:p>
+            <a:pPr lvl="1"/>
+            <a:r>
+              <a:rPr lang="en-GB" dirty="0"/>
+              <a:t>Bonus: Are there any other features in the included data that can be plotted? Show this in grid form if so.</a:t>
+            </a:r>
+          </a:p>
+          <a:p>
+            <a:r>
+              <a:rPr lang="en-GB" dirty="0"/>
+              <a:t>PRIZE: A Chocolate Easter Egg/Or something similar. E-mail your entries to me by the end of next Friday (3</a:t>
+            </a:r>
+            <a:r>
+              <a:rPr lang="en-GB" baseline="30000" dirty="0"/>
+              <a:t>rd</a:t>
+            </a:r>
+            <a:r>
+              <a:rPr lang="en-GB" dirty="0"/>
+              <a:t> March).</a:t>
+            </a:r>
+          </a:p>
+        </p:txBody>
+      </p:sp>
+    </p:spTree>
+    <p:extLst>
+      <p:ext uri="{BB962C8B-B14F-4D97-AF65-F5344CB8AC3E}">
+        <p14:creationId xmlns:p14="http://schemas.microsoft.com/office/powerpoint/2010/main" val="3434059293"/>
+      </p:ext>
+    </p:extLst>
+  </p:cSld>
+  <p:clrMapOvr>
+    <a:masterClrMapping/>
+  </p:clrMapOvr>
+</p:sld>
+</file>
+
+<file path=ppt/slides/slide26.xml><?xml version="1.0" encoding="utf-8"?>
+<p:sld xmlns:a="http://schemas.openxmlformats.org/drawingml/2006/main" xmlns:r="http://schemas.openxmlformats.org/officeDocument/2006/relationships" xmlns:p="http://schemas.openxmlformats.org/presentationml/2006/main">
+  <p:cSld>
+    <p:spTree>
+      <p:nvGrpSpPr>
+        <p:cNvPr id="1" name=""/>
+        <p:cNvGrpSpPr/>
+        <p:nvPr/>
+      </p:nvGrpSpPr>
+      <p:grpSpPr>
+        <a:xfrm>
+          <a:off x="0" y="0"/>
+          <a:ext cx="0" cy="0"/>
+          <a:chOff x="0" y="0"/>
+          <a:chExt cx="0" cy="0"/>
+        </a:xfrm>
+      </p:grpSpPr>
+      <p:sp>
+        <p:nvSpPr>
+          <p:cNvPr id="2" name="Title 1">
+            <a:extLst>
+              <a:ext uri="{FF2B5EF4-FFF2-40B4-BE49-F238E27FC236}">
                 <a16:creationId xmlns:a16="http://schemas.microsoft.com/office/drawing/2014/main" id="{D5E8D8A6-2863-137A-8410-7C6E06255E55}"/>
               </a:ext>
             </a:extLst>
@@ -15886,7 +18114,7 @@
 </p:sld>
 </file>
 
-<file path=ppt/slides/slide24.xml><?xml version="1.0" encoding="utf-8"?>
+<file path=ppt/slides/slide27.xml><?xml version="1.0" encoding="utf-8"?>
 <p:sld xmlns:a="http://schemas.openxmlformats.org/drawingml/2006/main" xmlns:r="http://schemas.openxmlformats.org/officeDocument/2006/relationships" xmlns:p="http://schemas.openxmlformats.org/presentationml/2006/main">
   <p:cSld>
     <p:spTree>
@@ -16232,7 +18460,7 @@
 </p:sld>
 </file>
 
-<file path=ppt/slides/slide25.xml><?xml version="1.0" encoding="utf-8"?>
+<file path=ppt/slides/slide28.xml><?xml version="1.0" encoding="utf-8"?>
 <p:sld xmlns:a="http://schemas.openxmlformats.org/drawingml/2006/main" xmlns:r="http://schemas.openxmlformats.org/officeDocument/2006/relationships" xmlns:p="http://schemas.openxmlformats.org/presentationml/2006/main">
   <p:cSld>
     <p:spTree>
@@ -16574,7 +18802,7 @@
 </p:sld>
 </file>
 
-<file path=ppt/slides/slide26.xml><?xml version="1.0" encoding="utf-8"?>
+<file path=ppt/slides/slide29.xml><?xml version="1.0" encoding="utf-8"?>
 <p:sld xmlns:a="http://schemas.openxmlformats.org/drawingml/2006/main" xmlns:r="http://schemas.openxmlformats.org/officeDocument/2006/relationships" xmlns:p="http://schemas.openxmlformats.org/presentationml/2006/main">
   <p:cSld>
     <p:bg>
@@ -16821,7 +19049,7 @@
 </p:sld>
 </file>
 
-<file path=ppt/slides/slide27.xml><?xml version="1.0" encoding="utf-8"?>
+<file path=ppt/slides/slide3.xml><?xml version="1.0" encoding="utf-8"?>
 <p:sld xmlns:a="http://schemas.openxmlformats.org/drawingml/2006/main" xmlns:r="http://schemas.openxmlformats.org/officeDocument/2006/relationships" xmlns:p="http://schemas.openxmlformats.org/presentationml/2006/main">
   <p:cSld>
     <p:spTree>
@@ -16843,6 +19071,150 @@
           <p:cNvPr id="2" name="Title 1">
             <a:extLst>
               <a:ext uri="{FF2B5EF4-FFF2-40B4-BE49-F238E27FC236}">
+                <a16:creationId xmlns:a16="http://schemas.microsoft.com/office/drawing/2014/main" id="{FD678533-ABB1-B8BA-35E3-9F7419A39DF0}"/>
+              </a:ext>
+            </a:extLst>
+          </p:cNvPr>
+          <p:cNvSpPr>
+            <a:spLocks noGrp="1"/>
+          </p:cNvSpPr>
+          <p:nvPr>
+            <p:ph type="title"/>
+          </p:nvPr>
+        </p:nvSpPr>
+        <p:spPr/>
+        <p:txBody>
+          <a:bodyPr/>
+          <a:lstStyle/>
+          <a:p>
+            <a:r>
+              <a:rPr lang="en-GB" dirty="0"/>
+              <a:t>Resources – Follow Along</a:t>
+            </a:r>
+          </a:p>
+        </p:txBody>
+      </p:sp>
+      <p:sp>
+        <p:nvSpPr>
+          <p:cNvPr id="3" name="Content Placeholder 2">
+            <a:extLst>
+              <a:ext uri="{FF2B5EF4-FFF2-40B4-BE49-F238E27FC236}">
+                <a16:creationId xmlns:a16="http://schemas.microsoft.com/office/drawing/2014/main" id="{E0892F5E-7CC6-1CFB-4ED8-37C1BEA8EB08}"/>
+              </a:ext>
+            </a:extLst>
+          </p:cNvPr>
+          <p:cNvSpPr>
+            <a:spLocks noGrp="1"/>
+          </p:cNvSpPr>
+          <p:nvPr>
+            <p:ph idx="1"/>
+          </p:nvPr>
+        </p:nvSpPr>
+        <p:spPr>
+          <a:xfrm>
+            <a:off x="642395" y="301847"/>
+            <a:ext cx="5613721" cy="4490287"/>
+          </a:xfrm>
+        </p:spPr>
+        <p:txBody>
+          <a:bodyPr/>
+          <a:lstStyle/>
+          <a:p>
+            <a:r>
+              <a:rPr lang="en-GB" dirty="0" err="1"/>
+              <a:t>Github</a:t>
+            </a:r>
+            <a:r>
+              <a:rPr lang="en-GB" dirty="0"/>
+              <a:t> Repo: </a:t>
+            </a:r>
+            <a:r>
+              <a:rPr lang="en-GB" dirty="0">
+                <a:hlinkClick r:id="rId2"/>
+              </a:rPr>
+              <a:t>https://github.com/smandhai/Astro-Data-Handling-Tutorials</a:t>
+            </a:r>
+            <a:endParaRPr lang="en-GB" dirty="0"/>
+          </a:p>
+          <a:p>
+            <a:r>
+              <a:rPr lang="en-GB" dirty="0"/>
+              <a:t>Apologies – it’s not as complete as I wanted it to be… yet</a:t>
+            </a:r>
+          </a:p>
+        </p:txBody>
+      </p:sp>
+      <p:pic>
+        <p:nvPicPr>
+          <p:cNvPr id="5" name="Picture 4" descr="Qr code&#10;&#10;Description automatically generated">
+            <a:extLst>
+              <a:ext uri="{FF2B5EF4-FFF2-40B4-BE49-F238E27FC236}">
+                <a16:creationId xmlns:a16="http://schemas.microsoft.com/office/drawing/2014/main" id="{F78E4745-465C-FD32-5F72-0B20D5A29236}"/>
+              </a:ext>
+            </a:extLst>
+          </p:cNvPr>
+          <p:cNvPicPr>
+            <a:picLocks noChangeAspect="1"/>
+          </p:cNvPicPr>
+          <p:nvPr/>
+        </p:nvPicPr>
+        <p:blipFill>
+          <a:blip r:embed="rId3">
+            <a:extLst>
+              <a:ext uri="{28A0092B-C50C-407E-A947-70E740481C1C}">
+                <a14:useLocalDpi xmlns:a14="http://schemas.microsoft.com/office/drawing/2010/main" val="0"/>
+              </a:ext>
+            </a:extLst>
+          </a:blip>
+          <a:stretch>
+            <a:fillRect/>
+          </a:stretch>
+        </p:blipFill>
+        <p:spPr>
+          <a:xfrm>
+            <a:off x="6658817" y="1389984"/>
+            <a:ext cx="5089485" cy="5089485"/>
+          </a:xfrm>
+          <a:prstGeom prst="rect">
+            <a:avLst/>
+          </a:prstGeom>
+        </p:spPr>
+      </p:pic>
+    </p:spTree>
+    <p:extLst>
+      <p:ext uri="{BB962C8B-B14F-4D97-AF65-F5344CB8AC3E}">
+        <p14:creationId xmlns:p14="http://schemas.microsoft.com/office/powerpoint/2010/main" val="354102173"/>
+      </p:ext>
+    </p:extLst>
+  </p:cSld>
+  <p:clrMapOvr>
+    <a:masterClrMapping/>
+  </p:clrMapOvr>
+</p:sld>
+</file>
+
+<file path=ppt/slides/slide30.xml><?xml version="1.0" encoding="utf-8"?>
+<p:sld xmlns:a="http://schemas.openxmlformats.org/drawingml/2006/main" xmlns:r="http://schemas.openxmlformats.org/officeDocument/2006/relationships" xmlns:p="http://schemas.openxmlformats.org/presentationml/2006/main">
+  <p:cSld>
+    <p:spTree>
+      <p:nvGrpSpPr>
+        <p:cNvPr id="1" name=""/>
+        <p:cNvGrpSpPr/>
+        <p:nvPr/>
+      </p:nvGrpSpPr>
+      <p:grpSpPr>
+        <a:xfrm>
+          <a:off x="0" y="0"/>
+          <a:ext cx="0" cy="0"/>
+          <a:chOff x="0" y="0"/>
+          <a:chExt cx="0" cy="0"/>
+        </a:xfrm>
+      </p:grpSpPr>
+      <p:sp>
+        <p:nvSpPr>
+          <p:cNvPr id="2" name="Title 1">
+            <a:extLst>
+              <a:ext uri="{FF2B5EF4-FFF2-40B4-BE49-F238E27FC236}">
                 <a16:creationId xmlns:a16="http://schemas.microsoft.com/office/drawing/2014/main" id="{D5E8D8A6-2863-137A-8410-7C6E06255E55}"/>
               </a:ext>
             </a:extLst>
@@ -16884,7 +19256,7 @@
 </p:sld>
 </file>
 
-<file path=ppt/slides/slide28.xml><?xml version="1.0" encoding="utf-8"?>
+<file path=ppt/slides/slide31.xml><?xml version="1.0" encoding="utf-8"?>
 <p:sld xmlns:a="http://schemas.openxmlformats.org/drawingml/2006/main" xmlns:r="http://schemas.openxmlformats.org/officeDocument/2006/relationships" xmlns:p="http://schemas.openxmlformats.org/presentationml/2006/main">
   <p:cSld>
     <p:bg>
@@ -17208,7 +19580,7 @@
 </p:sld>
 </file>
 
-<file path=ppt/slides/slide29.xml><?xml version="1.0" encoding="utf-8"?>
+<file path=ppt/slides/slide32.xml><?xml version="1.0" encoding="utf-8"?>
 <p:sld xmlns:a="http://schemas.openxmlformats.org/drawingml/2006/main" xmlns:r="http://schemas.openxmlformats.org/officeDocument/2006/relationships" xmlns:p="http://schemas.openxmlformats.org/presentationml/2006/main">
   <p:cSld>
     <p:bg>
@@ -17431,148 +19803,7 @@
 </p:sld>
 </file>
 
-<file path=ppt/slides/slide3.xml><?xml version="1.0" encoding="utf-8"?>
-<p:sld xmlns:a="http://schemas.openxmlformats.org/drawingml/2006/main" xmlns:r="http://schemas.openxmlformats.org/officeDocument/2006/relationships" xmlns:p="http://schemas.openxmlformats.org/presentationml/2006/main">
-  <p:cSld>
-    <p:spTree>
-      <p:nvGrpSpPr>
-        <p:cNvPr id="1" name=""/>
-        <p:cNvGrpSpPr/>
-        <p:nvPr/>
-      </p:nvGrpSpPr>
-      <p:grpSpPr>
-        <a:xfrm>
-          <a:off x="0" y="0"/>
-          <a:ext cx="0" cy="0"/>
-          <a:chOff x="0" y="0"/>
-          <a:chExt cx="0" cy="0"/>
-        </a:xfrm>
-      </p:grpSpPr>
-      <p:sp>
-        <p:nvSpPr>
-          <p:cNvPr id="2" name="Title 1">
-            <a:extLst>
-              <a:ext uri="{FF2B5EF4-FFF2-40B4-BE49-F238E27FC236}">
-                <a16:creationId xmlns:a16="http://schemas.microsoft.com/office/drawing/2014/main" id="{FD678533-ABB1-B8BA-35E3-9F7419A39DF0}"/>
-              </a:ext>
-            </a:extLst>
-          </p:cNvPr>
-          <p:cNvSpPr>
-            <a:spLocks noGrp="1"/>
-          </p:cNvSpPr>
-          <p:nvPr>
-            <p:ph type="title"/>
-          </p:nvPr>
-        </p:nvSpPr>
-        <p:spPr/>
-        <p:txBody>
-          <a:bodyPr/>
-          <a:lstStyle/>
-          <a:p>
-            <a:r>
-              <a:rPr lang="en-GB" dirty="0"/>
-              <a:t>Resources – Follow Along</a:t>
-            </a:r>
-          </a:p>
-        </p:txBody>
-      </p:sp>
-      <p:sp>
-        <p:nvSpPr>
-          <p:cNvPr id="3" name="Content Placeholder 2">
-            <a:extLst>
-              <a:ext uri="{FF2B5EF4-FFF2-40B4-BE49-F238E27FC236}">
-                <a16:creationId xmlns:a16="http://schemas.microsoft.com/office/drawing/2014/main" id="{E0892F5E-7CC6-1CFB-4ED8-37C1BEA8EB08}"/>
-              </a:ext>
-            </a:extLst>
-          </p:cNvPr>
-          <p:cNvSpPr>
-            <a:spLocks noGrp="1"/>
-          </p:cNvSpPr>
-          <p:nvPr>
-            <p:ph idx="1"/>
-          </p:nvPr>
-        </p:nvSpPr>
-        <p:spPr>
-          <a:xfrm>
-            <a:off x="642395" y="301847"/>
-            <a:ext cx="5613721" cy="4490287"/>
-          </a:xfrm>
-        </p:spPr>
-        <p:txBody>
-          <a:bodyPr/>
-          <a:lstStyle/>
-          <a:p>
-            <a:r>
-              <a:rPr lang="en-GB" dirty="0" err="1"/>
-              <a:t>Github</a:t>
-            </a:r>
-            <a:r>
-              <a:rPr lang="en-GB" dirty="0"/>
-              <a:t> Repo: </a:t>
-            </a:r>
-            <a:r>
-              <a:rPr lang="en-GB" dirty="0">
-                <a:hlinkClick r:id="rId2"/>
-              </a:rPr>
-              <a:t>https://github.com/smandhai/Astro-Data-Handling-Tutorials</a:t>
-            </a:r>
-            <a:endParaRPr lang="en-GB" dirty="0"/>
-          </a:p>
-          <a:p>
-            <a:endParaRPr lang="en-GB" dirty="0"/>
-          </a:p>
-        </p:txBody>
-      </p:sp>
-      <p:pic>
-        <p:nvPicPr>
-          <p:cNvPr id="5" name="Picture 4" descr="Qr code&#10;&#10;Description automatically generated">
-            <a:extLst>
-              <a:ext uri="{FF2B5EF4-FFF2-40B4-BE49-F238E27FC236}">
-                <a16:creationId xmlns:a16="http://schemas.microsoft.com/office/drawing/2014/main" id="{F78E4745-465C-FD32-5F72-0B20D5A29236}"/>
-              </a:ext>
-            </a:extLst>
-          </p:cNvPr>
-          <p:cNvPicPr>
-            <a:picLocks noChangeAspect="1"/>
-          </p:cNvPicPr>
-          <p:nvPr/>
-        </p:nvPicPr>
-        <p:blipFill>
-          <a:blip r:embed="rId3">
-            <a:extLst>
-              <a:ext uri="{28A0092B-C50C-407E-A947-70E740481C1C}">
-                <a14:useLocalDpi xmlns:a14="http://schemas.microsoft.com/office/drawing/2010/main" val="0"/>
-              </a:ext>
-            </a:extLst>
-          </a:blip>
-          <a:stretch>
-            <a:fillRect/>
-          </a:stretch>
-        </p:blipFill>
-        <p:spPr>
-          <a:xfrm>
-            <a:off x="6658817" y="1389984"/>
-            <a:ext cx="5089485" cy="5089485"/>
-          </a:xfrm>
-          <a:prstGeom prst="rect">
-            <a:avLst/>
-          </a:prstGeom>
-        </p:spPr>
-      </p:pic>
-    </p:spTree>
-    <p:extLst>
-      <p:ext uri="{BB962C8B-B14F-4D97-AF65-F5344CB8AC3E}">
-        <p14:creationId xmlns:p14="http://schemas.microsoft.com/office/powerpoint/2010/main" val="354102173"/>
-      </p:ext>
-    </p:extLst>
-  </p:cSld>
-  <p:clrMapOvr>
-    <a:masterClrMapping/>
-  </p:clrMapOvr>
-</p:sld>
-</file>
-
-<file path=ppt/slides/slide30.xml><?xml version="1.0" encoding="utf-8"?>
+<file path=ppt/slides/slide33.xml><?xml version="1.0" encoding="utf-8"?>
 <p:sld xmlns:a="http://schemas.openxmlformats.org/drawingml/2006/main" xmlns:r="http://schemas.openxmlformats.org/officeDocument/2006/relationships" xmlns:p="http://schemas.openxmlformats.org/presentationml/2006/main">
   <p:cSld>
     <p:bg>
@@ -17801,7 +20032,7 @@
 </p:sld>
 </file>
 
-<file path=ppt/slides/slide31.xml><?xml version="1.0" encoding="utf-8"?>
+<file path=ppt/slides/slide34.xml><?xml version="1.0" encoding="utf-8"?>
 <p:sld xmlns:a="http://schemas.openxmlformats.org/drawingml/2006/main" xmlns:r="http://schemas.openxmlformats.org/officeDocument/2006/relationships" xmlns:p="http://schemas.openxmlformats.org/presentationml/2006/main">
   <p:cSld>
     <p:bg>
@@ -18024,7 +20255,7 @@
           <p:cNvPr id="2" name="Title 1">
             <a:extLst>
               <a:ext uri="{FF2B5EF4-FFF2-40B4-BE49-F238E27FC236}">
-                <a16:creationId xmlns:a16="http://schemas.microsoft.com/office/drawing/2014/main" id="{D5E8D8A6-2863-137A-8410-7C6E06255E55}"/>
+                <a16:creationId xmlns:a16="http://schemas.microsoft.com/office/drawing/2014/main" id="{42A88A92-B4C9-44E2-276F-2E3F76135AF3}"/>
               </a:ext>
             </a:extLst>
           </p:cNvPr>
@@ -18035,28 +20266,91 @@
             <p:ph type="title"/>
           </p:nvPr>
         </p:nvSpPr>
-        <p:spPr>
-          <a:xfrm>
-            <a:off x="1191499" y="2600419"/>
-            <a:ext cx="10131425" cy="1456267"/>
-          </a:xfrm>
-        </p:spPr>
+        <p:spPr/>
         <p:txBody>
           <a:bodyPr/>
           <a:lstStyle/>
           <a:p>
-            <a:pPr algn="ctr"/>
-            <a:r>
-              <a:rPr lang="en-GB" dirty="0"/>
-              <a:t>Downloading Data</a:t>
-            </a:r>
-          </a:p>
-        </p:txBody>
-      </p:sp>
+            <a:endParaRPr lang="en-GB"/>
+          </a:p>
+        </p:txBody>
+      </p:sp>
+      <p:sp>
+        <p:nvSpPr>
+          <p:cNvPr id="3" name="Content Placeholder 2">
+            <a:extLst>
+              <a:ext uri="{FF2B5EF4-FFF2-40B4-BE49-F238E27FC236}">
+                <a16:creationId xmlns:a16="http://schemas.microsoft.com/office/drawing/2014/main" id="{CEB49BC6-4B49-F73B-AEC0-EEFCEEFDE971}"/>
+              </a:ext>
+            </a:extLst>
+          </p:cNvPr>
+          <p:cNvSpPr>
+            <a:spLocks noGrp="1"/>
+          </p:cNvSpPr>
+          <p:nvPr>
+            <p:ph idx="1"/>
+          </p:nvPr>
+        </p:nvSpPr>
+        <p:spPr/>
+        <p:txBody>
+          <a:bodyPr/>
+          <a:lstStyle/>
+          <a:p>
+            <a:endParaRPr lang="en-GB"/>
+          </a:p>
+        </p:txBody>
+      </p:sp>
+      <p:pic>
+        <p:nvPicPr>
+          <p:cNvPr id="3074" name="Picture 2" descr="We discovered why giant pandas are black and white: here's how">
+            <a:extLst>
+              <a:ext uri="{FF2B5EF4-FFF2-40B4-BE49-F238E27FC236}">
+                <a16:creationId xmlns:a16="http://schemas.microsoft.com/office/drawing/2014/main" id="{E40587CD-B49D-708C-CD9E-EC6B059C1AC0}"/>
+              </a:ext>
+            </a:extLst>
+          </p:cNvPr>
+          <p:cNvPicPr>
+            <a:picLocks noChangeAspect="1" noChangeArrowheads="1"/>
+          </p:cNvPicPr>
+          <p:nvPr/>
+        </p:nvPicPr>
+        <p:blipFill>
+          <a:blip r:embed="rId2">
+            <a:extLst>
+              <a:ext uri="{28A0092B-C50C-407E-A947-70E740481C1C}">
+                <a14:useLocalDpi xmlns:a14="http://schemas.microsoft.com/office/drawing/2010/main" val="0"/>
+              </a:ext>
+            </a:extLst>
+          </a:blip>
+          <a:srcRect/>
+          <a:stretch>
+            <a:fillRect/>
+          </a:stretch>
+        </p:blipFill>
+        <p:spPr bwMode="auto">
+          <a:xfrm>
+            <a:off x="2416629" y="0"/>
+            <a:ext cx="6858000" cy="6858000"/>
+          </a:xfrm>
+          <a:prstGeom prst="rect">
+            <a:avLst/>
+          </a:prstGeom>
+          <a:noFill/>
+          <a:extLst>
+            <a:ext uri="{909E8E84-426E-40DD-AFC4-6F175D3DCCD1}">
+              <a14:hiddenFill xmlns:a14="http://schemas.microsoft.com/office/drawing/2010/main">
+                <a:solidFill>
+                  <a:srgbClr val="FFFFFF"/>
+                </a:solidFill>
+              </a14:hiddenFill>
+            </a:ext>
+          </a:extLst>
+        </p:spPr>
+      </p:pic>
     </p:spTree>
     <p:extLst>
       <p:ext uri="{BB962C8B-B14F-4D97-AF65-F5344CB8AC3E}">
-        <p14:creationId xmlns:p14="http://schemas.microsoft.com/office/powerpoint/2010/main" val="2226646755"/>
+        <p14:creationId xmlns:p14="http://schemas.microsoft.com/office/powerpoint/2010/main" val="590614179"/>
       </p:ext>
     </p:extLst>
   </p:cSld>
@@ -18088,7 +20382,7 @@
           <p:cNvPr id="2" name="Title 1">
             <a:extLst>
               <a:ext uri="{FF2B5EF4-FFF2-40B4-BE49-F238E27FC236}">
-                <a16:creationId xmlns:a16="http://schemas.microsoft.com/office/drawing/2014/main" id="{69BB0CFA-F43C-A690-2C93-98478DBD07C8}"/>
+                <a16:creationId xmlns:a16="http://schemas.microsoft.com/office/drawing/2014/main" id="{D5E8D8A6-2863-137A-8410-7C6E06255E55}"/>
               </a:ext>
             </a:extLst>
           </p:cNvPr>
@@ -18099,47 +20393,28 @@
             <p:ph type="title"/>
           </p:nvPr>
         </p:nvSpPr>
-        <p:spPr/>
+        <p:spPr>
+          <a:xfrm>
+            <a:off x="1191499" y="2600419"/>
+            <a:ext cx="10131425" cy="1456267"/>
+          </a:xfrm>
+        </p:spPr>
         <p:txBody>
           <a:bodyPr/>
           <a:lstStyle/>
           <a:p>
+            <a:pPr algn="ctr"/>
             <a:r>
               <a:rPr lang="en-GB" dirty="0"/>
-              <a:t>Methods to Download Data</a:t>
-            </a:r>
-          </a:p>
-        </p:txBody>
-      </p:sp>
-      <p:sp>
-        <p:nvSpPr>
-          <p:cNvPr id="3" name="Content Placeholder 2">
-            <a:extLst>
-              <a:ext uri="{FF2B5EF4-FFF2-40B4-BE49-F238E27FC236}">
-                <a16:creationId xmlns:a16="http://schemas.microsoft.com/office/drawing/2014/main" id="{E55901F0-296F-2E9E-9A15-A39D3CEC05B3}"/>
-              </a:ext>
-            </a:extLst>
-          </p:cNvPr>
-          <p:cNvSpPr>
-            <a:spLocks noGrp="1"/>
-          </p:cNvSpPr>
-          <p:nvPr>
-            <p:ph idx="1"/>
-          </p:nvPr>
-        </p:nvSpPr>
-        <p:spPr/>
-        <p:txBody>
-          <a:bodyPr/>
-          <a:lstStyle/>
-          <a:p>
-            <a:endParaRPr lang="en-GB"/>
+              <a:t>Downloading Data</a:t>
+            </a:r>
           </a:p>
         </p:txBody>
       </p:sp>
     </p:spTree>
     <p:extLst>
       <p:ext uri="{BB962C8B-B14F-4D97-AF65-F5344CB8AC3E}">
-        <p14:creationId xmlns:p14="http://schemas.microsoft.com/office/powerpoint/2010/main" val="1255804583"/>
+        <p14:creationId xmlns:p14="http://schemas.microsoft.com/office/powerpoint/2010/main" val="2226646755"/>
       </p:ext>
     </p:extLst>
   </p:cSld>
@@ -18171,7 +20446,7 @@
           <p:cNvPr id="2" name="Title 1">
             <a:extLst>
               <a:ext uri="{FF2B5EF4-FFF2-40B4-BE49-F238E27FC236}">
-                <a16:creationId xmlns:a16="http://schemas.microsoft.com/office/drawing/2014/main" id="{D5E8D8A6-2863-137A-8410-7C6E06255E55}"/>
+                <a16:creationId xmlns:a16="http://schemas.microsoft.com/office/drawing/2014/main" id="{69BB0CFA-F43C-A690-2C93-98478DBD07C8}"/>
               </a:ext>
             </a:extLst>
           </p:cNvPr>
@@ -18182,28 +20457,103 @@
             <p:ph type="title"/>
           </p:nvPr>
         </p:nvSpPr>
-        <p:spPr>
-          <a:xfrm>
-            <a:off x="1191499" y="2600419"/>
-            <a:ext cx="10131425" cy="1456267"/>
-          </a:xfrm>
-        </p:spPr>
+        <p:spPr/>
         <p:txBody>
           <a:bodyPr/>
           <a:lstStyle/>
           <a:p>
-            <a:pPr algn="ctr"/>
             <a:r>
               <a:rPr lang="en-GB" dirty="0"/>
-              <a:t>File Formats</a:t>
-            </a:r>
+              <a:t>Methods to Download Data</a:t>
+            </a:r>
+          </a:p>
+        </p:txBody>
+      </p:sp>
+      <p:sp>
+        <p:nvSpPr>
+          <p:cNvPr id="3" name="Content Placeholder 2">
+            <a:extLst>
+              <a:ext uri="{FF2B5EF4-FFF2-40B4-BE49-F238E27FC236}">
+                <a16:creationId xmlns:a16="http://schemas.microsoft.com/office/drawing/2014/main" id="{E55901F0-296F-2E9E-9A15-A39D3CEC05B3}"/>
+              </a:ext>
+            </a:extLst>
+          </p:cNvPr>
+          <p:cNvSpPr>
+            <a:spLocks noGrp="1"/>
+          </p:cNvSpPr>
+          <p:nvPr>
+            <p:ph idx="1"/>
+          </p:nvPr>
+        </p:nvSpPr>
+        <p:spPr/>
+        <p:txBody>
+          <a:bodyPr/>
+          <a:lstStyle/>
+          <a:p>
+            <a:r>
+              <a:rPr lang="en-GB" dirty="0" err="1"/>
+              <a:t>Astroquery</a:t>
+            </a:r>
+            <a:r>
+              <a:rPr lang="en-GB" dirty="0"/>
+              <a:t> – For downloading FITS and </a:t>
+            </a:r>
+            <a:r>
+              <a:rPr lang="en-GB" dirty="0" err="1"/>
+              <a:t>skymaps</a:t>
+            </a:r>
+            <a:endParaRPr lang="en-GB" dirty="0"/>
+          </a:p>
+          <a:p>
+            <a:r>
+              <a:rPr lang="en-GB" dirty="0"/>
+              <a:t>Wget – Can be used via bash or through the python package of the same name. Downloads via </a:t>
+            </a:r>
+            <a:r>
+              <a:rPr lang="en-GB" dirty="0" err="1"/>
+              <a:t>url</a:t>
+            </a:r>
+            <a:endParaRPr lang="en-GB" dirty="0"/>
+          </a:p>
+          <a:p>
+            <a:r>
+              <a:rPr lang="en-GB" dirty="0" err="1"/>
+              <a:t>Urllib</a:t>
+            </a:r>
+            <a:r>
+              <a:rPr lang="en-GB" dirty="0"/>
+              <a:t> – Package designed to handle </a:t>
+            </a:r>
+            <a:r>
+              <a:rPr lang="en-GB" dirty="0" err="1"/>
+              <a:t>url</a:t>
+            </a:r>
+            <a:r>
+              <a:rPr lang="en-GB" dirty="0"/>
+              <a:t> requests.</a:t>
+            </a:r>
+          </a:p>
+          <a:p>
+            <a:r>
+              <a:rPr lang="en-GB" dirty="0"/>
+              <a:t>SQL – Some python packages allow you query databases via SQL</a:t>
+            </a:r>
+          </a:p>
+          <a:p>
+            <a:r>
+              <a:rPr lang="en-GB" dirty="0"/>
+              <a:t>Manual – Download a file straight from the source</a:t>
+            </a:r>
+          </a:p>
+          <a:p>
+            <a:endParaRPr lang="en-GB" dirty="0"/>
           </a:p>
         </p:txBody>
       </p:sp>
     </p:spTree>
     <p:extLst>
       <p:ext uri="{BB962C8B-B14F-4D97-AF65-F5344CB8AC3E}">
-        <p14:creationId xmlns:p14="http://schemas.microsoft.com/office/powerpoint/2010/main" val="30908752"/>
+        <p14:creationId xmlns:p14="http://schemas.microsoft.com/office/powerpoint/2010/main" val="1255804583"/>
       </p:ext>
     </p:extLst>
   </p:cSld>
@@ -18235,7 +20585,7 @@
           <p:cNvPr id="2" name="Title 1">
             <a:extLst>
               <a:ext uri="{FF2B5EF4-FFF2-40B4-BE49-F238E27FC236}">
-                <a16:creationId xmlns:a16="http://schemas.microsoft.com/office/drawing/2014/main" id="{295B8C97-B23C-9C92-8FD7-307BB1F48BD4}"/>
+                <a16:creationId xmlns:a16="http://schemas.microsoft.com/office/drawing/2014/main" id="{D5E8D8A6-2863-137A-8410-7C6E06255E55}"/>
               </a:ext>
             </a:extLst>
           </p:cNvPr>
@@ -18246,67 +20596,20 @@
             <p:ph type="title"/>
           </p:nvPr>
         </p:nvSpPr>
-        <p:spPr/>
+        <p:spPr>
+          <a:xfrm>
+            <a:off x="1191499" y="2600419"/>
+            <a:ext cx="10131425" cy="1456267"/>
+          </a:xfrm>
+        </p:spPr>
         <p:txBody>
           <a:bodyPr/>
           <a:lstStyle/>
           <a:p>
+            <a:pPr algn="ctr"/>
             <a:r>
               <a:rPr lang="en-GB" dirty="0"/>
-              <a:t>Common Types</a:t>
-            </a:r>
-          </a:p>
-        </p:txBody>
-      </p:sp>
-      <p:sp>
-        <p:nvSpPr>
-          <p:cNvPr id="3" name="Content Placeholder 2">
-            <a:extLst>
-              <a:ext uri="{FF2B5EF4-FFF2-40B4-BE49-F238E27FC236}">
-                <a16:creationId xmlns:a16="http://schemas.microsoft.com/office/drawing/2014/main" id="{BD2B67F6-8A28-A5C0-2F0F-2188B74848E7}"/>
-              </a:ext>
-            </a:extLst>
-          </p:cNvPr>
-          <p:cNvSpPr>
-            <a:spLocks noGrp="1"/>
-          </p:cNvSpPr>
-          <p:nvPr>
-            <p:ph idx="1"/>
-          </p:nvPr>
-        </p:nvSpPr>
-        <p:spPr/>
-        <p:txBody>
-          <a:bodyPr/>
-          <a:lstStyle/>
-          <a:p>
-            <a:r>
-              <a:rPr lang="en-GB" dirty="0"/>
-              <a:t>Typical data formats that you will encounter:</a:t>
-            </a:r>
-          </a:p>
-          <a:p>
-            <a:pPr lvl="1"/>
-            <a:r>
-              <a:rPr lang="en-GB" dirty="0"/>
-              <a:t>CSV (Comma-Separated Value)</a:t>
-            </a:r>
-          </a:p>
-          <a:p>
-            <a:pPr lvl="1"/>
-            <a:r>
-              <a:rPr lang="en-GB" dirty="0"/>
-              <a:t>TXT (Text File)</a:t>
-            </a:r>
-          </a:p>
-          <a:p>
-            <a:pPr lvl="1"/>
-            <a:r>
-              <a:rPr lang="en-GB" dirty="0" err="1"/>
-              <a:t>Dat</a:t>
-            </a:r>
-            <a:r>
-              <a:rPr lang="en-GB" dirty="0"/>
-              <a:t> (Data File) </a:t>
+              <a:t>File Formats</a:t>
             </a:r>
           </a:p>
         </p:txBody>
@@ -18314,7 +20617,7 @@
     </p:spTree>
     <p:extLst>
       <p:ext uri="{BB962C8B-B14F-4D97-AF65-F5344CB8AC3E}">
-        <p14:creationId xmlns:p14="http://schemas.microsoft.com/office/powerpoint/2010/main" val="1315585246"/>
+        <p14:creationId xmlns:p14="http://schemas.microsoft.com/office/powerpoint/2010/main" val="30908752"/>
       </p:ext>
     </p:extLst>
   </p:cSld>
@@ -18346,7 +20649,7 @@
           <p:cNvPr id="2" name="Title 1">
             <a:extLst>
               <a:ext uri="{FF2B5EF4-FFF2-40B4-BE49-F238E27FC236}">
-                <a16:creationId xmlns:a16="http://schemas.microsoft.com/office/drawing/2014/main" id="{27E6E1A1-34E4-FEAF-5B2D-52B32EBD75CC}"/>
+                <a16:creationId xmlns:a16="http://schemas.microsoft.com/office/drawing/2014/main" id="{295B8C97-B23C-9C92-8FD7-307BB1F48BD4}"/>
               </a:ext>
             </a:extLst>
           </p:cNvPr>
@@ -18364,7 +20667,7 @@
           <a:p>
             <a:r>
               <a:rPr lang="en-GB" dirty="0"/>
-              <a:t>FITS</a:t>
+              <a:t>Common Types</a:t>
             </a:r>
           </a:p>
         </p:txBody>
@@ -18374,7 +20677,7 @@
           <p:cNvPr id="3" name="Content Placeholder 2">
             <a:extLst>
               <a:ext uri="{FF2B5EF4-FFF2-40B4-BE49-F238E27FC236}">
-                <a16:creationId xmlns:a16="http://schemas.microsoft.com/office/drawing/2014/main" id="{EAAEE2B9-BB5F-587C-D58D-9BCB907ABE18}"/>
+                <a16:creationId xmlns:a16="http://schemas.microsoft.com/office/drawing/2014/main" id="{BD2B67F6-8A28-A5C0-2F0F-2188B74848E7}"/>
               </a:ext>
             </a:extLst>
           </p:cNvPr>
@@ -18390,14 +20693,42 @@
           <a:bodyPr/>
           <a:lstStyle/>
           <a:p>
-            <a:endParaRPr lang="en-GB"/>
+            <a:r>
+              <a:rPr lang="en-GB" dirty="0"/>
+              <a:t>Typical data formats that you will encounter:</a:t>
+            </a:r>
+          </a:p>
+          <a:p>
+            <a:pPr lvl="1"/>
+            <a:r>
+              <a:rPr lang="en-GB" dirty="0"/>
+              <a:t>CSV (Comma-Separated Value)</a:t>
+            </a:r>
+          </a:p>
+          <a:p>
+            <a:pPr lvl="1"/>
+            <a:r>
+              <a:rPr lang="en-GB" dirty="0"/>
+              <a:t>TXT (Text File)</a:t>
+            </a:r>
+          </a:p>
+          <a:p>
+            <a:pPr lvl="1"/>
+            <a:r>
+              <a:rPr lang="en-GB" dirty="0" err="1"/>
+              <a:t>Dat</a:t>
+            </a:r>
+            <a:r>
+              <a:rPr lang="en-GB" dirty="0"/>
+              <a:t> (Data File) </a:t>
+            </a:r>
           </a:p>
         </p:txBody>
       </p:sp>
     </p:spTree>
     <p:extLst>
       <p:ext uri="{BB962C8B-B14F-4D97-AF65-F5344CB8AC3E}">
-        <p14:creationId xmlns:p14="http://schemas.microsoft.com/office/powerpoint/2010/main" val="94614634"/>
+        <p14:creationId xmlns:p14="http://schemas.microsoft.com/office/powerpoint/2010/main" val="1315585246"/>
       </p:ext>
     </p:extLst>
   </p:cSld>
@@ -18429,7 +20760,7 @@
           <p:cNvPr id="2" name="Title 1">
             <a:extLst>
               <a:ext uri="{FF2B5EF4-FFF2-40B4-BE49-F238E27FC236}">
-                <a16:creationId xmlns:a16="http://schemas.microsoft.com/office/drawing/2014/main" id="{B0FC91B5-FDA6-65FB-C9D9-C10AE2745797}"/>
+                <a16:creationId xmlns:a16="http://schemas.microsoft.com/office/drawing/2014/main" id="{27E6E1A1-34E4-FEAF-5B2D-52B32EBD75CC}"/>
               </a:ext>
             </a:extLst>
           </p:cNvPr>
@@ -18447,13 +20778,8 @@
           <a:p>
             <a:r>
               <a:rPr lang="en-GB" dirty="0"/>
-              <a:t>HDF5/H5 </a:t>
-            </a:r>
-            <a:r>
-              <a:rPr lang="en-GB" dirty="0" err="1"/>
-              <a:t>FIles</a:t>
-            </a:r>
-            <a:endParaRPr lang="en-GB" dirty="0"/>
+              <a:t>FITS</a:t>
+            </a:r>
           </a:p>
         </p:txBody>
       </p:sp>
@@ -18462,7 +20788,7 @@
           <p:cNvPr id="3" name="Content Placeholder 2">
             <a:extLst>
               <a:ext uri="{FF2B5EF4-FFF2-40B4-BE49-F238E27FC236}">
-                <a16:creationId xmlns:a16="http://schemas.microsoft.com/office/drawing/2014/main" id="{51BC7B33-18E8-BB63-13B6-465247E623EF}"/>
+                <a16:creationId xmlns:a16="http://schemas.microsoft.com/office/drawing/2014/main" id="{EAAEE2B9-BB5F-587C-D58D-9BCB907ABE18}"/>
               </a:ext>
             </a:extLst>
           </p:cNvPr>
@@ -18473,19 +20799,348 @@
             <p:ph idx="1"/>
           </p:nvPr>
         </p:nvSpPr>
-        <p:spPr/>
+        <p:spPr>
+          <a:xfrm>
+            <a:off x="5751513" y="3513667"/>
+            <a:ext cx="5556952" cy="3649133"/>
+          </a:xfrm>
+        </p:spPr>
         <p:txBody>
           <a:bodyPr/>
           <a:lstStyle/>
           <a:p>
-            <a:endParaRPr lang="en-GB"/>
+            <a:pPr marL="0" indent="0">
+              <a:buNone/>
+            </a:pPr>
+            <a:r>
+              <a:rPr lang="en-GB" dirty="0"/>
+              <a:t>Image Credit: Science Telescope Science Institute</a:t>
+            </a:r>
+          </a:p>
+        </p:txBody>
+      </p:sp>
+      <p:pic>
+        <p:nvPicPr>
+          <p:cNvPr id="1028" name="Picture 4" descr="2.2 FITS File Format">
+            <a:extLst>
+              <a:ext uri="{FF2B5EF4-FFF2-40B4-BE49-F238E27FC236}">
+                <a16:creationId xmlns:a16="http://schemas.microsoft.com/office/drawing/2014/main" id="{59897D21-E314-EAD4-F5ED-5600A16B3CB1}"/>
+              </a:ext>
+            </a:extLst>
+          </p:cNvPr>
+          <p:cNvPicPr>
+            <a:picLocks noChangeAspect="1" noChangeArrowheads="1"/>
+          </p:cNvPicPr>
+          <p:nvPr/>
+        </p:nvPicPr>
+        <p:blipFill>
+          <a:blip r:embed="rId2">
+            <a:extLst>
+              <a:ext uri="{28A0092B-C50C-407E-A947-70E740481C1C}">
+                <a14:useLocalDpi xmlns:a14="http://schemas.microsoft.com/office/drawing/2010/main" val="0"/>
+              </a:ext>
+            </a:extLst>
+          </a:blip>
+          <a:srcRect/>
+          <a:stretch>
+            <a:fillRect/>
+          </a:stretch>
+        </p:blipFill>
+        <p:spPr bwMode="auto">
+          <a:xfrm>
+            <a:off x="5107200" y="1337733"/>
+            <a:ext cx="6822673" cy="3669337"/>
+          </a:xfrm>
+          <a:prstGeom prst="rect">
+            <a:avLst/>
+          </a:prstGeom>
+          <a:solidFill>
+            <a:schemeClr val="tx1"/>
+          </a:solidFill>
+        </p:spPr>
+      </p:pic>
+      <p:sp>
+        <p:nvSpPr>
+          <p:cNvPr id="4" name="Content Placeholder 2">
+            <a:extLst>
+              <a:ext uri="{FF2B5EF4-FFF2-40B4-BE49-F238E27FC236}">
+                <a16:creationId xmlns:a16="http://schemas.microsoft.com/office/drawing/2014/main" id="{CC286CD0-D670-539B-A84B-EBD32A19D329}"/>
+              </a:ext>
+            </a:extLst>
+          </p:cNvPr>
+          <p:cNvSpPr txBox="1">
+            <a:spLocks/>
+          </p:cNvSpPr>
+          <p:nvPr/>
+        </p:nvSpPr>
+        <p:spPr>
+          <a:xfrm>
+            <a:off x="685801" y="1414791"/>
+            <a:ext cx="4581524" cy="3649133"/>
+          </a:xfrm>
+          <a:prstGeom prst="rect">
+            <a:avLst/>
+          </a:prstGeom>
+        </p:spPr>
+        <p:txBody>
+          <a:bodyPr vert="horz" lIns="91440" tIns="45720" rIns="91440" bIns="45720" rtlCol="0" anchor="ctr">
+            <a:normAutofit/>
+          </a:bodyPr>
+          <a:lstStyle>
+            <a:lvl1pPr marL="285750" indent="-285750" algn="l" defTabSz="457200" rtl="0" eaLnBrk="1" latinLnBrk="0" hangingPunct="1">
+              <a:spcBef>
+                <a:spcPts val="0"/>
+              </a:spcBef>
+              <a:spcAft>
+                <a:spcPts val="1000"/>
+              </a:spcAft>
+              <a:buClr>
+                <a:schemeClr val="tx1"/>
+              </a:buClr>
+              <a:buSzPct val="100000"/>
+              <a:buFont typeface="Arial"/>
+              <a:buChar char="•"/>
+              <a:defRPr sz="1800" kern="1200" cap="none">
+                <a:solidFill>
+                  <a:schemeClr val="tx1"/>
+                </a:solidFill>
+                <a:effectLst/>
+                <a:latin typeface="+mn-lt"/>
+                <a:ea typeface="+mn-ea"/>
+                <a:cs typeface="+mn-cs"/>
+              </a:defRPr>
+            </a:lvl1pPr>
+            <a:lvl2pPr marL="742950" indent="-285750" algn="l" defTabSz="457200" rtl="0" eaLnBrk="1" latinLnBrk="0" hangingPunct="1">
+              <a:spcBef>
+                <a:spcPts val="0"/>
+              </a:spcBef>
+              <a:spcAft>
+                <a:spcPts val="1000"/>
+              </a:spcAft>
+              <a:buClr>
+                <a:schemeClr val="tx1"/>
+              </a:buClr>
+              <a:buSzPct val="100000"/>
+              <a:buFont typeface="Arial"/>
+              <a:buChar char="•"/>
+              <a:defRPr sz="1600" kern="1200" cap="none">
+                <a:solidFill>
+                  <a:schemeClr val="tx1"/>
+                </a:solidFill>
+                <a:effectLst/>
+                <a:latin typeface="+mn-lt"/>
+                <a:ea typeface="+mn-ea"/>
+                <a:cs typeface="+mn-cs"/>
+              </a:defRPr>
+            </a:lvl2pPr>
+            <a:lvl3pPr marL="1200150" indent="-285750" algn="l" defTabSz="457200" rtl="0" eaLnBrk="1" latinLnBrk="0" hangingPunct="1">
+              <a:spcBef>
+                <a:spcPts val="0"/>
+              </a:spcBef>
+              <a:spcAft>
+                <a:spcPts val="1000"/>
+              </a:spcAft>
+              <a:buClr>
+                <a:schemeClr val="tx1"/>
+              </a:buClr>
+              <a:buSzPct val="100000"/>
+              <a:buFont typeface="Arial"/>
+              <a:buChar char="•"/>
+              <a:defRPr sz="1400" kern="1200" cap="none">
+                <a:solidFill>
+                  <a:schemeClr val="tx1"/>
+                </a:solidFill>
+                <a:effectLst/>
+                <a:latin typeface="+mn-lt"/>
+                <a:ea typeface="+mn-ea"/>
+                <a:cs typeface="+mn-cs"/>
+              </a:defRPr>
+            </a:lvl3pPr>
+            <a:lvl4pPr marL="1543050" indent="-171450" algn="l" defTabSz="457200" rtl="0" eaLnBrk="1" latinLnBrk="0" hangingPunct="1">
+              <a:spcBef>
+                <a:spcPts val="0"/>
+              </a:spcBef>
+              <a:spcAft>
+                <a:spcPts val="1000"/>
+              </a:spcAft>
+              <a:buClr>
+                <a:schemeClr val="tx1"/>
+              </a:buClr>
+              <a:buSzPct val="100000"/>
+              <a:buFont typeface="Arial"/>
+              <a:buChar char="•"/>
+              <a:defRPr sz="1200" kern="1200" cap="none">
+                <a:solidFill>
+                  <a:schemeClr val="tx1"/>
+                </a:solidFill>
+                <a:effectLst/>
+                <a:latin typeface="+mn-lt"/>
+                <a:ea typeface="+mn-ea"/>
+                <a:cs typeface="+mn-cs"/>
+              </a:defRPr>
+            </a:lvl4pPr>
+            <a:lvl5pPr marL="2000250" indent="-171450" algn="l" defTabSz="457200" rtl="0" eaLnBrk="1" latinLnBrk="0" hangingPunct="1">
+              <a:spcBef>
+                <a:spcPts val="0"/>
+              </a:spcBef>
+              <a:spcAft>
+                <a:spcPts val="1000"/>
+              </a:spcAft>
+              <a:buClr>
+                <a:schemeClr val="tx1"/>
+              </a:buClr>
+              <a:buSzPct val="100000"/>
+              <a:buFont typeface="Arial"/>
+              <a:buChar char="•"/>
+              <a:defRPr sz="1200" kern="1200" cap="none">
+                <a:solidFill>
+                  <a:schemeClr val="tx1"/>
+                </a:solidFill>
+                <a:effectLst/>
+                <a:latin typeface="+mn-lt"/>
+                <a:ea typeface="+mn-ea"/>
+                <a:cs typeface="+mn-cs"/>
+              </a:defRPr>
+            </a:lvl5pPr>
+            <a:lvl6pPr marL="2514600" indent="-228600" algn="l" defTabSz="457200" rtl="0" eaLnBrk="1" latinLnBrk="0" hangingPunct="1">
+              <a:spcBef>
+                <a:spcPts val="0"/>
+              </a:spcBef>
+              <a:spcAft>
+                <a:spcPts val="1000"/>
+              </a:spcAft>
+              <a:buClr>
+                <a:schemeClr val="tx1"/>
+              </a:buClr>
+              <a:buSzPct val="100000"/>
+              <a:buFont typeface="Arial"/>
+              <a:buChar char="•"/>
+              <a:defRPr sz="1200" kern="1200" cap="none">
+                <a:solidFill>
+                  <a:schemeClr val="tx1"/>
+                </a:solidFill>
+                <a:effectLst/>
+                <a:latin typeface="+mn-lt"/>
+                <a:ea typeface="+mn-ea"/>
+                <a:cs typeface="+mn-cs"/>
+              </a:defRPr>
+            </a:lvl6pPr>
+            <a:lvl7pPr marL="2971800" indent="-228600" algn="l" defTabSz="457200" rtl="0" eaLnBrk="1" latinLnBrk="0" hangingPunct="1">
+              <a:spcBef>
+                <a:spcPts val="0"/>
+              </a:spcBef>
+              <a:spcAft>
+                <a:spcPts val="1000"/>
+              </a:spcAft>
+              <a:buClr>
+                <a:schemeClr val="tx1"/>
+              </a:buClr>
+              <a:buSzPct val="100000"/>
+              <a:buFont typeface="Arial"/>
+              <a:buChar char="•"/>
+              <a:defRPr sz="1200" kern="1200" cap="none">
+                <a:solidFill>
+                  <a:schemeClr val="tx1"/>
+                </a:solidFill>
+                <a:effectLst/>
+                <a:latin typeface="+mn-lt"/>
+                <a:ea typeface="+mn-ea"/>
+                <a:cs typeface="+mn-cs"/>
+              </a:defRPr>
+            </a:lvl7pPr>
+            <a:lvl8pPr marL="3429000" indent="-228600" algn="l" defTabSz="457200" rtl="0" eaLnBrk="1" latinLnBrk="0" hangingPunct="1">
+              <a:spcBef>
+                <a:spcPts val="0"/>
+              </a:spcBef>
+              <a:spcAft>
+                <a:spcPts val="1000"/>
+              </a:spcAft>
+              <a:buClr>
+                <a:schemeClr val="tx1"/>
+              </a:buClr>
+              <a:buSzPct val="100000"/>
+              <a:buFont typeface="Arial"/>
+              <a:buChar char="•"/>
+              <a:defRPr sz="1200" kern="1200" cap="none">
+                <a:solidFill>
+                  <a:schemeClr val="tx1"/>
+                </a:solidFill>
+                <a:effectLst/>
+                <a:latin typeface="+mn-lt"/>
+                <a:ea typeface="+mn-ea"/>
+                <a:cs typeface="+mn-cs"/>
+              </a:defRPr>
+            </a:lvl8pPr>
+            <a:lvl9pPr marL="3886200" indent="-228600" algn="l" defTabSz="457200" rtl="0" eaLnBrk="1" latinLnBrk="0" hangingPunct="1">
+              <a:spcBef>
+                <a:spcPts val="0"/>
+              </a:spcBef>
+              <a:spcAft>
+                <a:spcPts val="1000"/>
+              </a:spcAft>
+              <a:buClr>
+                <a:schemeClr val="tx1"/>
+              </a:buClr>
+              <a:buSzPct val="100000"/>
+              <a:buFont typeface="Arial"/>
+              <a:buChar char="•"/>
+              <a:defRPr sz="1200" kern="1200" cap="none">
+                <a:solidFill>
+                  <a:schemeClr val="tx1"/>
+                </a:solidFill>
+                <a:effectLst/>
+                <a:latin typeface="+mn-lt"/>
+                <a:ea typeface="+mn-ea"/>
+                <a:cs typeface="+mn-cs"/>
+              </a:defRPr>
+            </a:lvl9pPr>
+          </a:lstStyle>
+          <a:p>
+            <a:r>
+              <a:rPr lang="en-GB" dirty="0"/>
+              <a:t>Data format that can hold multiple sets of data</a:t>
+            </a:r>
+          </a:p>
+          <a:p>
+            <a:r>
+              <a:rPr lang="en-GB" dirty="0"/>
+              <a:t>Described by the header</a:t>
+            </a:r>
+          </a:p>
+          <a:p>
+            <a:r>
+              <a:rPr lang="en-GB" dirty="0"/>
+              <a:t>Can be accessed/viewed with:</a:t>
+            </a:r>
+          </a:p>
+          <a:p>
+            <a:pPr lvl="1"/>
+            <a:r>
+              <a:rPr lang="en-GB" dirty="0"/>
+              <a:t>Specialised programs</a:t>
+            </a:r>
+          </a:p>
+          <a:p>
+            <a:pPr lvl="1"/>
+            <a:r>
+              <a:rPr lang="en-GB" dirty="0" err="1"/>
+              <a:t>Astropy</a:t>
+            </a:r>
+            <a:endParaRPr lang="en-GB" dirty="0"/>
+          </a:p>
+          <a:p>
+            <a:pPr lvl="1"/>
+            <a:r>
+              <a:rPr lang="en-GB" dirty="0"/>
+              <a:t>DS9</a:t>
+            </a:r>
           </a:p>
         </p:txBody>
       </p:sp>
     </p:spTree>
     <p:extLst>
       <p:ext uri="{BB962C8B-B14F-4D97-AF65-F5344CB8AC3E}">
-        <p14:creationId xmlns:p14="http://schemas.microsoft.com/office/powerpoint/2010/main" val="3005881643"/>
+        <p14:creationId xmlns:p14="http://schemas.microsoft.com/office/powerpoint/2010/main" val="94614634"/>
       </p:ext>
     </p:extLst>
   </p:cSld>
